--- a/Figures/Figures_SLCI.pptx
+++ b/Figures/Figures_SLCI.pptx
@@ -287,7 +287,7 @@
           <a:p>
             <a:fld id="{BD89F238-C63D-4CD6-998A-BA2BC488EACD}" type="datetimeFigureOut">
               <a:rPr lang="fr-FR" smtClean="0"/>
-              <a:t>13/11/2022</a:t>
+              <a:t>23/11/2022</a:t>
             </a:fld>
             <a:endParaRPr lang="fr-FR"/>
           </a:p>
@@ -485,7 +485,7 @@
           <a:p>
             <a:fld id="{BD89F238-C63D-4CD6-998A-BA2BC488EACD}" type="datetimeFigureOut">
               <a:rPr lang="fr-FR" smtClean="0"/>
-              <a:t>13/11/2022</a:t>
+              <a:t>23/11/2022</a:t>
             </a:fld>
             <a:endParaRPr lang="fr-FR"/>
           </a:p>
@@ -693,7 +693,7 @@
           <a:p>
             <a:fld id="{BD89F238-C63D-4CD6-998A-BA2BC488EACD}" type="datetimeFigureOut">
               <a:rPr lang="fr-FR" smtClean="0"/>
-              <a:t>13/11/2022</a:t>
+              <a:t>23/11/2022</a:t>
             </a:fld>
             <a:endParaRPr lang="fr-FR"/>
           </a:p>
@@ -891,7 +891,7 @@
           <a:p>
             <a:fld id="{BD89F238-C63D-4CD6-998A-BA2BC488EACD}" type="datetimeFigureOut">
               <a:rPr lang="fr-FR" smtClean="0"/>
-              <a:t>13/11/2022</a:t>
+              <a:t>23/11/2022</a:t>
             </a:fld>
             <a:endParaRPr lang="fr-FR"/>
           </a:p>
@@ -1166,7 +1166,7 @@
           <a:p>
             <a:fld id="{BD89F238-C63D-4CD6-998A-BA2BC488EACD}" type="datetimeFigureOut">
               <a:rPr lang="fr-FR" smtClean="0"/>
-              <a:t>13/11/2022</a:t>
+              <a:t>23/11/2022</a:t>
             </a:fld>
             <a:endParaRPr lang="fr-FR"/>
           </a:p>
@@ -1431,7 +1431,7 @@
           <a:p>
             <a:fld id="{BD89F238-C63D-4CD6-998A-BA2BC488EACD}" type="datetimeFigureOut">
               <a:rPr lang="fr-FR" smtClean="0"/>
-              <a:t>13/11/2022</a:t>
+              <a:t>23/11/2022</a:t>
             </a:fld>
             <a:endParaRPr lang="fr-FR"/>
           </a:p>
@@ -1843,7 +1843,7 @@
           <a:p>
             <a:fld id="{BD89F238-C63D-4CD6-998A-BA2BC488EACD}" type="datetimeFigureOut">
               <a:rPr lang="fr-FR" smtClean="0"/>
-              <a:t>13/11/2022</a:t>
+              <a:t>23/11/2022</a:t>
             </a:fld>
             <a:endParaRPr lang="fr-FR"/>
           </a:p>
@@ -1984,7 +1984,7 @@
           <a:p>
             <a:fld id="{BD89F238-C63D-4CD6-998A-BA2BC488EACD}" type="datetimeFigureOut">
               <a:rPr lang="fr-FR" smtClean="0"/>
-              <a:t>13/11/2022</a:t>
+              <a:t>23/11/2022</a:t>
             </a:fld>
             <a:endParaRPr lang="fr-FR"/>
           </a:p>
@@ -2097,7 +2097,7 @@
           <a:p>
             <a:fld id="{BD89F238-C63D-4CD6-998A-BA2BC488EACD}" type="datetimeFigureOut">
               <a:rPr lang="fr-FR" smtClean="0"/>
-              <a:t>13/11/2022</a:t>
+              <a:t>23/11/2022</a:t>
             </a:fld>
             <a:endParaRPr lang="fr-FR"/>
           </a:p>
@@ -2408,7 +2408,7 @@
           <a:p>
             <a:fld id="{BD89F238-C63D-4CD6-998A-BA2BC488EACD}" type="datetimeFigureOut">
               <a:rPr lang="fr-FR" smtClean="0"/>
-              <a:t>13/11/2022</a:t>
+              <a:t>23/11/2022</a:t>
             </a:fld>
             <a:endParaRPr lang="fr-FR"/>
           </a:p>
@@ -2696,7 +2696,7 @@
           <a:p>
             <a:fld id="{BD89F238-C63D-4CD6-998A-BA2BC488EACD}" type="datetimeFigureOut">
               <a:rPr lang="fr-FR" smtClean="0"/>
-              <a:t>13/11/2022</a:t>
+              <a:t>23/11/2022</a:t>
             </a:fld>
             <a:endParaRPr lang="fr-FR"/>
           </a:p>
@@ -2937,7 +2937,7 @@
           <a:p>
             <a:fld id="{BD89F238-C63D-4CD6-998A-BA2BC488EACD}" type="datetimeFigureOut">
               <a:rPr lang="fr-FR" smtClean="0"/>
-              <a:t>13/11/2022</a:t>
+              <a:t>23/11/2022</a:t>
             </a:fld>
             <a:endParaRPr lang="fr-FR"/>
           </a:p>
@@ -31951,56 +31951,5728 @@
           <a:chExt cx="0" cy="0"/>
         </a:xfrm>
       </p:grpSpPr>
-      <p:sp>
-        <p:nvSpPr>
-          <p:cNvPr id="2" name="Titre 1">
-            <a:extLst>
-              <a:ext uri="{FF2B5EF4-FFF2-40B4-BE49-F238E27FC236}">
-                <a16:creationId xmlns:a16="http://schemas.microsoft.com/office/drawing/2014/main" id="{C0E36AD9-982D-047D-9DE5-F487409B931A}"/>
-              </a:ext>
-            </a:extLst>
-          </p:cNvPr>
-          <p:cNvSpPr>
-            <a:spLocks noGrp="1"/>
-          </p:cNvSpPr>
-          <p:nvPr>
-            <p:ph type="title"/>
-          </p:nvPr>
-        </p:nvSpPr>
-        <p:spPr/>
-        <p:txBody>
-          <a:bodyPr/>
-          <a:lstStyle/>
-          <a:p>
-            <a:endParaRPr lang="fr-FR"/>
-          </a:p>
-        </p:txBody>
-      </p:sp>
-      <p:sp>
-        <p:nvSpPr>
-          <p:cNvPr id="3" name="Espace réservé du contenu 2">
-            <a:extLst>
-              <a:ext uri="{FF2B5EF4-FFF2-40B4-BE49-F238E27FC236}">
-                <a16:creationId xmlns:a16="http://schemas.microsoft.com/office/drawing/2014/main" id="{0CFF127F-7CAE-37A7-58C7-403CB2641FEC}"/>
-              </a:ext>
-            </a:extLst>
-          </p:cNvPr>
-          <p:cNvSpPr>
-            <a:spLocks noGrp="1"/>
-          </p:cNvSpPr>
-          <p:nvPr>
-            <p:ph idx="1"/>
-          </p:nvPr>
-        </p:nvSpPr>
-        <p:spPr/>
-        <p:txBody>
-          <a:bodyPr/>
-          <a:lstStyle/>
-          <a:p>
-            <a:endParaRPr lang="fr-FR"/>
-          </a:p>
-        </p:txBody>
-      </p:sp>
+      <mc:AlternateContent xmlns:mc="http://schemas.openxmlformats.org/markup-compatibility/2006">
+        <mc:Choice xmlns:a14="http://schemas.microsoft.com/office/drawing/2010/main" Requires="a14">
+          <p:graphicFrame>
+            <p:nvGraphicFramePr>
+              <p:cNvPr id="4" name="Tableau 4">
+                <a:extLst>
+                  <a:ext uri="{FF2B5EF4-FFF2-40B4-BE49-F238E27FC236}">
+                    <a16:creationId xmlns:a16="http://schemas.microsoft.com/office/drawing/2014/main" id="{5FF557A1-A691-B714-AF02-94572087E4F8}"/>
+                  </a:ext>
+                </a:extLst>
+              </p:cNvPr>
+              <p:cNvGraphicFramePr>
+                <a:graphicFrameLocks noGrp="1"/>
+              </p:cNvGraphicFramePr>
+              <p:nvPr>
+                <p:extLst>
+                  <p:ext uri="{D42A27DB-BD31-4B8C-83A1-F6EECF244321}">
+                    <p14:modId xmlns:p14="http://schemas.microsoft.com/office/powerpoint/2010/main" val="2100853332"/>
+                  </p:ext>
+                </p:extLst>
+              </p:nvPr>
+            </p:nvGraphicFramePr>
+            <p:xfrm>
+              <a:off x="344384" y="568134"/>
+              <a:ext cx="11447812" cy="3370518"/>
+            </p:xfrm>
+            <a:graphic>
+              <a:graphicData uri="http://schemas.openxmlformats.org/drawingml/2006/table">
+                <a:tbl>
+                  <a:tblPr firstRow="1" bandRow="1">
+                    <a:tableStyleId>{5C22544A-7EE6-4342-B048-85BDC9FD1C3A}</a:tableStyleId>
+                  </a:tblPr>
+                  <a:tblGrid>
+                    <a:gridCol w="1971304">
+                      <a:extLst>
+                        <a:ext uri="{9D8B030D-6E8A-4147-A177-3AD203B41FA5}">
+                          <a16:colId xmlns:a16="http://schemas.microsoft.com/office/drawing/2014/main" val="759663804"/>
+                        </a:ext>
+                      </a:extLst>
+                    </a:gridCol>
+                    <a:gridCol w="1579418">
+                      <a:extLst>
+                        <a:ext uri="{9D8B030D-6E8A-4147-A177-3AD203B41FA5}">
+                          <a16:colId xmlns:a16="http://schemas.microsoft.com/office/drawing/2014/main" val="3214280642"/>
+                        </a:ext>
+                      </a:extLst>
+                    </a:gridCol>
+                    <a:gridCol w="1579418">
+                      <a:extLst>
+                        <a:ext uri="{9D8B030D-6E8A-4147-A177-3AD203B41FA5}">
+                          <a16:colId xmlns:a16="http://schemas.microsoft.com/office/drawing/2014/main" val="639595161"/>
+                        </a:ext>
+                      </a:extLst>
+                    </a:gridCol>
+                    <a:gridCol w="1413164">
+                      <a:extLst>
+                        <a:ext uri="{9D8B030D-6E8A-4147-A177-3AD203B41FA5}">
+                          <a16:colId xmlns:a16="http://schemas.microsoft.com/office/drawing/2014/main" val="2420502198"/>
+                        </a:ext>
+                      </a:extLst>
+                    </a:gridCol>
+                    <a:gridCol w="1745672">
+                      <a:extLst>
+                        <a:ext uri="{9D8B030D-6E8A-4147-A177-3AD203B41FA5}">
+                          <a16:colId xmlns:a16="http://schemas.microsoft.com/office/drawing/2014/main" val="1133234331"/>
+                        </a:ext>
+                      </a:extLst>
+                    </a:gridCol>
+                    <a:gridCol w="1579418">
+                      <a:extLst>
+                        <a:ext uri="{9D8B030D-6E8A-4147-A177-3AD203B41FA5}">
+                          <a16:colId xmlns:a16="http://schemas.microsoft.com/office/drawing/2014/main" val="3026814655"/>
+                        </a:ext>
+                      </a:extLst>
+                    </a:gridCol>
+                    <a:gridCol w="1579418">
+                      <a:extLst>
+                        <a:ext uri="{9D8B030D-6E8A-4147-A177-3AD203B41FA5}">
+                          <a16:colId xmlns:a16="http://schemas.microsoft.com/office/drawing/2014/main" val="178789918"/>
+                        </a:ext>
+                      </a:extLst>
+                    </a:gridCol>
+                  </a:tblGrid>
+                  <a:tr h="370840">
+                    <a:tc>
+                      <a:txBody>
+                        <a:bodyPr/>
+                        <a:lstStyle/>
+                        <a:p>
+                          <a:endParaRPr lang="fr-FR" dirty="0">
+                            <a:solidFill>
+                              <a:schemeClr val="tx1"/>
+                            </a:solidFill>
+                          </a:endParaRPr>
+                        </a:p>
+                      </a:txBody>
+                      <a:tcPr>
+                        <a:lnL w="12700" cap="flat" cmpd="sng" algn="ctr">
+                          <a:solidFill>
+                            <a:schemeClr val="tx1"/>
+                          </a:solidFill>
+                          <a:prstDash val="solid"/>
+                          <a:round/>
+                          <a:headEnd type="none" w="med" len="med"/>
+                          <a:tailEnd type="none" w="med" len="med"/>
+                        </a:lnL>
+                        <a:lnR w="12700" cap="flat" cmpd="sng" algn="ctr">
+                          <a:solidFill>
+                            <a:schemeClr val="tx1"/>
+                          </a:solidFill>
+                          <a:prstDash val="solid"/>
+                          <a:round/>
+                          <a:headEnd type="none" w="med" len="med"/>
+                          <a:tailEnd type="none" w="med" len="med"/>
+                        </a:lnR>
+                        <a:lnT w="12700" cap="flat" cmpd="sng" algn="ctr">
+                          <a:solidFill>
+                            <a:schemeClr val="tx1"/>
+                          </a:solidFill>
+                          <a:prstDash val="solid"/>
+                          <a:round/>
+                          <a:headEnd type="none" w="med" len="med"/>
+                          <a:tailEnd type="none" w="med" len="med"/>
+                        </a:lnT>
+                        <a:lnB w="12700" cap="flat" cmpd="sng" algn="ctr">
+                          <a:solidFill>
+                            <a:schemeClr val="tx1"/>
+                          </a:solidFill>
+                          <a:prstDash val="solid"/>
+                          <a:round/>
+                          <a:headEnd type="none" w="med" len="med"/>
+                          <a:tailEnd type="none" w="med" len="med"/>
+                        </a:lnB>
+                        <a:noFill/>
+                      </a:tcPr>
+                    </a:tc>
+                    <a:tc gridSpan="2">
+                      <a:txBody>
+                        <a:bodyPr/>
+                        <a:lstStyle/>
+                        <a:p>
+                          <a:pPr/>
+                          <a14:m>
+                            <m:oMathPara xmlns:m="http://schemas.openxmlformats.org/officeDocument/2006/math">
+                              <m:oMathParaPr>
+                                <m:jc m:val="centerGroup"/>
+                              </m:oMathParaPr>
+                              <m:oMath xmlns:m="http://schemas.openxmlformats.org/officeDocument/2006/math">
+                                <m:f>
+                                  <m:fPr>
+                                    <m:ctrlPr>
+                                      <a:rPr lang="fr-FR" b="1" i="1" smtClean="0">
+                                        <a:solidFill>
+                                          <a:schemeClr val="tx1"/>
+                                        </a:solidFill>
+                                        <a:latin typeface="Cambria Math" panose="02040503050406030204" pitchFamily="18" charset="0"/>
+                                      </a:rPr>
+                                    </m:ctrlPr>
+                                  </m:fPr>
+                                  <m:num>
+                                    <m:r>
+                                      <a:rPr lang="fr-FR" b="1" i="1" smtClean="0">
+                                        <a:solidFill>
+                                          <a:schemeClr val="tx1"/>
+                                        </a:solidFill>
+                                        <a:latin typeface="Cambria Math" panose="02040503050406030204" pitchFamily="18" charset="0"/>
+                                      </a:rPr>
+                                      <m:t>𝟏</m:t>
+                                    </m:r>
+                                  </m:num>
+                                  <m:den>
+                                    <m:r>
+                                      <a:rPr lang="fr-FR" b="1" i="1" smtClean="0">
+                                        <a:solidFill>
+                                          <a:schemeClr val="tx1"/>
+                                        </a:solidFill>
+                                        <a:latin typeface="Cambria Math" panose="02040503050406030204" pitchFamily="18" charset="0"/>
+                                      </a:rPr>
+                                      <m:t>𝟎</m:t>
+                                    </m:r>
+                                    <m:r>
+                                      <a:rPr lang="fr-FR" b="1" i="1" smtClean="0">
+                                        <a:solidFill>
+                                          <a:schemeClr val="tx1"/>
+                                        </a:solidFill>
+                                        <a:latin typeface="Cambria Math" panose="02040503050406030204" pitchFamily="18" charset="0"/>
+                                      </a:rPr>
+                                      <m:t>,</m:t>
+                                    </m:r>
+                                    <m:r>
+                                      <a:rPr lang="fr-FR" b="1" i="1" smtClean="0">
+                                        <a:solidFill>
+                                          <a:schemeClr val="tx1"/>
+                                        </a:solidFill>
+                                        <a:latin typeface="Cambria Math" panose="02040503050406030204" pitchFamily="18" charset="0"/>
+                                      </a:rPr>
+                                      <m:t>𝟕𝟓</m:t>
+                                    </m:r>
+                                  </m:den>
+                                </m:f>
+                                <m:r>
+                                  <a:rPr lang="fr-FR" b="1" i="1" smtClean="0">
+                                    <a:solidFill>
+                                      <a:schemeClr val="tx1"/>
+                                    </a:solidFill>
+                                    <a:latin typeface="Cambria Math" panose="02040503050406030204" pitchFamily="18" charset="0"/>
+                                  </a:rPr>
+                                  <m:t>=</m:t>
+                                </m:r>
+                                <m:r>
+                                  <a:rPr lang="fr-FR" b="1" i="1" smtClean="0">
+                                    <a:solidFill>
+                                      <a:schemeClr val="tx1"/>
+                                    </a:solidFill>
+                                    <a:latin typeface="Cambria Math" panose="02040503050406030204" pitchFamily="18" charset="0"/>
+                                  </a:rPr>
+                                  <m:t>𝟏</m:t>
+                                </m:r>
+                                <m:r>
+                                  <a:rPr lang="fr-FR" b="1" i="1" smtClean="0">
+                                    <a:solidFill>
+                                      <a:schemeClr val="tx1"/>
+                                    </a:solidFill>
+                                    <a:latin typeface="Cambria Math" panose="02040503050406030204" pitchFamily="18" charset="0"/>
+                                  </a:rPr>
+                                  <m:t>,</m:t>
+                                </m:r>
+                                <m:r>
+                                  <a:rPr lang="fr-FR" b="1" i="1" smtClean="0">
+                                    <a:solidFill>
+                                      <a:schemeClr val="tx1"/>
+                                    </a:solidFill>
+                                    <a:latin typeface="Cambria Math" panose="02040503050406030204" pitchFamily="18" charset="0"/>
+                                  </a:rPr>
+                                  <m:t>𝟑</m:t>
+                                </m:r>
+                                <m:r>
+                                  <a:rPr lang="fr-FR" b="1" i="1" smtClean="0">
+                                    <a:solidFill>
+                                      <a:schemeClr val="tx1"/>
+                                    </a:solidFill>
+                                    <a:latin typeface="Cambria Math" panose="02040503050406030204" pitchFamily="18" charset="0"/>
+                                  </a:rPr>
+                                  <m:t> </m:t>
+                                </m:r>
+                                <m:r>
+                                  <a:rPr lang="fr-FR" b="1" i="0" smtClean="0">
+                                    <a:solidFill>
+                                      <a:schemeClr val="tx1"/>
+                                    </a:solidFill>
+                                    <a:latin typeface="Cambria Math" panose="02040503050406030204" pitchFamily="18" charset="0"/>
+                                  </a:rPr>
+                                  <m:t>𝐫𝐚𝐝</m:t>
+                                </m:r>
+                                <m:r>
+                                  <m:rPr>
+                                    <m:lit/>
+                                  </m:rPr>
+                                  <a:rPr lang="fr-FR" b="1" i="0" smtClean="0">
+                                    <a:solidFill>
+                                      <a:schemeClr val="tx1"/>
+                                    </a:solidFill>
+                                    <a:latin typeface="Cambria Math" panose="02040503050406030204" pitchFamily="18" charset="0"/>
+                                  </a:rPr>
+                                  <m:t>/</m:t>
+                                </m:r>
+                                <m:r>
+                                  <a:rPr lang="fr-FR" b="1" i="0" smtClean="0">
+                                    <a:solidFill>
+                                      <a:schemeClr val="tx1"/>
+                                    </a:solidFill>
+                                    <a:latin typeface="Cambria Math" panose="02040503050406030204" pitchFamily="18" charset="0"/>
+                                  </a:rPr>
+                                  <m:t>𝐬</m:t>
+                                </m:r>
+                              </m:oMath>
+                            </m:oMathPara>
+                          </a14:m>
+                          <a:endParaRPr lang="fr-FR" i="0" dirty="0">
+                            <a:solidFill>
+                              <a:schemeClr val="tx1"/>
+                            </a:solidFill>
+                          </a:endParaRPr>
+                        </a:p>
+                      </a:txBody>
+                      <a:tcPr>
+                        <a:lnL w="12700" cap="flat" cmpd="sng" algn="ctr">
+                          <a:solidFill>
+                            <a:schemeClr val="tx1"/>
+                          </a:solidFill>
+                          <a:prstDash val="solid"/>
+                          <a:round/>
+                          <a:headEnd type="none" w="med" len="med"/>
+                          <a:tailEnd type="none" w="med" len="med"/>
+                        </a:lnL>
+                        <a:lnR w="12700" cap="flat" cmpd="sng" algn="ctr">
+                          <a:solidFill>
+                            <a:schemeClr val="tx1"/>
+                          </a:solidFill>
+                          <a:prstDash val="solid"/>
+                          <a:round/>
+                          <a:headEnd type="none" w="med" len="med"/>
+                          <a:tailEnd type="none" w="med" len="med"/>
+                        </a:lnR>
+                        <a:lnT w="12700" cap="flat" cmpd="sng" algn="ctr">
+                          <a:solidFill>
+                            <a:schemeClr val="tx1"/>
+                          </a:solidFill>
+                          <a:prstDash val="solid"/>
+                          <a:round/>
+                          <a:headEnd type="none" w="med" len="med"/>
+                          <a:tailEnd type="none" w="med" len="med"/>
+                        </a:lnT>
+                        <a:lnB w="12700" cap="flat" cmpd="sng" algn="ctr">
+                          <a:solidFill>
+                            <a:schemeClr val="tx1"/>
+                          </a:solidFill>
+                          <a:prstDash val="solid"/>
+                          <a:round/>
+                          <a:headEnd type="none" w="med" len="med"/>
+                          <a:tailEnd type="none" w="med" len="med"/>
+                        </a:lnB>
+                        <a:noFill/>
+                      </a:tcPr>
+                    </a:tc>
+                    <a:tc hMerge="1">
+                      <a:txBody>
+                        <a:bodyPr/>
+                        <a:lstStyle/>
+                        <a:p>
+                          <a:endParaRPr lang="fr-FR" dirty="0"/>
+                        </a:p>
+                      </a:txBody>
+                      <a:tcPr>
+                        <a:lnL w="12700" cap="flat" cmpd="sng" algn="ctr">
+                          <a:solidFill>
+                            <a:schemeClr val="tx1"/>
+                          </a:solidFill>
+                          <a:prstDash val="solid"/>
+                          <a:round/>
+                          <a:headEnd type="none" w="med" len="med"/>
+                          <a:tailEnd type="none" w="med" len="med"/>
+                        </a:lnL>
+                        <a:lnR w="12700" cap="flat" cmpd="sng" algn="ctr">
+                          <a:solidFill>
+                            <a:schemeClr val="tx1"/>
+                          </a:solidFill>
+                          <a:prstDash val="solid"/>
+                          <a:round/>
+                          <a:headEnd type="none" w="med" len="med"/>
+                          <a:tailEnd type="none" w="med" len="med"/>
+                        </a:lnR>
+                        <a:lnT w="12700" cap="flat" cmpd="sng" algn="ctr">
+                          <a:solidFill>
+                            <a:schemeClr val="tx1"/>
+                          </a:solidFill>
+                          <a:prstDash val="solid"/>
+                          <a:round/>
+                          <a:headEnd type="none" w="med" len="med"/>
+                          <a:tailEnd type="none" w="med" len="med"/>
+                        </a:lnT>
+                        <a:lnB w="12700" cap="flat" cmpd="sng" algn="ctr">
+                          <a:solidFill>
+                            <a:schemeClr val="tx1"/>
+                          </a:solidFill>
+                          <a:prstDash val="solid"/>
+                          <a:round/>
+                          <a:headEnd type="none" w="med" len="med"/>
+                          <a:tailEnd type="none" w="med" len="med"/>
+                        </a:lnB>
+                        <a:noFill/>
+                      </a:tcPr>
+                    </a:tc>
+                    <a:tc gridSpan="2">
+                      <a:txBody>
+                        <a:bodyPr/>
+                        <a:lstStyle/>
+                        <a:p>
+                          <a14:m>
+                            <m:oMathPara xmlns:m="http://schemas.openxmlformats.org/officeDocument/2006/math">
+                              <m:oMathParaPr>
+                                <m:jc m:val="centerGroup"/>
+                              </m:oMathParaPr>
+                              <m:oMath xmlns:m="http://schemas.openxmlformats.org/officeDocument/2006/math">
+                                <m:f>
+                                  <m:fPr>
+                                    <m:ctrlPr>
+                                      <a:rPr lang="fr-FR" b="1" i="1" smtClean="0">
+                                        <a:solidFill>
+                                          <a:schemeClr val="tx1"/>
+                                        </a:solidFill>
+                                        <a:latin typeface="Cambria Math" panose="02040503050406030204" pitchFamily="18" charset="0"/>
+                                      </a:rPr>
+                                    </m:ctrlPr>
+                                  </m:fPr>
+                                  <m:num>
+                                    <m:r>
+                                      <a:rPr lang="fr-FR" b="1" i="1" smtClean="0">
+                                        <a:solidFill>
+                                          <a:schemeClr val="tx1"/>
+                                        </a:solidFill>
+                                        <a:latin typeface="Cambria Math" panose="02040503050406030204" pitchFamily="18" charset="0"/>
+                                      </a:rPr>
+                                      <m:t>𝟏</m:t>
+                                    </m:r>
+                                  </m:num>
+                                  <m:den>
+                                    <m:r>
+                                      <a:rPr lang="fr-FR" b="1" i="1" smtClean="0">
+                                        <a:solidFill>
+                                          <a:schemeClr val="tx1"/>
+                                        </a:solidFill>
+                                        <a:latin typeface="Cambria Math" panose="02040503050406030204" pitchFamily="18" charset="0"/>
+                                      </a:rPr>
+                                      <m:t>𝟎</m:t>
+                                    </m:r>
+                                    <m:r>
+                                      <a:rPr lang="fr-FR" b="1" i="1" smtClean="0">
+                                        <a:solidFill>
+                                          <a:schemeClr val="tx1"/>
+                                        </a:solidFill>
+                                        <a:latin typeface="Cambria Math" panose="02040503050406030204" pitchFamily="18" charset="0"/>
+                                      </a:rPr>
+                                      <m:t>,</m:t>
+                                    </m:r>
+                                    <m:r>
+                                      <a:rPr lang="fr-FR" b="1" i="1" smtClean="0">
+                                        <a:solidFill>
+                                          <a:schemeClr val="tx1"/>
+                                        </a:solidFill>
+                                        <a:latin typeface="Cambria Math" panose="02040503050406030204" pitchFamily="18" charset="0"/>
+                                      </a:rPr>
+                                      <m:t>𝟏</m:t>
+                                    </m:r>
+                                  </m:den>
+                                </m:f>
+                                <m:r>
+                                  <a:rPr lang="fr-FR" b="1" i="1" smtClean="0">
+                                    <a:solidFill>
+                                      <a:schemeClr val="tx1"/>
+                                    </a:solidFill>
+                                    <a:latin typeface="Cambria Math" panose="02040503050406030204" pitchFamily="18" charset="0"/>
+                                  </a:rPr>
+                                  <m:t>=</m:t>
+                                </m:r>
+                                <m:r>
+                                  <a:rPr lang="fr-FR" b="1" i="1" smtClean="0">
+                                    <a:solidFill>
+                                      <a:schemeClr val="tx1"/>
+                                    </a:solidFill>
+                                    <a:latin typeface="Cambria Math" panose="02040503050406030204" pitchFamily="18" charset="0"/>
+                                  </a:rPr>
+                                  <m:t>𝟏𝟎</m:t>
+                                </m:r>
+                                <m:r>
+                                  <a:rPr lang="fr-FR" b="1" i="1" smtClean="0">
+                                    <a:solidFill>
+                                      <a:schemeClr val="tx1"/>
+                                    </a:solidFill>
+                                    <a:latin typeface="Cambria Math" panose="02040503050406030204" pitchFamily="18" charset="0"/>
+                                  </a:rPr>
+                                  <m:t> </m:t>
+                                </m:r>
+                                <m:r>
+                                  <a:rPr lang="fr-FR" b="1" i="0" smtClean="0">
+                                    <a:solidFill>
+                                      <a:schemeClr val="tx1"/>
+                                    </a:solidFill>
+                                    <a:latin typeface="Cambria Math" panose="02040503050406030204" pitchFamily="18" charset="0"/>
+                                  </a:rPr>
+                                  <m:t>𝐫𝐚𝐝</m:t>
+                                </m:r>
+                                <m:r>
+                                  <m:rPr>
+                                    <m:lit/>
+                                  </m:rPr>
+                                  <a:rPr lang="fr-FR" b="1" i="0" smtClean="0">
+                                    <a:solidFill>
+                                      <a:schemeClr val="tx1"/>
+                                    </a:solidFill>
+                                    <a:latin typeface="Cambria Math" panose="02040503050406030204" pitchFamily="18" charset="0"/>
+                                  </a:rPr>
+                                  <m:t>/</m:t>
+                                </m:r>
+                                <m:r>
+                                  <a:rPr lang="fr-FR" b="1" i="0" smtClean="0">
+                                    <a:solidFill>
+                                      <a:schemeClr val="tx1"/>
+                                    </a:solidFill>
+                                    <a:latin typeface="Cambria Math" panose="02040503050406030204" pitchFamily="18" charset="0"/>
+                                  </a:rPr>
+                                  <m:t>𝐬</m:t>
+                                </m:r>
+                              </m:oMath>
+                            </m:oMathPara>
+                          </a14:m>
+                          <a:endParaRPr lang="fr-FR" i="0" dirty="0">
+                            <a:solidFill>
+                              <a:schemeClr val="tx1"/>
+                            </a:solidFill>
+                          </a:endParaRPr>
+                        </a:p>
+                      </a:txBody>
+                      <a:tcPr>
+                        <a:lnL w="12700" cap="flat" cmpd="sng" algn="ctr">
+                          <a:solidFill>
+                            <a:schemeClr val="tx1"/>
+                          </a:solidFill>
+                          <a:prstDash val="solid"/>
+                          <a:round/>
+                          <a:headEnd type="none" w="med" len="med"/>
+                          <a:tailEnd type="none" w="med" len="med"/>
+                        </a:lnL>
+                        <a:lnR w="12700" cap="flat" cmpd="sng" algn="ctr">
+                          <a:solidFill>
+                            <a:schemeClr val="tx1"/>
+                          </a:solidFill>
+                          <a:prstDash val="solid"/>
+                          <a:round/>
+                          <a:headEnd type="none" w="med" len="med"/>
+                          <a:tailEnd type="none" w="med" len="med"/>
+                        </a:lnR>
+                        <a:lnT w="12700" cap="flat" cmpd="sng" algn="ctr">
+                          <a:solidFill>
+                            <a:schemeClr val="tx1"/>
+                          </a:solidFill>
+                          <a:prstDash val="solid"/>
+                          <a:round/>
+                          <a:headEnd type="none" w="med" len="med"/>
+                          <a:tailEnd type="none" w="med" len="med"/>
+                        </a:lnT>
+                        <a:lnB w="12700" cap="flat" cmpd="sng" algn="ctr">
+                          <a:solidFill>
+                            <a:schemeClr val="tx1"/>
+                          </a:solidFill>
+                          <a:prstDash val="solid"/>
+                          <a:round/>
+                          <a:headEnd type="none" w="med" len="med"/>
+                          <a:tailEnd type="none" w="med" len="med"/>
+                        </a:lnB>
+                        <a:noFill/>
+                      </a:tcPr>
+                    </a:tc>
+                    <a:tc hMerge="1">
+                      <a:txBody>
+                        <a:bodyPr/>
+                        <a:lstStyle/>
+                        <a:p>
+                          <a:endParaRPr lang="fr-FR" dirty="0"/>
+                        </a:p>
+                      </a:txBody>
+                      <a:tcPr>
+                        <a:lnL w="12700" cap="flat" cmpd="sng" algn="ctr">
+                          <a:solidFill>
+                            <a:schemeClr val="tx1"/>
+                          </a:solidFill>
+                          <a:prstDash val="solid"/>
+                          <a:round/>
+                          <a:headEnd type="none" w="med" len="med"/>
+                          <a:tailEnd type="none" w="med" len="med"/>
+                        </a:lnL>
+                        <a:lnR w="12700" cap="flat" cmpd="sng" algn="ctr">
+                          <a:solidFill>
+                            <a:schemeClr val="tx1"/>
+                          </a:solidFill>
+                          <a:prstDash val="solid"/>
+                          <a:round/>
+                          <a:headEnd type="none" w="med" len="med"/>
+                          <a:tailEnd type="none" w="med" len="med"/>
+                        </a:lnR>
+                        <a:lnT w="12700" cap="flat" cmpd="sng" algn="ctr">
+                          <a:solidFill>
+                            <a:schemeClr val="tx1"/>
+                          </a:solidFill>
+                          <a:prstDash val="solid"/>
+                          <a:round/>
+                          <a:headEnd type="none" w="med" len="med"/>
+                          <a:tailEnd type="none" w="med" len="med"/>
+                        </a:lnT>
+                        <a:lnB w="12700" cap="flat" cmpd="sng" algn="ctr">
+                          <a:solidFill>
+                            <a:schemeClr val="tx1"/>
+                          </a:solidFill>
+                          <a:prstDash val="solid"/>
+                          <a:round/>
+                          <a:headEnd type="none" w="med" len="med"/>
+                          <a:tailEnd type="none" w="med" len="med"/>
+                        </a:lnB>
+                        <a:noFill/>
+                      </a:tcPr>
+                    </a:tc>
+                    <a:tc gridSpan="2">
+                      <a:txBody>
+                        <a:bodyPr/>
+                        <a:lstStyle/>
+                        <a:p>
+                          <a14:m>
+                            <m:oMathPara xmlns:m="http://schemas.openxmlformats.org/officeDocument/2006/math">
+                              <m:oMathParaPr>
+                                <m:jc m:val="centerGroup"/>
+                              </m:oMathParaPr>
+                              <m:oMath xmlns:m="http://schemas.openxmlformats.org/officeDocument/2006/math">
+                                <m:f>
+                                  <m:fPr>
+                                    <m:ctrlPr>
+                                      <a:rPr lang="fr-FR" b="1" i="1" smtClean="0">
+                                        <a:solidFill>
+                                          <a:schemeClr val="tx1"/>
+                                        </a:solidFill>
+                                        <a:latin typeface="Cambria Math" panose="02040503050406030204" pitchFamily="18" charset="0"/>
+                                      </a:rPr>
+                                    </m:ctrlPr>
+                                  </m:fPr>
+                                  <m:num>
+                                    <m:r>
+                                      <a:rPr lang="fr-FR" b="1" i="1" smtClean="0">
+                                        <a:solidFill>
+                                          <a:schemeClr val="tx1"/>
+                                        </a:solidFill>
+                                        <a:latin typeface="Cambria Math" panose="02040503050406030204" pitchFamily="18" charset="0"/>
+                                      </a:rPr>
+                                      <m:t>𝟏</m:t>
+                                    </m:r>
+                                  </m:num>
+                                  <m:den>
+                                    <m:r>
+                                      <a:rPr lang="fr-FR" b="1" i="1" smtClean="0">
+                                        <a:solidFill>
+                                          <a:schemeClr val="tx1"/>
+                                        </a:solidFill>
+                                        <a:latin typeface="Cambria Math" panose="02040503050406030204" pitchFamily="18" charset="0"/>
+                                      </a:rPr>
+                                      <m:t>𝟏</m:t>
+                                    </m:r>
+                                    <m:r>
+                                      <a:rPr lang="fr-FR" b="1" i="1" smtClean="0">
+                                        <a:solidFill>
+                                          <a:schemeClr val="tx1"/>
+                                        </a:solidFill>
+                                        <a:latin typeface="Cambria Math" panose="02040503050406030204" pitchFamily="18" charset="0"/>
+                                      </a:rPr>
+                                      <m:t>,</m:t>
+                                    </m:r>
+                                    <m:r>
+                                      <a:rPr lang="fr-FR" b="1" i="1" smtClean="0">
+                                        <a:solidFill>
+                                          <a:schemeClr val="tx1"/>
+                                        </a:solidFill>
+                                        <a:latin typeface="Cambria Math" panose="02040503050406030204" pitchFamily="18" charset="0"/>
+                                      </a:rPr>
+                                      <m:t>𝟔</m:t>
+                                    </m:r>
+                                    <m:r>
+                                      <a:rPr lang="fr-FR" b="1" i="1" smtClean="0">
+                                        <a:solidFill>
+                                          <a:schemeClr val="tx1"/>
+                                        </a:solidFill>
+                                        <a:latin typeface="Cambria Math" panose="02040503050406030204" pitchFamily="18" charset="0"/>
+                                      </a:rPr>
+                                      <m:t>×</m:t>
+                                    </m:r>
+                                    <m:r>
+                                      <a:rPr lang="fr-FR" b="1" i="1" smtClean="0">
+                                        <a:solidFill>
+                                          <a:schemeClr val="tx1"/>
+                                        </a:solidFill>
+                                        <a:latin typeface="Cambria Math" panose="02040503050406030204" pitchFamily="18" charset="0"/>
+                                      </a:rPr>
+                                      <m:t>𝟏</m:t>
+                                    </m:r>
+                                    <m:sSup>
+                                      <m:sSupPr>
+                                        <m:ctrlPr>
+                                          <a:rPr lang="fr-FR" b="1" i="1" smtClean="0">
+                                            <a:solidFill>
+                                              <a:schemeClr val="tx1"/>
+                                            </a:solidFill>
+                                            <a:latin typeface="Cambria Math" panose="02040503050406030204" pitchFamily="18" charset="0"/>
+                                          </a:rPr>
+                                        </m:ctrlPr>
+                                      </m:sSupPr>
+                                      <m:e>
+                                        <m:r>
+                                          <a:rPr lang="fr-FR" b="1" i="1" smtClean="0">
+                                            <a:solidFill>
+                                              <a:schemeClr val="tx1"/>
+                                            </a:solidFill>
+                                            <a:latin typeface="Cambria Math" panose="02040503050406030204" pitchFamily="18" charset="0"/>
+                                          </a:rPr>
+                                          <m:t>𝟎</m:t>
+                                        </m:r>
+                                      </m:e>
+                                      <m:sup>
+                                        <m:r>
+                                          <a:rPr lang="fr-FR" b="1" i="1" smtClean="0">
+                                            <a:solidFill>
+                                              <a:schemeClr val="tx1"/>
+                                            </a:solidFill>
+                                            <a:latin typeface="Cambria Math" panose="02040503050406030204" pitchFamily="18" charset="0"/>
+                                          </a:rPr>
+                                          <m:t>−</m:t>
+                                        </m:r>
+                                        <m:r>
+                                          <a:rPr lang="fr-FR" b="1" i="1" smtClean="0">
+                                            <a:solidFill>
+                                              <a:schemeClr val="tx1"/>
+                                            </a:solidFill>
+                                            <a:latin typeface="Cambria Math" panose="02040503050406030204" pitchFamily="18" charset="0"/>
+                                          </a:rPr>
+                                          <m:t>𝟑</m:t>
+                                        </m:r>
+                                      </m:sup>
+                                    </m:sSup>
+                                  </m:den>
+                                </m:f>
+                                <m:r>
+                                  <a:rPr lang="fr-FR" b="1" i="1" smtClean="0">
+                                    <a:solidFill>
+                                      <a:schemeClr val="tx1"/>
+                                    </a:solidFill>
+                                    <a:latin typeface="Cambria Math" panose="02040503050406030204" pitchFamily="18" charset="0"/>
+                                  </a:rPr>
+                                  <m:t>=</m:t>
+                                </m:r>
+                                <m:r>
+                                  <a:rPr lang="fr-FR" b="1" i="1" smtClean="0">
+                                    <a:solidFill>
+                                      <a:schemeClr val="tx1"/>
+                                    </a:solidFill>
+                                    <a:latin typeface="Cambria Math" panose="02040503050406030204" pitchFamily="18" charset="0"/>
+                                  </a:rPr>
+                                  <m:t>𝟔𝟐𝟓</m:t>
+                                </m:r>
+                                <m:r>
+                                  <a:rPr lang="fr-FR" b="1" i="1" smtClean="0">
+                                    <a:solidFill>
+                                      <a:schemeClr val="tx1"/>
+                                    </a:solidFill>
+                                    <a:latin typeface="Cambria Math" panose="02040503050406030204" pitchFamily="18" charset="0"/>
+                                  </a:rPr>
+                                  <m:t> </m:t>
+                                </m:r>
+                                <m:r>
+                                  <a:rPr lang="fr-FR" b="1" i="0" smtClean="0">
+                                    <a:solidFill>
+                                      <a:schemeClr val="tx1"/>
+                                    </a:solidFill>
+                                    <a:latin typeface="Cambria Math" panose="02040503050406030204" pitchFamily="18" charset="0"/>
+                                  </a:rPr>
+                                  <m:t>𝐫𝐚𝐝</m:t>
+                                </m:r>
+                                <m:r>
+                                  <m:rPr>
+                                    <m:lit/>
+                                  </m:rPr>
+                                  <a:rPr lang="fr-FR" b="1" i="0" smtClean="0">
+                                    <a:solidFill>
+                                      <a:schemeClr val="tx1"/>
+                                    </a:solidFill>
+                                    <a:latin typeface="Cambria Math" panose="02040503050406030204" pitchFamily="18" charset="0"/>
+                                  </a:rPr>
+                                  <m:t>/</m:t>
+                                </m:r>
+                                <m:r>
+                                  <a:rPr lang="fr-FR" b="1" i="0" smtClean="0">
+                                    <a:solidFill>
+                                      <a:schemeClr val="tx1"/>
+                                    </a:solidFill>
+                                    <a:latin typeface="Cambria Math" panose="02040503050406030204" pitchFamily="18" charset="0"/>
+                                  </a:rPr>
+                                  <m:t>𝐬</m:t>
+                                </m:r>
+                              </m:oMath>
+                            </m:oMathPara>
+                          </a14:m>
+                          <a:endParaRPr lang="fr-FR" dirty="0">
+                            <a:solidFill>
+                              <a:schemeClr val="tx1"/>
+                            </a:solidFill>
+                          </a:endParaRPr>
+                        </a:p>
+                      </a:txBody>
+                      <a:tcPr>
+                        <a:lnL w="12700" cap="flat" cmpd="sng" algn="ctr">
+                          <a:solidFill>
+                            <a:schemeClr val="tx1"/>
+                          </a:solidFill>
+                          <a:prstDash val="solid"/>
+                          <a:round/>
+                          <a:headEnd type="none" w="med" len="med"/>
+                          <a:tailEnd type="none" w="med" len="med"/>
+                        </a:lnL>
+                        <a:lnR w="12700" cap="flat" cmpd="sng" algn="ctr">
+                          <a:solidFill>
+                            <a:schemeClr val="tx1"/>
+                          </a:solidFill>
+                          <a:prstDash val="solid"/>
+                          <a:round/>
+                          <a:headEnd type="none" w="med" len="med"/>
+                          <a:tailEnd type="none" w="med" len="med"/>
+                        </a:lnR>
+                        <a:lnT w="12700" cap="flat" cmpd="sng" algn="ctr">
+                          <a:solidFill>
+                            <a:schemeClr val="tx1"/>
+                          </a:solidFill>
+                          <a:prstDash val="solid"/>
+                          <a:round/>
+                          <a:headEnd type="none" w="med" len="med"/>
+                          <a:tailEnd type="none" w="med" len="med"/>
+                        </a:lnT>
+                        <a:lnB w="12700" cap="flat" cmpd="sng" algn="ctr">
+                          <a:solidFill>
+                            <a:schemeClr val="tx1"/>
+                          </a:solidFill>
+                          <a:prstDash val="solid"/>
+                          <a:round/>
+                          <a:headEnd type="none" w="med" len="med"/>
+                          <a:tailEnd type="none" w="med" len="med"/>
+                        </a:lnB>
+                        <a:noFill/>
+                      </a:tcPr>
+                    </a:tc>
+                    <a:tc hMerge="1">
+                      <a:txBody>
+                        <a:bodyPr/>
+                        <a:lstStyle/>
+                        <a:p>
+                          <a:endParaRPr lang="fr-FR" dirty="0"/>
+                        </a:p>
+                      </a:txBody>
+                      <a:tcPr>
+                        <a:lnL w="12700" cap="flat" cmpd="sng" algn="ctr">
+                          <a:solidFill>
+                            <a:schemeClr val="tx1"/>
+                          </a:solidFill>
+                          <a:prstDash val="solid"/>
+                          <a:round/>
+                          <a:headEnd type="none" w="med" len="med"/>
+                          <a:tailEnd type="none" w="med" len="med"/>
+                        </a:lnL>
+                        <a:lnR w="12700" cap="flat" cmpd="sng" algn="ctr">
+                          <a:solidFill>
+                            <a:schemeClr val="tx1"/>
+                          </a:solidFill>
+                          <a:prstDash val="solid"/>
+                          <a:round/>
+                          <a:headEnd type="none" w="med" len="med"/>
+                          <a:tailEnd type="none" w="med" len="med"/>
+                        </a:lnR>
+                        <a:lnT w="12700" cap="flat" cmpd="sng" algn="ctr">
+                          <a:solidFill>
+                            <a:schemeClr val="tx1"/>
+                          </a:solidFill>
+                          <a:prstDash val="solid"/>
+                          <a:round/>
+                          <a:headEnd type="none" w="med" len="med"/>
+                          <a:tailEnd type="none" w="med" len="med"/>
+                        </a:lnT>
+                        <a:lnB w="12700" cap="flat" cmpd="sng" algn="ctr">
+                          <a:solidFill>
+                            <a:schemeClr val="tx1"/>
+                          </a:solidFill>
+                          <a:prstDash val="solid"/>
+                          <a:round/>
+                          <a:headEnd type="none" w="med" len="med"/>
+                          <a:tailEnd type="none" w="med" len="med"/>
+                        </a:lnB>
+                        <a:noFill/>
+                      </a:tcPr>
+                    </a:tc>
+                    <a:extLst>
+                      <a:ext uri="{0D108BD9-81ED-4DB2-BD59-A6C34878D82A}">
+                        <a16:rowId xmlns:a16="http://schemas.microsoft.com/office/drawing/2014/main" val="1757620177"/>
+                      </a:ext>
+                    </a:extLst>
+                  </a:tr>
+                  <a:tr h="370840">
+                    <a:tc>
+                      <a:txBody>
+                        <a:bodyPr/>
+                        <a:lstStyle/>
+                        <a:p>
+                          <a14:m>
+                            <m:oMathPara xmlns:m="http://schemas.openxmlformats.org/officeDocument/2006/math">
+                              <m:oMathParaPr>
+                                <m:jc m:val="centerGroup"/>
+                              </m:oMathParaPr>
+                              <m:oMath xmlns:m="http://schemas.openxmlformats.org/officeDocument/2006/math">
+                                <m:f>
+                                  <m:fPr>
+                                    <m:ctrlPr>
+                                      <a:rPr lang="fr-FR" b="0" i="1" smtClean="0">
+                                        <a:latin typeface="Cambria Math" panose="02040503050406030204" pitchFamily="18" charset="0"/>
+                                      </a:rPr>
+                                    </m:ctrlPr>
+                                  </m:fPr>
+                                  <m:num>
+                                    <m:r>
+                                      <a:rPr lang="fr-FR" b="0" i="1" smtClean="0">
+                                        <a:latin typeface="Cambria Math" panose="02040503050406030204" pitchFamily="18" charset="0"/>
+                                      </a:rPr>
+                                      <m:t>1</m:t>
+                                    </m:r>
+                                  </m:num>
+                                  <m:den>
+                                    <m:r>
+                                      <a:rPr lang="fr-FR" b="0" i="1" smtClean="0">
+                                        <a:latin typeface="Cambria Math" panose="02040503050406030204" pitchFamily="18" charset="0"/>
+                                      </a:rPr>
+                                      <m:t>𝑝</m:t>
+                                    </m:r>
+                                  </m:den>
+                                </m:f>
+                              </m:oMath>
+                            </m:oMathPara>
+                          </a14:m>
+                          <a:endParaRPr lang="fr-FR" dirty="0"/>
+                        </a:p>
+                      </a:txBody>
+                      <a:tcPr>
+                        <a:lnL w="12700" cap="flat" cmpd="sng" algn="ctr">
+                          <a:solidFill>
+                            <a:schemeClr val="tx1"/>
+                          </a:solidFill>
+                          <a:prstDash val="solid"/>
+                          <a:round/>
+                          <a:headEnd type="none" w="med" len="med"/>
+                          <a:tailEnd type="none" w="med" len="med"/>
+                        </a:lnL>
+                        <a:lnR w="12700" cap="flat" cmpd="sng" algn="ctr">
+                          <a:solidFill>
+                            <a:schemeClr val="tx1"/>
+                          </a:solidFill>
+                          <a:prstDash val="solid"/>
+                          <a:round/>
+                          <a:headEnd type="none" w="med" len="med"/>
+                          <a:tailEnd type="none" w="med" len="med"/>
+                        </a:lnR>
+                        <a:lnT w="12700" cap="flat" cmpd="sng" algn="ctr">
+                          <a:solidFill>
+                            <a:schemeClr val="tx1"/>
+                          </a:solidFill>
+                          <a:prstDash val="solid"/>
+                          <a:round/>
+                          <a:headEnd type="none" w="med" len="med"/>
+                          <a:tailEnd type="none" w="med" len="med"/>
+                        </a:lnT>
+                        <a:lnB w="12700" cap="flat" cmpd="sng" algn="ctr">
+                          <a:solidFill>
+                            <a:schemeClr val="tx1"/>
+                          </a:solidFill>
+                          <a:prstDash val="solid"/>
+                          <a:round/>
+                          <a:headEnd type="none" w="med" len="med"/>
+                          <a:tailEnd type="none" w="med" len="med"/>
+                        </a:lnB>
+                        <a:noFill/>
+                      </a:tcPr>
+                    </a:tc>
+                    <a:tc>
+                      <a:txBody>
+                        <a:bodyPr/>
+                        <a:lstStyle/>
+                        <a:p>
+                          <a14:m>
+                            <m:oMathPara xmlns:m="http://schemas.openxmlformats.org/officeDocument/2006/math">
+                              <m:oMathParaPr>
+                                <m:jc m:val="centerGroup"/>
+                              </m:oMathParaPr>
+                              <m:oMath xmlns:m="http://schemas.openxmlformats.org/officeDocument/2006/math">
+                                <m:r>
+                                  <a:rPr lang="fr-FR" b="0" i="1" smtClean="0">
+                                    <a:latin typeface="Cambria Math" panose="02040503050406030204" pitchFamily="18" charset="0"/>
+                                  </a:rPr>
+                                  <m:t>−90°</m:t>
+                                </m:r>
+                              </m:oMath>
+                            </m:oMathPara>
+                          </a14:m>
+                          <a:endParaRPr lang="fr-FR" dirty="0"/>
+                        </a:p>
+                      </a:txBody>
+                      <a:tcPr>
+                        <a:lnL w="12700" cap="flat" cmpd="sng" algn="ctr">
+                          <a:solidFill>
+                            <a:schemeClr val="tx1"/>
+                          </a:solidFill>
+                          <a:prstDash val="solid"/>
+                          <a:round/>
+                          <a:headEnd type="none" w="med" len="med"/>
+                          <a:tailEnd type="none" w="med" len="med"/>
+                        </a:lnL>
+                        <a:lnR w="12700" cap="flat" cmpd="sng" algn="ctr">
+                          <a:solidFill>
+                            <a:schemeClr val="tx1"/>
+                          </a:solidFill>
+                          <a:prstDash val="solid"/>
+                          <a:round/>
+                          <a:headEnd type="none" w="med" len="med"/>
+                          <a:tailEnd type="none" w="med" len="med"/>
+                        </a:lnR>
+                        <a:lnT w="12700" cap="flat" cmpd="sng" algn="ctr">
+                          <a:solidFill>
+                            <a:schemeClr val="tx1"/>
+                          </a:solidFill>
+                          <a:prstDash val="solid"/>
+                          <a:round/>
+                          <a:headEnd type="none" w="med" len="med"/>
+                          <a:tailEnd type="none" w="med" len="med"/>
+                        </a:lnT>
+                        <a:lnB w="12700" cap="flat" cmpd="sng" algn="ctr">
+                          <a:solidFill>
+                            <a:schemeClr val="tx1"/>
+                          </a:solidFill>
+                          <a:prstDash val="solid"/>
+                          <a:round/>
+                          <a:headEnd type="none" w="med" len="med"/>
+                          <a:tailEnd type="none" w="med" len="med"/>
+                        </a:lnB>
+                        <a:noFill/>
+                      </a:tcPr>
+                    </a:tc>
+                    <a:tc gridSpan="2">
+                      <a:txBody>
+                        <a:bodyPr/>
+                        <a:lstStyle/>
+                        <a:p>
+                          <a:pPr marL="0" marR="0" lvl="0" indent="0" algn="l" defTabSz="914400" rtl="0" eaLnBrk="1" fontAlgn="auto" latinLnBrk="0" hangingPunct="1">
+                            <a:lnSpc>
+                              <a:spcPct val="100000"/>
+                            </a:lnSpc>
+                            <a:spcBef>
+                              <a:spcPts val="0"/>
+                            </a:spcBef>
+                            <a:spcAft>
+                              <a:spcPts val="0"/>
+                            </a:spcAft>
+                            <a:buClrTx/>
+                            <a:buSzTx/>
+                            <a:buFontTx/>
+                            <a:buNone/>
+                            <a:tabLst/>
+                            <a:defRPr/>
+                          </a:pPr>
+                          <a14:m>
+                            <m:oMathPara xmlns:m="http://schemas.openxmlformats.org/officeDocument/2006/math">
+                              <m:oMathParaPr>
+                                <m:jc m:val="centerGroup"/>
+                              </m:oMathParaPr>
+                              <m:oMath xmlns:m="http://schemas.openxmlformats.org/officeDocument/2006/math">
+                                <m:r>
+                                  <a:rPr lang="fr-FR" b="0" i="1" smtClean="0">
+                                    <a:latin typeface="Cambria Math" panose="02040503050406030204" pitchFamily="18" charset="0"/>
+                                  </a:rPr>
+                                  <m:t>−90°</m:t>
+                                </m:r>
+                              </m:oMath>
+                            </m:oMathPara>
+                          </a14:m>
+                          <a:endParaRPr lang="fr-FR" dirty="0"/>
+                        </a:p>
+                      </a:txBody>
+                      <a:tcPr>
+                        <a:lnL w="12700" cap="flat" cmpd="sng" algn="ctr">
+                          <a:solidFill>
+                            <a:schemeClr val="tx1"/>
+                          </a:solidFill>
+                          <a:prstDash val="solid"/>
+                          <a:round/>
+                          <a:headEnd type="none" w="med" len="med"/>
+                          <a:tailEnd type="none" w="med" len="med"/>
+                        </a:lnL>
+                        <a:lnR w="12700" cap="flat" cmpd="sng" algn="ctr">
+                          <a:solidFill>
+                            <a:schemeClr val="tx1"/>
+                          </a:solidFill>
+                          <a:prstDash val="solid"/>
+                          <a:round/>
+                          <a:headEnd type="none" w="med" len="med"/>
+                          <a:tailEnd type="none" w="med" len="med"/>
+                        </a:lnR>
+                        <a:lnT w="12700" cap="flat" cmpd="sng" algn="ctr">
+                          <a:solidFill>
+                            <a:schemeClr val="tx1"/>
+                          </a:solidFill>
+                          <a:prstDash val="solid"/>
+                          <a:round/>
+                          <a:headEnd type="none" w="med" len="med"/>
+                          <a:tailEnd type="none" w="med" len="med"/>
+                        </a:lnT>
+                        <a:lnB w="12700" cap="flat" cmpd="sng" algn="ctr">
+                          <a:solidFill>
+                            <a:schemeClr val="tx1"/>
+                          </a:solidFill>
+                          <a:prstDash val="solid"/>
+                          <a:round/>
+                          <a:headEnd type="none" w="med" len="med"/>
+                          <a:tailEnd type="none" w="med" len="med"/>
+                        </a:lnB>
+                        <a:noFill/>
+                      </a:tcPr>
+                    </a:tc>
+                    <a:tc hMerge="1">
+                      <a:txBody>
+                        <a:bodyPr/>
+                        <a:lstStyle/>
+                        <a:p>
+                          <a:endParaRPr lang="fr-FR" dirty="0"/>
+                        </a:p>
+                      </a:txBody>
+                      <a:tcPr>
+                        <a:lnL w="12700" cap="flat" cmpd="sng" algn="ctr">
+                          <a:solidFill>
+                            <a:schemeClr val="tx1"/>
+                          </a:solidFill>
+                          <a:prstDash val="solid"/>
+                          <a:round/>
+                          <a:headEnd type="none" w="med" len="med"/>
+                          <a:tailEnd type="none" w="med" len="med"/>
+                        </a:lnL>
+                        <a:lnR w="12700" cap="flat" cmpd="sng" algn="ctr">
+                          <a:solidFill>
+                            <a:schemeClr val="tx1"/>
+                          </a:solidFill>
+                          <a:prstDash val="solid"/>
+                          <a:round/>
+                          <a:headEnd type="none" w="med" len="med"/>
+                          <a:tailEnd type="none" w="med" len="med"/>
+                        </a:lnR>
+                        <a:lnT w="12700" cap="flat" cmpd="sng" algn="ctr">
+                          <a:solidFill>
+                            <a:schemeClr val="tx1"/>
+                          </a:solidFill>
+                          <a:prstDash val="solid"/>
+                          <a:round/>
+                          <a:headEnd type="none" w="med" len="med"/>
+                          <a:tailEnd type="none" w="med" len="med"/>
+                        </a:lnT>
+                        <a:lnB w="12700" cap="flat" cmpd="sng" algn="ctr">
+                          <a:solidFill>
+                            <a:schemeClr val="tx1"/>
+                          </a:solidFill>
+                          <a:prstDash val="solid"/>
+                          <a:round/>
+                          <a:headEnd type="none" w="med" len="med"/>
+                          <a:tailEnd type="none" w="med" len="med"/>
+                        </a:lnB>
+                        <a:noFill/>
+                      </a:tcPr>
+                    </a:tc>
+                    <a:tc gridSpan="2">
+                      <a:txBody>
+                        <a:bodyPr/>
+                        <a:lstStyle/>
+                        <a:p>
+                          <a:pPr marL="0" marR="0" lvl="0" indent="0" algn="l" defTabSz="914400" rtl="0" eaLnBrk="1" fontAlgn="auto" latinLnBrk="0" hangingPunct="1">
+                            <a:lnSpc>
+                              <a:spcPct val="100000"/>
+                            </a:lnSpc>
+                            <a:spcBef>
+                              <a:spcPts val="0"/>
+                            </a:spcBef>
+                            <a:spcAft>
+                              <a:spcPts val="0"/>
+                            </a:spcAft>
+                            <a:buClrTx/>
+                            <a:buSzTx/>
+                            <a:buFontTx/>
+                            <a:buNone/>
+                            <a:tabLst/>
+                            <a:defRPr/>
+                          </a:pPr>
+                          <a14:m>
+                            <m:oMathPara xmlns:m="http://schemas.openxmlformats.org/officeDocument/2006/math">
+                              <m:oMathParaPr>
+                                <m:jc m:val="centerGroup"/>
+                              </m:oMathParaPr>
+                              <m:oMath xmlns:m="http://schemas.openxmlformats.org/officeDocument/2006/math">
+                                <m:r>
+                                  <a:rPr lang="fr-FR" b="0" i="1" smtClean="0">
+                                    <a:latin typeface="Cambria Math" panose="02040503050406030204" pitchFamily="18" charset="0"/>
+                                  </a:rPr>
+                                  <m:t>−90°</m:t>
+                                </m:r>
+                              </m:oMath>
+                            </m:oMathPara>
+                          </a14:m>
+                          <a:endParaRPr lang="fr-FR" dirty="0"/>
+                        </a:p>
+                      </a:txBody>
+                      <a:tcPr>
+                        <a:lnL w="12700" cap="flat" cmpd="sng" algn="ctr">
+                          <a:solidFill>
+                            <a:schemeClr val="tx1"/>
+                          </a:solidFill>
+                          <a:prstDash val="solid"/>
+                          <a:round/>
+                          <a:headEnd type="none" w="med" len="med"/>
+                          <a:tailEnd type="none" w="med" len="med"/>
+                        </a:lnL>
+                        <a:lnR w="12700" cap="flat" cmpd="sng" algn="ctr">
+                          <a:solidFill>
+                            <a:schemeClr val="tx1"/>
+                          </a:solidFill>
+                          <a:prstDash val="solid"/>
+                          <a:round/>
+                          <a:headEnd type="none" w="med" len="med"/>
+                          <a:tailEnd type="none" w="med" len="med"/>
+                        </a:lnR>
+                        <a:lnT w="12700" cap="flat" cmpd="sng" algn="ctr">
+                          <a:solidFill>
+                            <a:schemeClr val="tx1"/>
+                          </a:solidFill>
+                          <a:prstDash val="solid"/>
+                          <a:round/>
+                          <a:headEnd type="none" w="med" len="med"/>
+                          <a:tailEnd type="none" w="med" len="med"/>
+                        </a:lnT>
+                        <a:lnB w="12700" cap="flat" cmpd="sng" algn="ctr">
+                          <a:solidFill>
+                            <a:schemeClr val="tx1"/>
+                          </a:solidFill>
+                          <a:prstDash val="solid"/>
+                          <a:round/>
+                          <a:headEnd type="none" w="med" len="med"/>
+                          <a:tailEnd type="none" w="med" len="med"/>
+                        </a:lnB>
+                        <a:noFill/>
+                      </a:tcPr>
+                    </a:tc>
+                    <a:tc hMerge="1">
+                      <a:txBody>
+                        <a:bodyPr/>
+                        <a:lstStyle/>
+                        <a:p>
+                          <a:endParaRPr lang="fr-FR" dirty="0"/>
+                        </a:p>
+                      </a:txBody>
+                      <a:tcPr>
+                        <a:lnL w="12700" cap="flat" cmpd="sng" algn="ctr">
+                          <a:solidFill>
+                            <a:schemeClr val="tx1"/>
+                          </a:solidFill>
+                          <a:prstDash val="solid"/>
+                          <a:round/>
+                          <a:headEnd type="none" w="med" len="med"/>
+                          <a:tailEnd type="none" w="med" len="med"/>
+                        </a:lnL>
+                        <a:lnR w="12700" cap="flat" cmpd="sng" algn="ctr">
+                          <a:solidFill>
+                            <a:schemeClr val="tx1"/>
+                          </a:solidFill>
+                          <a:prstDash val="solid"/>
+                          <a:round/>
+                          <a:headEnd type="none" w="med" len="med"/>
+                          <a:tailEnd type="none" w="med" len="med"/>
+                        </a:lnR>
+                        <a:lnT w="12700" cap="flat" cmpd="sng" algn="ctr">
+                          <a:solidFill>
+                            <a:schemeClr val="tx1"/>
+                          </a:solidFill>
+                          <a:prstDash val="solid"/>
+                          <a:round/>
+                          <a:headEnd type="none" w="med" len="med"/>
+                          <a:tailEnd type="none" w="med" len="med"/>
+                        </a:lnT>
+                        <a:lnB w="12700" cap="flat" cmpd="sng" algn="ctr">
+                          <a:solidFill>
+                            <a:schemeClr val="tx1"/>
+                          </a:solidFill>
+                          <a:prstDash val="solid"/>
+                          <a:round/>
+                          <a:headEnd type="none" w="med" len="med"/>
+                          <a:tailEnd type="none" w="med" len="med"/>
+                        </a:lnB>
+                        <a:noFill/>
+                      </a:tcPr>
+                    </a:tc>
+                    <a:tc>
+                      <a:txBody>
+                        <a:bodyPr/>
+                        <a:lstStyle/>
+                        <a:p>
+                          <a:pPr marL="0" marR="0" lvl="0" indent="0" algn="l" defTabSz="914400" rtl="0" eaLnBrk="1" fontAlgn="auto" latinLnBrk="0" hangingPunct="1">
+                            <a:lnSpc>
+                              <a:spcPct val="100000"/>
+                            </a:lnSpc>
+                            <a:spcBef>
+                              <a:spcPts val="0"/>
+                            </a:spcBef>
+                            <a:spcAft>
+                              <a:spcPts val="0"/>
+                            </a:spcAft>
+                            <a:buClrTx/>
+                            <a:buSzTx/>
+                            <a:buFontTx/>
+                            <a:buNone/>
+                            <a:tabLst/>
+                            <a:defRPr/>
+                          </a:pPr>
+                          <a14:m>
+                            <m:oMathPara xmlns:m="http://schemas.openxmlformats.org/officeDocument/2006/math">
+                              <m:oMathParaPr>
+                                <m:jc m:val="centerGroup"/>
+                              </m:oMathParaPr>
+                              <m:oMath xmlns:m="http://schemas.openxmlformats.org/officeDocument/2006/math">
+                                <m:r>
+                                  <a:rPr lang="fr-FR" b="0" i="1" smtClean="0">
+                                    <a:latin typeface="Cambria Math" panose="02040503050406030204" pitchFamily="18" charset="0"/>
+                                  </a:rPr>
+                                  <m:t>−90°</m:t>
+                                </m:r>
+                              </m:oMath>
+                            </m:oMathPara>
+                          </a14:m>
+                          <a:endParaRPr lang="fr-FR" dirty="0"/>
+                        </a:p>
+                      </a:txBody>
+                      <a:tcPr>
+                        <a:lnL w="12700" cap="flat" cmpd="sng" algn="ctr">
+                          <a:solidFill>
+                            <a:schemeClr val="tx1"/>
+                          </a:solidFill>
+                          <a:prstDash val="solid"/>
+                          <a:round/>
+                          <a:headEnd type="none" w="med" len="med"/>
+                          <a:tailEnd type="none" w="med" len="med"/>
+                        </a:lnL>
+                        <a:lnR w="12700" cap="flat" cmpd="sng" algn="ctr">
+                          <a:solidFill>
+                            <a:schemeClr val="tx1"/>
+                          </a:solidFill>
+                          <a:prstDash val="solid"/>
+                          <a:round/>
+                          <a:headEnd type="none" w="med" len="med"/>
+                          <a:tailEnd type="none" w="med" len="med"/>
+                        </a:lnR>
+                        <a:lnT w="12700" cap="flat" cmpd="sng" algn="ctr">
+                          <a:solidFill>
+                            <a:schemeClr val="tx1"/>
+                          </a:solidFill>
+                          <a:prstDash val="solid"/>
+                          <a:round/>
+                          <a:headEnd type="none" w="med" len="med"/>
+                          <a:tailEnd type="none" w="med" len="med"/>
+                        </a:lnT>
+                        <a:lnB w="12700" cap="flat" cmpd="sng" algn="ctr">
+                          <a:solidFill>
+                            <a:schemeClr val="tx1"/>
+                          </a:solidFill>
+                          <a:prstDash val="solid"/>
+                          <a:round/>
+                          <a:headEnd type="none" w="med" len="med"/>
+                          <a:tailEnd type="none" w="med" len="med"/>
+                        </a:lnB>
+                        <a:noFill/>
+                      </a:tcPr>
+                    </a:tc>
+                    <a:extLst>
+                      <a:ext uri="{0D108BD9-81ED-4DB2-BD59-A6C34878D82A}">
+                        <a16:rowId xmlns:a16="http://schemas.microsoft.com/office/drawing/2014/main" val="3625234162"/>
+                      </a:ext>
+                    </a:extLst>
+                  </a:tr>
+                  <a:tr h="370840">
+                    <a:tc>
+                      <a:txBody>
+                        <a:bodyPr/>
+                        <a:lstStyle/>
+                        <a:p>
+                          <a14:m>
+                            <m:oMathPara xmlns:m="http://schemas.openxmlformats.org/officeDocument/2006/math">
+                              <m:oMathParaPr>
+                                <m:jc m:val="centerGroup"/>
+                              </m:oMathParaPr>
+                              <m:oMath xmlns:m="http://schemas.openxmlformats.org/officeDocument/2006/math">
+                                <m:sSub>
+                                  <m:sSubPr>
+                                    <m:ctrlPr>
+                                      <a:rPr lang="fr-FR" b="0" i="1" smtClean="0">
+                                        <a:latin typeface="Cambria Math" panose="02040503050406030204" pitchFamily="18" charset="0"/>
+                                      </a:rPr>
+                                    </m:ctrlPr>
+                                  </m:sSubPr>
+                                  <m:e>
+                                    <m:r>
+                                      <a:rPr lang="fr-FR" b="0" i="1" smtClean="0">
+                                        <a:latin typeface="Cambria Math" panose="02040503050406030204" pitchFamily="18" charset="0"/>
+                                      </a:rPr>
+                                      <m:t>𝑇</m:t>
+                                    </m:r>
+                                  </m:e>
+                                  <m:sub>
+                                    <m:r>
+                                      <a:rPr lang="fr-FR" b="0" i="1" smtClean="0">
+                                        <a:latin typeface="Cambria Math" panose="02040503050406030204" pitchFamily="18" charset="0"/>
+                                      </a:rPr>
+                                      <m:t>𝑖𝑓𝑒</m:t>
+                                    </m:r>
+                                  </m:sub>
+                                </m:sSub>
+                                <m:r>
+                                  <a:rPr lang="fr-FR" b="0" i="1" smtClean="0">
+                                    <a:latin typeface="Cambria Math" panose="02040503050406030204" pitchFamily="18" charset="0"/>
+                                  </a:rPr>
+                                  <m:t>𝑝</m:t>
+                                </m:r>
+                                <m:r>
+                                  <a:rPr lang="fr-FR" b="0" i="1" smtClean="0">
+                                    <a:latin typeface="Cambria Math" panose="02040503050406030204" pitchFamily="18" charset="0"/>
+                                  </a:rPr>
+                                  <m:t>+1</m:t>
+                                </m:r>
+                              </m:oMath>
+                            </m:oMathPara>
+                          </a14:m>
+                          <a:endParaRPr lang="fr-FR" dirty="0"/>
+                        </a:p>
+                      </a:txBody>
+                      <a:tcPr>
+                        <a:lnL w="12700" cap="flat" cmpd="sng" algn="ctr">
+                          <a:solidFill>
+                            <a:schemeClr val="tx1"/>
+                          </a:solidFill>
+                          <a:prstDash val="solid"/>
+                          <a:round/>
+                          <a:headEnd type="none" w="med" len="med"/>
+                          <a:tailEnd type="none" w="med" len="med"/>
+                        </a:lnL>
+                        <a:lnR w="12700" cap="flat" cmpd="sng" algn="ctr">
+                          <a:solidFill>
+                            <a:schemeClr val="tx1"/>
+                          </a:solidFill>
+                          <a:prstDash val="solid"/>
+                          <a:round/>
+                          <a:headEnd type="none" w="med" len="med"/>
+                          <a:tailEnd type="none" w="med" len="med"/>
+                        </a:lnR>
+                        <a:lnT w="12700" cap="flat" cmpd="sng" algn="ctr">
+                          <a:solidFill>
+                            <a:schemeClr val="tx1"/>
+                          </a:solidFill>
+                          <a:prstDash val="solid"/>
+                          <a:round/>
+                          <a:headEnd type="none" w="med" len="med"/>
+                          <a:tailEnd type="none" w="med" len="med"/>
+                        </a:lnT>
+                        <a:lnB w="12700" cap="flat" cmpd="sng" algn="ctr">
+                          <a:solidFill>
+                            <a:schemeClr val="tx1"/>
+                          </a:solidFill>
+                          <a:prstDash val="solid"/>
+                          <a:round/>
+                          <a:headEnd type="none" w="med" len="med"/>
+                          <a:tailEnd type="none" w="med" len="med"/>
+                        </a:lnB>
+                        <a:noFill/>
+                      </a:tcPr>
+                    </a:tc>
+                    <a:tc>
+                      <a:txBody>
+                        <a:bodyPr/>
+                        <a:lstStyle/>
+                        <a:p>
+                          <a:pPr/>
+                          <a14:m>
+                            <m:oMathPara xmlns:m="http://schemas.openxmlformats.org/officeDocument/2006/math">
+                              <m:oMathParaPr>
+                                <m:jc m:val="centerGroup"/>
+                              </m:oMathParaPr>
+                              <m:oMath xmlns:m="http://schemas.openxmlformats.org/officeDocument/2006/math">
+                                <m:r>
+                                  <a:rPr lang="fr-FR" b="0" i="1" smtClean="0">
+                                    <a:latin typeface="Cambria Math" panose="02040503050406030204" pitchFamily="18" charset="0"/>
+                                  </a:rPr>
+                                  <m:t>0°</m:t>
+                                </m:r>
+                              </m:oMath>
+                            </m:oMathPara>
+                          </a14:m>
+                          <a:endParaRPr lang="fr-FR" dirty="0"/>
+                        </a:p>
+                      </a:txBody>
+                      <a:tcPr>
+                        <a:lnL w="12700" cap="flat" cmpd="sng" algn="ctr">
+                          <a:solidFill>
+                            <a:schemeClr val="tx1"/>
+                          </a:solidFill>
+                          <a:prstDash val="solid"/>
+                          <a:round/>
+                          <a:headEnd type="none" w="med" len="med"/>
+                          <a:tailEnd type="none" w="med" len="med"/>
+                        </a:lnL>
+                        <a:lnR w="12700" cap="flat" cmpd="sng" algn="ctr">
+                          <a:solidFill>
+                            <a:schemeClr val="tx1"/>
+                          </a:solidFill>
+                          <a:prstDash val="solid"/>
+                          <a:round/>
+                          <a:headEnd type="none" w="med" len="med"/>
+                          <a:tailEnd type="none" w="med" len="med"/>
+                        </a:lnR>
+                        <a:lnT w="12700" cap="flat" cmpd="sng" algn="ctr">
+                          <a:solidFill>
+                            <a:schemeClr val="tx1"/>
+                          </a:solidFill>
+                          <a:prstDash val="solid"/>
+                          <a:round/>
+                          <a:headEnd type="none" w="med" len="med"/>
+                          <a:tailEnd type="none" w="med" len="med"/>
+                        </a:lnT>
+                        <a:lnB w="12700" cap="flat" cmpd="sng" algn="ctr">
+                          <a:solidFill>
+                            <a:schemeClr val="tx1"/>
+                          </a:solidFill>
+                          <a:prstDash val="solid"/>
+                          <a:round/>
+                          <a:headEnd type="none" w="med" len="med"/>
+                          <a:tailEnd type="none" w="med" len="med"/>
+                        </a:lnB>
+                        <a:noFill/>
+                      </a:tcPr>
+                    </a:tc>
+                    <a:tc gridSpan="2">
+                      <a:txBody>
+                        <a:bodyPr/>
+                        <a:lstStyle/>
+                        <a:p>
+                          <a:pPr marL="0" marR="0" lvl="0" indent="0" algn="l" defTabSz="914400" rtl="0" eaLnBrk="1" fontAlgn="auto" latinLnBrk="0" hangingPunct="1">
+                            <a:lnSpc>
+                              <a:spcPct val="100000"/>
+                            </a:lnSpc>
+                            <a:spcBef>
+                              <a:spcPts val="0"/>
+                            </a:spcBef>
+                            <a:spcAft>
+                              <a:spcPts val="0"/>
+                            </a:spcAft>
+                            <a:buClrTx/>
+                            <a:buSzTx/>
+                            <a:buFontTx/>
+                            <a:buNone/>
+                            <a:tabLst/>
+                            <a:defRPr/>
+                          </a:pPr>
+                          <a14:m>
+                            <m:oMathPara xmlns:m="http://schemas.openxmlformats.org/officeDocument/2006/math">
+                              <m:oMathParaPr>
+                                <m:jc m:val="centerGroup"/>
+                              </m:oMathParaPr>
+                              <m:oMath xmlns:m="http://schemas.openxmlformats.org/officeDocument/2006/math">
+                                <m:r>
+                                  <a:rPr lang="fr-FR" b="0" i="1" smtClean="0">
+                                    <a:latin typeface="Cambria Math" panose="02040503050406030204" pitchFamily="18" charset="0"/>
+                                  </a:rPr>
+                                  <m:t>0°</m:t>
+                                </m:r>
+                              </m:oMath>
+                            </m:oMathPara>
+                          </a14:m>
+                          <a:endParaRPr lang="fr-FR" dirty="0"/>
+                        </a:p>
+                      </a:txBody>
+                      <a:tcPr>
+                        <a:lnL w="12700" cap="flat" cmpd="sng" algn="ctr">
+                          <a:solidFill>
+                            <a:schemeClr val="tx1"/>
+                          </a:solidFill>
+                          <a:prstDash val="solid"/>
+                          <a:round/>
+                          <a:headEnd type="none" w="med" len="med"/>
+                          <a:tailEnd type="none" w="med" len="med"/>
+                        </a:lnL>
+                        <a:lnR w="12700" cap="flat" cmpd="sng" algn="ctr">
+                          <a:solidFill>
+                            <a:schemeClr val="tx1"/>
+                          </a:solidFill>
+                          <a:prstDash val="solid"/>
+                          <a:round/>
+                          <a:headEnd type="none" w="med" len="med"/>
+                          <a:tailEnd type="none" w="med" len="med"/>
+                        </a:lnR>
+                        <a:lnT w="12700" cap="flat" cmpd="sng" algn="ctr">
+                          <a:solidFill>
+                            <a:schemeClr val="tx1"/>
+                          </a:solidFill>
+                          <a:prstDash val="solid"/>
+                          <a:round/>
+                          <a:headEnd type="none" w="med" len="med"/>
+                          <a:tailEnd type="none" w="med" len="med"/>
+                        </a:lnT>
+                        <a:lnB w="12700" cap="flat" cmpd="sng" algn="ctr">
+                          <a:solidFill>
+                            <a:schemeClr val="tx1"/>
+                          </a:solidFill>
+                          <a:prstDash val="solid"/>
+                          <a:round/>
+                          <a:headEnd type="none" w="med" len="med"/>
+                          <a:tailEnd type="none" w="med" len="med"/>
+                        </a:lnB>
+                        <a:noFill/>
+                      </a:tcPr>
+                    </a:tc>
+                    <a:tc hMerge="1">
+                      <a:txBody>
+                        <a:bodyPr/>
+                        <a:lstStyle/>
+                        <a:p>
+                          <a:endParaRPr lang="fr-FR" dirty="0"/>
+                        </a:p>
+                      </a:txBody>
+                      <a:tcPr>
+                        <a:lnL w="12700" cap="flat" cmpd="sng" algn="ctr">
+                          <a:solidFill>
+                            <a:schemeClr val="tx1"/>
+                          </a:solidFill>
+                          <a:prstDash val="solid"/>
+                          <a:round/>
+                          <a:headEnd type="none" w="med" len="med"/>
+                          <a:tailEnd type="none" w="med" len="med"/>
+                        </a:lnL>
+                        <a:lnR w="12700" cap="flat" cmpd="sng" algn="ctr">
+                          <a:solidFill>
+                            <a:schemeClr val="tx1"/>
+                          </a:solidFill>
+                          <a:prstDash val="solid"/>
+                          <a:round/>
+                          <a:headEnd type="none" w="med" len="med"/>
+                          <a:tailEnd type="none" w="med" len="med"/>
+                        </a:lnR>
+                        <a:lnT w="12700" cap="flat" cmpd="sng" algn="ctr">
+                          <a:solidFill>
+                            <a:schemeClr val="tx1"/>
+                          </a:solidFill>
+                          <a:prstDash val="solid"/>
+                          <a:round/>
+                          <a:headEnd type="none" w="med" len="med"/>
+                          <a:tailEnd type="none" w="med" len="med"/>
+                        </a:lnT>
+                        <a:lnB w="12700" cap="flat" cmpd="sng" algn="ctr">
+                          <a:solidFill>
+                            <a:schemeClr val="tx1"/>
+                          </a:solidFill>
+                          <a:prstDash val="solid"/>
+                          <a:round/>
+                          <a:headEnd type="none" w="med" len="med"/>
+                          <a:tailEnd type="none" w="med" len="med"/>
+                        </a:lnB>
+                        <a:noFill/>
+                      </a:tcPr>
+                    </a:tc>
+                    <a:tc gridSpan="2">
+                      <a:txBody>
+                        <a:bodyPr/>
+                        <a:lstStyle/>
+                        <a:p>
+                          <a:pPr marL="0" marR="0" lvl="0" indent="0" algn="l" defTabSz="914400" rtl="0" eaLnBrk="1" fontAlgn="auto" latinLnBrk="0" hangingPunct="1">
+                            <a:lnSpc>
+                              <a:spcPct val="100000"/>
+                            </a:lnSpc>
+                            <a:spcBef>
+                              <a:spcPts val="0"/>
+                            </a:spcBef>
+                            <a:spcAft>
+                              <a:spcPts val="0"/>
+                            </a:spcAft>
+                            <a:buClrTx/>
+                            <a:buSzTx/>
+                            <a:buFontTx/>
+                            <a:buNone/>
+                            <a:tabLst/>
+                            <a:defRPr/>
+                          </a:pPr>
+                          <a14:m>
+                            <m:oMathPara xmlns:m="http://schemas.openxmlformats.org/officeDocument/2006/math">
+                              <m:oMathParaPr>
+                                <m:jc m:val="centerGroup"/>
+                              </m:oMathParaPr>
+                              <m:oMath xmlns:m="http://schemas.openxmlformats.org/officeDocument/2006/math">
+                                <m:r>
+                                  <a:rPr lang="fr-FR" b="0" i="1" smtClean="0">
+                                    <a:latin typeface="Cambria Math" panose="02040503050406030204" pitchFamily="18" charset="0"/>
+                                  </a:rPr>
+                                  <m:t>+90°</m:t>
+                                </m:r>
+                              </m:oMath>
+                            </m:oMathPara>
+                          </a14:m>
+                          <a:endParaRPr lang="fr-FR" dirty="0"/>
+                        </a:p>
+                      </a:txBody>
+                      <a:tcPr>
+                        <a:lnL w="12700" cap="flat" cmpd="sng" algn="ctr">
+                          <a:solidFill>
+                            <a:schemeClr val="tx1"/>
+                          </a:solidFill>
+                          <a:prstDash val="solid"/>
+                          <a:round/>
+                          <a:headEnd type="none" w="med" len="med"/>
+                          <a:tailEnd type="none" w="med" len="med"/>
+                        </a:lnL>
+                        <a:lnR w="12700" cap="flat" cmpd="sng" algn="ctr">
+                          <a:solidFill>
+                            <a:schemeClr val="tx1"/>
+                          </a:solidFill>
+                          <a:prstDash val="solid"/>
+                          <a:round/>
+                          <a:headEnd type="none" w="med" len="med"/>
+                          <a:tailEnd type="none" w="med" len="med"/>
+                        </a:lnR>
+                        <a:lnT w="12700" cap="flat" cmpd="sng" algn="ctr">
+                          <a:solidFill>
+                            <a:schemeClr val="tx1"/>
+                          </a:solidFill>
+                          <a:prstDash val="solid"/>
+                          <a:round/>
+                          <a:headEnd type="none" w="med" len="med"/>
+                          <a:tailEnd type="none" w="med" len="med"/>
+                        </a:lnT>
+                        <a:lnB w="12700" cap="flat" cmpd="sng" algn="ctr">
+                          <a:solidFill>
+                            <a:schemeClr val="tx1"/>
+                          </a:solidFill>
+                          <a:prstDash val="solid"/>
+                          <a:round/>
+                          <a:headEnd type="none" w="med" len="med"/>
+                          <a:tailEnd type="none" w="med" len="med"/>
+                        </a:lnB>
+                        <a:noFill/>
+                      </a:tcPr>
+                    </a:tc>
+                    <a:tc hMerge="1">
+                      <a:txBody>
+                        <a:bodyPr/>
+                        <a:lstStyle/>
+                        <a:p>
+                          <a:endParaRPr lang="fr-FR" dirty="0"/>
+                        </a:p>
+                      </a:txBody>
+                      <a:tcPr>
+                        <a:lnL w="12700" cap="flat" cmpd="sng" algn="ctr">
+                          <a:solidFill>
+                            <a:schemeClr val="tx1"/>
+                          </a:solidFill>
+                          <a:prstDash val="solid"/>
+                          <a:round/>
+                          <a:headEnd type="none" w="med" len="med"/>
+                          <a:tailEnd type="none" w="med" len="med"/>
+                        </a:lnL>
+                        <a:lnR w="12700" cap="flat" cmpd="sng" algn="ctr">
+                          <a:solidFill>
+                            <a:schemeClr val="tx1"/>
+                          </a:solidFill>
+                          <a:prstDash val="solid"/>
+                          <a:round/>
+                          <a:headEnd type="none" w="med" len="med"/>
+                          <a:tailEnd type="none" w="med" len="med"/>
+                        </a:lnR>
+                        <a:lnT w="12700" cap="flat" cmpd="sng" algn="ctr">
+                          <a:solidFill>
+                            <a:schemeClr val="tx1"/>
+                          </a:solidFill>
+                          <a:prstDash val="solid"/>
+                          <a:round/>
+                          <a:headEnd type="none" w="med" len="med"/>
+                          <a:tailEnd type="none" w="med" len="med"/>
+                        </a:lnT>
+                        <a:lnB w="12700" cap="flat" cmpd="sng" algn="ctr">
+                          <a:solidFill>
+                            <a:schemeClr val="tx1"/>
+                          </a:solidFill>
+                          <a:prstDash val="solid"/>
+                          <a:round/>
+                          <a:headEnd type="none" w="med" len="med"/>
+                          <a:tailEnd type="none" w="med" len="med"/>
+                        </a:lnB>
+                        <a:noFill/>
+                      </a:tcPr>
+                    </a:tc>
+                    <a:tc>
+                      <a:txBody>
+                        <a:bodyPr/>
+                        <a:lstStyle/>
+                        <a:p>
+                          <a:pPr marL="0" marR="0" lvl="0" indent="0" algn="l" defTabSz="914400" rtl="0" eaLnBrk="1" fontAlgn="auto" latinLnBrk="0" hangingPunct="1">
+                            <a:lnSpc>
+                              <a:spcPct val="100000"/>
+                            </a:lnSpc>
+                            <a:spcBef>
+                              <a:spcPts val="0"/>
+                            </a:spcBef>
+                            <a:spcAft>
+                              <a:spcPts val="0"/>
+                            </a:spcAft>
+                            <a:buClrTx/>
+                            <a:buSzTx/>
+                            <a:buFontTx/>
+                            <a:buNone/>
+                            <a:tabLst/>
+                            <a:defRPr/>
+                          </a:pPr>
+                          <a14:m>
+                            <m:oMathPara xmlns:m="http://schemas.openxmlformats.org/officeDocument/2006/math">
+                              <m:oMathParaPr>
+                                <m:jc m:val="centerGroup"/>
+                              </m:oMathParaPr>
+                              <m:oMath xmlns:m="http://schemas.openxmlformats.org/officeDocument/2006/math">
+                                <m:r>
+                                  <a:rPr lang="fr-FR" b="0" i="1" smtClean="0">
+                                    <a:latin typeface="Cambria Math" panose="02040503050406030204" pitchFamily="18" charset="0"/>
+                                  </a:rPr>
+                                  <m:t>+90°</m:t>
+                                </m:r>
+                              </m:oMath>
+                            </m:oMathPara>
+                          </a14:m>
+                          <a:endParaRPr lang="fr-FR" dirty="0"/>
+                        </a:p>
+                      </a:txBody>
+                      <a:tcPr>
+                        <a:lnL w="12700" cap="flat" cmpd="sng" algn="ctr">
+                          <a:solidFill>
+                            <a:schemeClr val="tx1"/>
+                          </a:solidFill>
+                          <a:prstDash val="solid"/>
+                          <a:round/>
+                          <a:headEnd type="none" w="med" len="med"/>
+                          <a:tailEnd type="none" w="med" len="med"/>
+                        </a:lnL>
+                        <a:lnR w="12700" cap="flat" cmpd="sng" algn="ctr">
+                          <a:solidFill>
+                            <a:schemeClr val="tx1"/>
+                          </a:solidFill>
+                          <a:prstDash val="solid"/>
+                          <a:round/>
+                          <a:headEnd type="none" w="med" len="med"/>
+                          <a:tailEnd type="none" w="med" len="med"/>
+                        </a:lnR>
+                        <a:lnT w="12700" cap="flat" cmpd="sng" algn="ctr">
+                          <a:solidFill>
+                            <a:schemeClr val="tx1"/>
+                          </a:solidFill>
+                          <a:prstDash val="solid"/>
+                          <a:round/>
+                          <a:headEnd type="none" w="med" len="med"/>
+                          <a:tailEnd type="none" w="med" len="med"/>
+                        </a:lnT>
+                        <a:lnB w="12700" cap="flat" cmpd="sng" algn="ctr">
+                          <a:solidFill>
+                            <a:schemeClr val="tx1"/>
+                          </a:solidFill>
+                          <a:prstDash val="solid"/>
+                          <a:round/>
+                          <a:headEnd type="none" w="med" len="med"/>
+                          <a:tailEnd type="none" w="med" len="med"/>
+                        </a:lnB>
+                        <a:noFill/>
+                      </a:tcPr>
+                    </a:tc>
+                    <a:extLst>
+                      <a:ext uri="{0D108BD9-81ED-4DB2-BD59-A6C34878D82A}">
+                        <a16:rowId xmlns:a16="http://schemas.microsoft.com/office/drawing/2014/main" val="2898247550"/>
+                      </a:ext>
+                    </a:extLst>
+                  </a:tr>
+                  <a:tr h="370840">
+                    <a:tc>
+                      <a:txBody>
+                        <a:bodyPr/>
+                        <a:lstStyle/>
+                        <a:p>
+                          <a14:m>
+                            <m:oMathPara xmlns:m="http://schemas.openxmlformats.org/officeDocument/2006/math">
+                              <m:oMathParaPr>
+                                <m:jc m:val="centerGroup"/>
+                              </m:oMathParaPr>
+                              <m:oMath xmlns:m="http://schemas.openxmlformats.org/officeDocument/2006/math">
+                                <m:f>
+                                  <m:fPr>
+                                    <m:ctrlPr>
+                                      <a:rPr lang="fr-FR" b="0" i="1" smtClean="0">
+                                        <a:latin typeface="Cambria Math" panose="02040503050406030204" pitchFamily="18" charset="0"/>
+                                      </a:rPr>
+                                    </m:ctrlPr>
+                                  </m:fPr>
+                                  <m:num>
+                                    <m:r>
+                                      <a:rPr lang="fr-FR" b="0" i="1" smtClean="0">
+                                        <a:latin typeface="Cambria Math" panose="02040503050406030204" pitchFamily="18" charset="0"/>
+                                      </a:rPr>
+                                      <m:t>1</m:t>
+                                    </m:r>
+                                  </m:num>
+                                  <m:den>
+                                    <m:r>
+                                      <a:rPr lang="fr-FR" b="0" i="1" smtClean="0">
+                                        <a:latin typeface="Cambria Math" panose="02040503050406030204" pitchFamily="18" charset="0"/>
+                                      </a:rPr>
+                                      <m:t>1+0,75 </m:t>
+                                    </m:r>
+                                    <m:r>
+                                      <a:rPr lang="fr-FR" b="0" i="1" smtClean="0">
+                                        <a:latin typeface="Cambria Math" panose="02040503050406030204" pitchFamily="18" charset="0"/>
+                                      </a:rPr>
+                                      <m:t>𝑝</m:t>
+                                    </m:r>
+                                  </m:den>
+                                </m:f>
+                              </m:oMath>
+                            </m:oMathPara>
+                          </a14:m>
+                          <a:endParaRPr lang="fr-FR" dirty="0"/>
+                        </a:p>
+                      </a:txBody>
+                      <a:tcPr>
+                        <a:lnL w="12700" cap="flat" cmpd="sng" algn="ctr">
+                          <a:solidFill>
+                            <a:schemeClr val="tx1"/>
+                          </a:solidFill>
+                          <a:prstDash val="solid"/>
+                          <a:round/>
+                          <a:headEnd type="none" w="med" len="med"/>
+                          <a:tailEnd type="none" w="med" len="med"/>
+                        </a:lnL>
+                        <a:lnR w="12700" cap="flat" cmpd="sng" algn="ctr">
+                          <a:solidFill>
+                            <a:schemeClr val="tx1"/>
+                          </a:solidFill>
+                          <a:prstDash val="solid"/>
+                          <a:round/>
+                          <a:headEnd type="none" w="med" len="med"/>
+                          <a:tailEnd type="none" w="med" len="med"/>
+                        </a:lnR>
+                        <a:lnT w="12700" cap="flat" cmpd="sng" algn="ctr">
+                          <a:solidFill>
+                            <a:schemeClr val="tx1"/>
+                          </a:solidFill>
+                          <a:prstDash val="solid"/>
+                          <a:round/>
+                          <a:headEnd type="none" w="med" len="med"/>
+                          <a:tailEnd type="none" w="med" len="med"/>
+                        </a:lnT>
+                        <a:lnB w="12700" cap="flat" cmpd="sng" algn="ctr">
+                          <a:solidFill>
+                            <a:schemeClr val="tx1"/>
+                          </a:solidFill>
+                          <a:prstDash val="solid"/>
+                          <a:round/>
+                          <a:headEnd type="none" w="med" len="med"/>
+                          <a:tailEnd type="none" w="med" len="med"/>
+                        </a:lnB>
+                        <a:noFill/>
+                      </a:tcPr>
+                    </a:tc>
+                    <a:tc>
+                      <a:txBody>
+                        <a:bodyPr/>
+                        <a:lstStyle/>
+                        <a:p>
+                          <a:pPr/>
+                          <a14:m>
+                            <m:oMathPara xmlns:m="http://schemas.openxmlformats.org/officeDocument/2006/math">
+                              <m:oMathParaPr>
+                                <m:jc m:val="centerGroup"/>
+                              </m:oMathParaPr>
+                              <m:oMath xmlns:m="http://schemas.openxmlformats.org/officeDocument/2006/math">
+                                <m:r>
+                                  <a:rPr lang="fr-FR" b="0" i="1" smtClean="0">
+                                    <a:latin typeface="Cambria Math" panose="02040503050406030204" pitchFamily="18" charset="0"/>
+                                  </a:rPr>
+                                  <m:t>0°</m:t>
+                                </m:r>
+                              </m:oMath>
+                            </m:oMathPara>
+                          </a14:m>
+                          <a:endParaRPr lang="fr-FR" dirty="0"/>
+                        </a:p>
+                      </a:txBody>
+                      <a:tcPr>
+                        <a:lnL w="12700" cap="flat" cmpd="sng" algn="ctr">
+                          <a:solidFill>
+                            <a:schemeClr val="tx1"/>
+                          </a:solidFill>
+                          <a:prstDash val="solid"/>
+                          <a:round/>
+                          <a:headEnd type="none" w="med" len="med"/>
+                          <a:tailEnd type="none" w="med" len="med"/>
+                        </a:lnL>
+                        <a:lnR w="12700" cap="flat" cmpd="sng" algn="ctr">
+                          <a:solidFill>
+                            <a:schemeClr val="tx1"/>
+                          </a:solidFill>
+                          <a:prstDash val="solid"/>
+                          <a:round/>
+                          <a:headEnd type="none" w="med" len="med"/>
+                          <a:tailEnd type="none" w="med" len="med"/>
+                        </a:lnR>
+                        <a:lnT w="12700" cap="flat" cmpd="sng" algn="ctr">
+                          <a:solidFill>
+                            <a:schemeClr val="tx1"/>
+                          </a:solidFill>
+                          <a:prstDash val="solid"/>
+                          <a:round/>
+                          <a:headEnd type="none" w="med" len="med"/>
+                          <a:tailEnd type="none" w="med" len="med"/>
+                        </a:lnT>
+                        <a:lnB w="12700" cap="flat" cmpd="sng" algn="ctr">
+                          <a:solidFill>
+                            <a:schemeClr val="tx1"/>
+                          </a:solidFill>
+                          <a:prstDash val="solid"/>
+                          <a:round/>
+                          <a:headEnd type="none" w="med" len="med"/>
+                          <a:tailEnd type="none" w="med" len="med"/>
+                        </a:lnB>
+                        <a:noFill/>
+                      </a:tcPr>
+                    </a:tc>
+                    <a:tc gridSpan="2">
+                      <a:txBody>
+                        <a:bodyPr/>
+                        <a:lstStyle/>
+                        <a:p>
+                          <a:pPr marL="0" marR="0" lvl="0" indent="0" algn="l" defTabSz="914400" rtl="0" eaLnBrk="1" fontAlgn="auto" latinLnBrk="0" hangingPunct="1">
+                            <a:lnSpc>
+                              <a:spcPct val="100000"/>
+                            </a:lnSpc>
+                            <a:spcBef>
+                              <a:spcPts val="0"/>
+                            </a:spcBef>
+                            <a:spcAft>
+                              <a:spcPts val="0"/>
+                            </a:spcAft>
+                            <a:buClrTx/>
+                            <a:buSzTx/>
+                            <a:buFontTx/>
+                            <a:buNone/>
+                            <a:tabLst/>
+                            <a:defRPr/>
+                          </a:pPr>
+                          <a14:m>
+                            <m:oMathPara xmlns:m="http://schemas.openxmlformats.org/officeDocument/2006/math">
+                              <m:oMathParaPr>
+                                <m:jc m:val="centerGroup"/>
+                              </m:oMathParaPr>
+                              <m:oMath xmlns:m="http://schemas.openxmlformats.org/officeDocument/2006/math">
+                                <m:r>
+                                  <a:rPr lang="fr-FR" b="0" i="1" smtClean="0">
+                                    <a:latin typeface="Cambria Math" panose="02040503050406030204" pitchFamily="18" charset="0"/>
+                                  </a:rPr>
+                                  <m:t>−90°</m:t>
+                                </m:r>
+                              </m:oMath>
+                            </m:oMathPara>
+                          </a14:m>
+                          <a:endParaRPr lang="fr-FR" dirty="0"/>
+                        </a:p>
+                      </a:txBody>
+                      <a:tcPr>
+                        <a:lnL w="12700" cap="flat" cmpd="sng" algn="ctr">
+                          <a:solidFill>
+                            <a:schemeClr val="tx1"/>
+                          </a:solidFill>
+                          <a:prstDash val="solid"/>
+                          <a:round/>
+                          <a:headEnd type="none" w="med" len="med"/>
+                          <a:tailEnd type="none" w="med" len="med"/>
+                        </a:lnL>
+                        <a:lnR w="12700" cap="flat" cmpd="sng" algn="ctr">
+                          <a:solidFill>
+                            <a:schemeClr val="tx1"/>
+                          </a:solidFill>
+                          <a:prstDash val="solid"/>
+                          <a:round/>
+                          <a:headEnd type="none" w="med" len="med"/>
+                          <a:tailEnd type="none" w="med" len="med"/>
+                        </a:lnR>
+                        <a:lnT w="12700" cap="flat" cmpd="sng" algn="ctr">
+                          <a:solidFill>
+                            <a:schemeClr val="tx1"/>
+                          </a:solidFill>
+                          <a:prstDash val="solid"/>
+                          <a:round/>
+                          <a:headEnd type="none" w="med" len="med"/>
+                          <a:tailEnd type="none" w="med" len="med"/>
+                        </a:lnT>
+                        <a:lnB w="12700" cap="flat" cmpd="sng" algn="ctr">
+                          <a:solidFill>
+                            <a:schemeClr val="tx1"/>
+                          </a:solidFill>
+                          <a:prstDash val="solid"/>
+                          <a:round/>
+                          <a:headEnd type="none" w="med" len="med"/>
+                          <a:tailEnd type="none" w="med" len="med"/>
+                        </a:lnB>
+                        <a:noFill/>
+                      </a:tcPr>
+                    </a:tc>
+                    <a:tc hMerge="1">
+                      <a:txBody>
+                        <a:bodyPr/>
+                        <a:lstStyle/>
+                        <a:p>
+                          <a:endParaRPr lang="fr-FR" dirty="0"/>
+                        </a:p>
+                      </a:txBody>
+                      <a:tcPr>
+                        <a:lnL w="12700" cap="flat" cmpd="sng" algn="ctr">
+                          <a:solidFill>
+                            <a:schemeClr val="tx1"/>
+                          </a:solidFill>
+                          <a:prstDash val="solid"/>
+                          <a:round/>
+                          <a:headEnd type="none" w="med" len="med"/>
+                          <a:tailEnd type="none" w="med" len="med"/>
+                        </a:lnL>
+                        <a:lnR w="12700" cap="flat" cmpd="sng" algn="ctr">
+                          <a:solidFill>
+                            <a:schemeClr val="tx1"/>
+                          </a:solidFill>
+                          <a:prstDash val="solid"/>
+                          <a:round/>
+                          <a:headEnd type="none" w="med" len="med"/>
+                          <a:tailEnd type="none" w="med" len="med"/>
+                        </a:lnR>
+                        <a:lnT w="12700" cap="flat" cmpd="sng" algn="ctr">
+                          <a:solidFill>
+                            <a:schemeClr val="tx1"/>
+                          </a:solidFill>
+                          <a:prstDash val="solid"/>
+                          <a:round/>
+                          <a:headEnd type="none" w="med" len="med"/>
+                          <a:tailEnd type="none" w="med" len="med"/>
+                        </a:lnT>
+                        <a:lnB w="12700" cap="flat" cmpd="sng" algn="ctr">
+                          <a:solidFill>
+                            <a:schemeClr val="tx1"/>
+                          </a:solidFill>
+                          <a:prstDash val="solid"/>
+                          <a:round/>
+                          <a:headEnd type="none" w="med" len="med"/>
+                          <a:tailEnd type="none" w="med" len="med"/>
+                        </a:lnB>
+                        <a:noFill/>
+                      </a:tcPr>
+                    </a:tc>
+                    <a:tc gridSpan="2">
+                      <a:txBody>
+                        <a:bodyPr/>
+                        <a:lstStyle/>
+                        <a:p>
+                          <a:pPr marL="0" marR="0" lvl="0" indent="0" algn="l" defTabSz="914400" rtl="0" eaLnBrk="1" fontAlgn="auto" latinLnBrk="0" hangingPunct="1">
+                            <a:lnSpc>
+                              <a:spcPct val="100000"/>
+                            </a:lnSpc>
+                            <a:spcBef>
+                              <a:spcPts val="0"/>
+                            </a:spcBef>
+                            <a:spcAft>
+                              <a:spcPts val="0"/>
+                            </a:spcAft>
+                            <a:buClrTx/>
+                            <a:buSzTx/>
+                            <a:buFontTx/>
+                            <a:buNone/>
+                            <a:tabLst/>
+                            <a:defRPr/>
+                          </a:pPr>
+                          <a14:m>
+                            <m:oMathPara xmlns:m="http://schemas.openxmlformats.org/officeDocument/2006/math">
+                              <m:oMathParaPr>
+                                <m:jc m:val="centerGroup"/>
+                              </m:oMathParaPr>
+                              <m:oMath xmlns:m="http://schemas.openxmlformats.org/officeDocument/2006/math">
+                                <m:r>
+                                  <a:rPr lang="fr-FR" b="0" i="1" smtClean="0">
+                                    <a:latin typeface="Cambria Math" panose="02040503050406030204" pitchFamily="18" charset="0"/>
+                                  </a:rPr>
+                                  <m:t>−90°</m:t>
+                                </m:r>
+                              </m:oMath>
+                            </m:oMathPara>
+                          </a14:m>
+                          <a:endParaRPr lang="fr-FR" dirty="0"/>
+                        </a:p>
+                      </a:txBody>
+                      <a:tcPr>
+                        <a:lnL w="12700" cap="flat" cmpd="sng" algn="ctr">
+                          <a:solidFill>
+                            <a:schemeClr val="tx1"/>
+                          </a:solidFill>
+                          <a:prstDash val="solid"/>
+                          <a:round/>
+                          <a:headEnd type="none" w="med" len="med"/>
+                          <a:tailEnd type="none" w="med" len="med"/>
+                        </a:lnL>
+                        <a:lnR w="12700" cap="flat" cmpd="sng" algn="ctr">
+                          <a:solidFill>
+                            <a:schemeClr val="tx1"/>
+                          </a:solidFill>
+                          <a:prstDash val="solid"/>
+                          <a:round/>
+                          <a:headEnd type="none" w="med" len="med"/>
+                          <a:tailEnd type="none" w="med" len="med"/>
+                        </a:lnR>
+                        <a:lnT w="12700" cap="flat" cmpd="sng" algn="ctr">
+                          <a:solidFill>
+                            <a:schemeClr val="tx1"/>
+                          </a:solidFill>
+                          <a:prstDash val="solid"/>
+                          <a:round/>
+                          <a:headEnd type="none" w="med" len="med"/>
+                          <a:tailEnd type="none" w="med" len="med"/>
+                        </a:lnT>
+                        <a:lnB w="12700" cap="flat" cmpd="sng" algn="ctr">
+                          <a:solidFill>
+                            <a:schemeClr val="tx1"/>
+                          </a:solidFill>
+                          <a:prstDash val="solid"/>
+                          <a:round/>
+                          <a:headEnd type="none" w="med" len="med"/>
+                          <a:tailEnd type="none" w="med" len="med"/>
+                        </a:lnB>
+                        <a:noFill/>
+                      </a:tcPr>
+                    </a:tc>
+                    <a:tc hMerge="1">
+                      <a:txBody>
+                        <a:bodyPr/>
+                        <a:lstStyle/>
+                        <a:p>
+                          <a:endParaRPr lang="fr-FR" dirty="0"/>
+                        </a:p>
+                      </a:txBody>
+                      <a:tcPr>
+                        <a:lnL w="12700" cap="flat" cmpd="sng" algn="ctr">
+                          <a:solidFill>
+                            <a:schemeClr val="tx1"/>
+                          </a:solidFill>
+                          <a:prstDash val="solid"/>
+                          <a:round/>
+                          <a:headEnd type="none" w="med" len="med"/>
+                          <a:tailEnd type="none" w="med" len="med"/>
+                        </a:lnL>
+                        <a:lnR w="12700" cap="flat" cmpd="sng" algn="ctr">
+                          <a:solidFill>
+                            <a:schemeClr val="tx1"/>
+                          </a:solidFill>
+                          <a:prstDash val="solid"/>
+                          <a:round/>
+                          <a:headEnd type="none" w="med" len="med"/>
+                          <a:tailEnd type="none" w="med" len="med"/>
+                        </a:lnR>
+                        <a:lnT w="12700" cap="flat" cmpd="sng" algn="ctr">
+                          <a:solidFill>
+                            <a:schemeClr val="tx1"/>
+                          </a:solidFill>
+                          <a:prstDash val="solid"/>
+                          <a:round/>
+                          <a:headEnd type="none" w="med" len="med"/>
+                          <a:tailEnd type="none" w="med" len="med"/>
+                        </a:lnT>
+                        <a:lnB w="12700" cap="flat" cmpd="sng" algn="ctr">
+                          <a:solidFill>
+                            <a:schemeClr val="tx1"/>
+                          </a:solidFill>
+                          <a:prstDash val="solid"/>
+                          <a:round/>
+                          <a:headEnd type="none" w="med" len="med"/>
+                          <a:tailEnd type="none" w="med" len="med"/>
+                        </a:lnB>
+                        <a:noFill/>
+                      </a:tcPr>
+                    </a:tc>
+                    <a:tc>
+                      <a:txBody>
+                        <a:bodyPr/>
+                        <a:lstStyle/>
+                        <a:p>
+                          <a:pPr marL="0" marR="0" lvl="0" indent="0" algn="l" defTabSz="914400" rtl="0" eaLnBrk="1" fontAlgn="auto" latinLnBrk="0" hangingPunct="1">
+                            <a:lnSpc>
+                              <a:spcPct val="100000"/>
+                            </a:lnSpc>
+                            <a:spcBef>
+                              <a:spcPts val="0"/>
+                            </a:spcBef>
+                            <a:spcAft>
+                              <a:spcPts val="0"/>
+                            </a:spcAft>
+                            <a:buClrTx/>
+                            <a:buSzTx/>
+                            <a:buFontTx/>
+                            <a:buNone/>
+                            <a:tabLst/>
+                            <a:defRPr/>
+                          </a:pPr>
+                          <a14:m>
+                            <m:oMathPara xmlns:m="http://schemas.openxmlformats.org/officeDocument/2006/math">
+                              <m:oMathParaPr>
+                                <m:jc m:val="centerGroup"/>
+                              </m:oMathParaPr>
+                              <m:oMath xmlns:m="http://schemas.openxmlformats.org/officeDocument/2006/math">
+                                <m:r>
+                                  <a:rPr lang="fr-FR" b="0" i="1" smtClean="0">
+                                    <a:latin typeface="Cambria Math" panose="02040503050406030204" pitchFamily="18" charset="0"/>
+                                  </a:rPr>
+                                  <m:t>−90°</m:t>
+                                </m:r>
+                              </m:oMath>
+                            </m:oMathPara>
+                          </a14:m>
+                          <a:endParaRPr lang="fr-FR" dirty="0"/>
+                        </a:p>
+                      </a:txBody>
+                      <a:tcPr>
+                        <a:lnL w="12700" cap="flat" cmpd="sng" algn="ctr">
+                          <a:solidFill>
+                            <a:schemeClr val="tx1"/>
+                          </a:solidFill>
+                          <a:prstDash val="solid"/>
+                          <a:round/>
+                          <a:headEnd type="none" w="med" len="med"/>
+                          <a:tailEnd type="none" w="med" len="med"/>
+                        </a:lnL>
+                        <a:lnR w="12700" cap="flat" cmpd="sng" algn="ctr">
+                          <a:solidFill>
+                            <a:schemeClr val="tx1"/>
+                          </a:solidFill>
+                          <a:prstDash val="solid"/>
+                          <a:round/>
+                          <a:headEnd type="none" w="med" len="med"/>
+                          <a:tailEnd type="none" w="med" len="med"/>
+                        </a:lnR>
+                        <a:lnT w="12700" cap="flat" cmpd="sng" algn="ctr">
+                          <a:solidFill>
+                            <a:schemeClr val="tx1"/>
+                          </a:solidFill>
+                          <a:prstDash val="solid"/>
+                          <a:round/>
+                          <a:headEnd type="none" w="med" len="med"/>
+                          <a:tailEnd type="none" w="med" len="med"/>
+                        </a:lnT>
+                        <a:lnB w="12700" cap="flat" cmpd="sng" algn="ctr">
+                          <a:solidFill>
+                            <a:schemeClr val="tx1"/>
+                          </a:solidFill>
+                          <a:prstDash val="solid"/>
+                          <a:round/>
+                          <a:headEnd type="none" w="med" len="med"/>
+                          <a:tailEnd type="none" w="med" len="med"/>
+                        </a:lnB>
+                        <a:noFill/>
+                      </a:tcPr>
+                    </a:tc>
+                    <a:extLst>
+                      <a:ext uri="{0D108BD9-81ED-4DB2-BD59-A6C34878D82A}">
+                        <a16:rowId xmlns:a16="http://schemas.microsoft.com/office/drawing/2014/main" val="2689315497"/>
+                      </a:ext>
+                    </a:extLst>
+                  </a:tr>
+                  <a:tr h="370840">
+                    <a:tc>
+                      <a:txBody>
+                        <a:bodyPr/>
+                        <a:lstStyle/>
+                        <a:p>
+                          <a14:m>
+                            <m:oMathPara xmlns:m="http://schemas.openxmlformats.org/officeDocument/2006/math">
+                              <m:oMathParaPr>
+                                <m:jc m:val="centerGroup"/>
+                              </m:oMathParaPr>
+                              <m:oMath xmlns:m="http://schemas.openxmlformats.org/officeDocument/2006/math">
+                                <m:f>
+                                  <m:fPr>
+                                    <m:ctrlPr>
+                                      <a:rPr lang="fr-FR" b="0" i="1" smtClean="0">
+                                        <a:latin typeface="Cambria Math" panose="02040503050406030204" pitchFamily="18" charset="0"/>
+                                      </a:rPr>
+                                    </m:ctrlPr>
+                                  </m:fPr>
+                                  <m:num>
+                                    <m:r>
+                                      <a:rPr lang="fr-FR" b="0" i="1" smtClean="0">
+                                        <a:latin typeface="Cambria Math" panose="02040503050406030204" pitchFamily="18" charset="0"/>
+                                      </a:rPr>
+                                      <m:t>1</m:t>
+                                    </m:r>
+                                  </m:num>
+                                  <m:den>
+                                    <m:r>
+                                      <a:rPr lang="fr-FR" b="0" i="1" smtClean="0">
+                                        <a:latin typeface="Cambria Math" panose="02040503050406030204" pitchFamily="18" charset="0"/>
+                                      </a:rPr>
+                                      <m:t>1+</m:t>
+                                    </m:r>
+                                    <m:r>
+                                      <a:rPr lang="fr-FR" b="0" i="1" smtClean="0">
+                                        <a:latin typeface="Cambria Math" panose="02040503050406030204" pitchFamily="18" charset="0"/>
+                                      </a:rPr>
+                                      <m:t>1,6×</m:t>
+                                    </m:r>
+                                    <m:sSup>
+                                      <m:sSupPr>
+                                        <m:ctrlPr>
+                                          <a:rPr lang="fr-FR" b="0" i="1" smtClean="0">
+                                            <a:latin typeface="Cambria Math" panose="02040503050406030204" pitchFamily="18" charset="0"/>
+                                          </a:rPr>
+                                        </m:ctrlPr>
+                                      </m:sSupPr>
+                                      <m:e>
+                                        <m:r>
+                                          <a:rPr lang="fr-FR" b="0" i="1" smtClean="0">
+                                            <a:latin typeface="Cambria Math" panose="02040503050406030204" pitchFamily="18" charset="0"/>
+                                          </a:rPr>
+                                          <m:t>10</m:t>
+                                        </m:r>
+                                      </m:e>
+                                      <m:sup>
+                                        <m:r>
+                                          <a:rPr lang="fr-FR" b="0" i="1" smtClean="0">
+                                            <a:latin typeface="Cambria Math" panose="02040503050406030204" pitchFamily="18" charset="0"/>
+                                          </a:rPr>
+                                          <m:t>−3</m:t>
+                                        </m:r>
+                                      </m:sup>
+                                    </m:sSup>
+                                    <m:r>
+                                      <a:rPr lang="fr-FR" b="0" i="1" smtClean="0">
+                                        <a:latin typeface="Cambria Math" panose="02040503050406030204" pitchFamily="18" charset="0"/>
+                                      </a:rPr>
+                                      <m:t> </m:t>
+                                    </m:r>
+                                    <m:r>
+                                      <a:rPr lang="fr-FR" b="0" i="1" smtClean="0">
+                                        <a:latin typeface="Cambria Math" panose="02040503050406030204" pitchFamily="18" charset="0"/>
+                                      </a:rPr>
+                                      <m:t>𝑝</m:t>
+                                    </m:r>
+                                  </m:den>
+                                </m:f>
+                              </m:oMath>
+                            </m:oMathPara>
+                          </a14:m>
+                          <a:endParaRPr lang="fr-FR" dirty="0"/>
+                        </a:p>
+                      </a:txBody>
+                      <a:tcPr>
+                        <a:lnL w="12700" cap="flat" cmpd="sng" algn="ctr">
+                          <a:solidFill>
+                            <a:schemeClr val="tx1"/>
+                          </a:solidFill>
+                          <a:prstDash val="solid"/>
+                          <a:round/>
+                          <a:headEnd type="none" w="med" len="med"/>
+                          <a:tailEnd type="none" w="med" len="med"/>
+                        </a:lnL>
+                        <a:lnR w="12700" cap="flat" cmpd="sng" algn="ctr">
+                          <a:solidFill>
+                            <a:schemeClr val="tx1"/>
+                          </a:solidFill>
+                          <a:prstDash val="solid"/>
+                          <a:round/>
+                          <a:headEnd type="none" w="med" len="med"/>
+                          <a:tailEnd type="none" w="med" len="med"/>
+                        </a:lnR>
+                        <a:lnT w="12700" cap="flat" cmpd="sng" algn="ctr">
+                          <a:solidFill>
+                            <a:schemeClr val="tx1"/>
+                          </a:solidFill>
+                          <a:prstDash val="solid"/>
+                          <a:round/>
+                          <a:headEnd type="none" w="med" len="med"/>
+                          <a:tailEnd type="none" w="med" len="med"/>
+                        </a:lnT>
+                        <a:lnB w="12700" cap="flat" cmpd="sng" algn="ctr">
+                          <a:solidFill>
+                            <a:schemeClr val="tx1"/>
+                          </a:solidFill>
+                          <a:prstDash val="solid"/>
+                          <a:round/>
+                          <a:headEnd type="none" w="med" len="med"/>
+                          <a:tailEnd type="none" w="med" len="med"/>
+                        </a:lnB>
+                        <a:noFill/>
+                      </a:tcPr>
+                    </a:tc>
+                    <a:tc>
+                      <a:txBody>
+                        <a:bodyPr/>
+                        <a:lstStyle/>
+                        <a:p>
+                          <a:pPr/>
+                          <a14:m>
+                            <m:oMathPara xmlns:m="http://schemas.openxmlformats.org/officeDocument/2006/math">
+                              <m:oMathParaPr>
+                                <m:jc m:val="centerGroup"/>
+                              </m:oMathParaPr>
+                              <m:oMath xmlns:m="http://schemas.openxmlformats.org/officeDocument/2006/math">
+                                <m:r>
+                                  <a:rPr lang="fr-FR" b="0" i="1" smtClean="0">
+                                    <a:latin typeface="Cambria Math" panose="02040503050406030204" pitchFamily="18" charset="0"/>
+                                  </a:rPr>
+                                  <m:t>0°</m:t>
+                                </m:r>
+                              </m:oMath>
+                            </m:oMathPara>
+                          </a14:m>
+                          <a:endParaRPr lang="fr-FR" dirty="0"/>
+                        </a:p>
+                      </a:txBody>
+                      <a:tcPr>
+                        <a:lnL w="12700" cap="flat" cmpd="sng" algn="ctr">
+                          <a:solidFill>
+                            <a:schemeClr val="tx1"/>
+                          </a:solidFill>
+                          <a:prstDash val="solid"/>
+                          <a:round/>
+                          <a:headEnd type="none" w="med" len="med"/>
+                          <a:tailEnd type="none" w="med" len="med"/>
+                        </a:lnL>
+                        <a:lnR w="12700" cap="flat" cmpd="sng" algn="ctr">
+                          <a:solidFill>
+                            <a:schemeClr val="tx1"/>
+                          </a:solidFill>
+                          <a:prstDash val="solid"/>
+                          <a:round/>
+                          <a:headEnd type="none" w="med" len="med"/>
+                          <a:tailEnd type="none" w="med" len="med"/>
+                        </a:lnR>
+                        <a:lnT w="12700" cap="flat" cmpd="sng" algn="ctr">
+                          <a:solidFill>
+                            <a:schemeClr val="tx1"/>
+                          </a:solidFill>
+                          <a:prstDash val="solid"/>
+                          <a:round/>
+                          <a:headEnd type="none" w="med" len="med"/>
+                          <a:tailEnd type="none" w="med" len="med"/>
+                        </a:lnT>
+                        <a:lnB w="12700" cap="flat" cmpd="sng" algn="ctr">
+                          <a:solidFill>
+                            <a:schemeClr val="tx1"/>
+                          </a:solidFill>
+                          <a:prstDash val="solid"/>
+                          <a:round/>
+                          <a:headEnd type="none" w="med" len="med"/>
+                          <a:tailEnd type="none" w="med" len="med"/>
+                        </a:lnB>
+                        <a:noFill/>
+                      </a:tcPr>
+                    </a:tc>
+                    <a:tc gridSpan="2">
+                      <a:txBody>
+                        <a:bodyPr/>
+                        <a:lstStyle/>
+                        <a:p>
+                          <a:pPr marL="0" marR="0" lvl="0" indent="0" algn="l" defTabSz="914400" rtl="0" eaLnBrk="1" fontAlgn="auto" latinLnBrk="0" hangingPunct="1">
+                            <a:lnSpc>
+                              <a:spcPct val="100000"/>
+                            </a:lnSpc>
+                            <a:spcBef>
+                              <a:spcPts val="0"/>
+                            </a:spcBef>
+                            <a:spcAft>
+                              <a:spcPts val="0"/>
+                            </a:spcAft>
+                            <a:buClrTx/>
+                            <a:buSzTx/>
+                            <a:buFontTx/>
+                            <a:buNone/>
+                            <a:tabLst/>
+                            <a:defRPr/>
+                          </a:pPr>
+                          <a14:m>
+                            <m:oMathPara xmlns:m="http://schemas.openxmlformats.org/officeDocument/2006/math">
+                              <m:oMathParaPr>
+                                <m:jc m:val="centerGroup"/>
+                              </m:oMathParaPr>
+                              <m:oMath xmlns:m="http://schemas.openxmlformats.org/officeDocument/2006/math">
+                                <m:r>
+                                  <a:rPr lang="fr-FR" b="0" i="1" smtClean="0">
+                                    <a:latin typeface="Cambria Math" panose="02040503050406030204" pitchFamily="18" charset="0"/>
+                                  </a:rPr>
+                                  <m:t>0°</m:t>
+                                </m:r>
+                              </m:oMath>
+                            </m:oMathPara>
+                          </a14:m>
+                          <a:endParaRPr lang="fr-FR" dirty="0"/>
+                        </a:p>
+                      </a:txBody>
+                      <a:tcPr>
+                        <a:lnL w="12700" cap="flat" cmpd="sng" algn="ctr">
+                          <a:solidFill>
+                            <a:schemeClr val="tx1"/>
+                          </a:solidFill>
+                          <a:prstDash val="solid"/>
+                          <a:round/>
+                          <a:headEnd type="none" w="med" len="med"/>
+                          <a:tailEnd type="none" w="med" len="med"/>
+                        </a:lnL>
+                        <a:lnR w="12700" cap="flat" cmpd="sng" algn="ctr">
+                          <a:solidFill>
+                            <a:schemeClr val="tx1"/>
+                          </a:solidFill>
+                          <a:prstDash val="solid"/>
+                          <a:round/>
+                          <a:headEnd type="none" w="med" len="med"/>
+                          <a:tailEnd type="none" w="med" len="med"/>
+                        </a:lnR>
+                        <a:lnT w="12700" cap="flat" cmpd="sng" algn="ctr">
+                          <a:solidFill>
+                            <a:schemeClr val="tx1"/>
+                          </a:solidFill>
+                          <a:prstDash val="solid"/>
+                          <a:round/>
+                          <a:headEnd type="none" w="med" len="med"/>
+                          <a:tailEnd type="none" w="med" len="med"/>
+                        </a:lnT>
+                        <a:lnB w="12700" cap="flat" cmpd="sng" algn="ctr">
+                          <a:solidFill>
+                            <a:schemeClr val="tx1"/>
+                          </a:solidFill>
+                          <a:prstDash val="solid"/>
+                          <a:round/>
+                          <a:headEnd type="none" w="med" len="med"/>
+                          <a:tailEnd type="none" w="med" len="med"/>
+                        </a:lnB>
+                        <a:noFill/>
+                      </a:tcPr>
+                    </a:tc>
+                    <a:tc hMerge="1">
+                      <a:txBody>
+                        <a:bodyPr/>
+                        <a:lstStyle/>
+                        <a:p>
+                          <a:endParaRPr lang="fr-FR" dirty="0"/>
+                        </a:p>
+                      </a:txBody>
+                      <a:tcPr>
+                        <a:lnL w="12700" cap="flat" cmpd="sng" algn="ctr">
+                          <a:solidFill>
+                            <a:schemeClr val="tx1"/>
+                          </a:solidFill>
+                          <a:prstDash val="solid"/>
+                          <a:round/>
+                          <a:headEnd type="none" w="med" len="med"/>
+                          <a:tailEnd type="none" w="med" len="med"/>
+                        </a:lnL>
+                        <a:lnR w="12700" cap="flat" cmpd="sng" algn="ctr">
+                          <a:solidFill>
+                            <a:schemeClr val="tx1"/>
+                          </a:solidFill>
+                          <a:prstDash val="solid"/>
+                          <a:round/>
+                          <a:headEnd type="none" w="med" len="med"/>
+                          <a:tailEnd type="none" w="med" len="med"/>
+                        </a:lnR>
+                        <a:lnT w="12700" cap="flat" cmpd="sng" algn="ctr">
+                          <a:solidFill>
+                            <a:schemeClr val="tx1"/>
+                          </a:solidFill>
+                          <a:prstDash val="solid"/>
+                          <a:round/>
+                          <a:headEnd type="none" w="med" len="med"/>
+                          <a:tailEnd type="none" w="med" len="med"/>
+                        </a:lnT>
+                        <a:lnB w="12700" cap="flat" cmpd="sng" algn="ctr">
+                          <a:solidFill>
+                            <a:schemeClr val="tx1"/>
+                          </a:solidFill>
+                          <a:prstDash val="solid"/>
+                          <a:round/>
+                          <a:headEnd type="none" w="med" len="med"/>
+                          <a:tailEnd type="none" w="med" len="med"/>
+                        </a:lnB>
+                        <a:noFill/>
+                      </a:tcPr>
+                    </a:tc>
+                    <a:tc gridSpan="2">
+                      <a:txBody>
+                        <a:bodyPr/>
+                        <a:lstStyle/>
+                        <a:p>
+                          <a:pPr marL="0" marR="0" lvl="0" indent="0" algn="l" defTabSz="914400" rtl="0" eaLnBrk="1" fontAlgn="auto" latinLnBrk="0" hangingPunct="1">
+                            <a:lnSpc>
+                              <a:spcPct val="100000"/>
+                            </a:lnSpc>
+                            <a:spcBef>
+                              <a:spcPts val="0"/>
+                            </a:spcBef>
+                            <a:spcAft>
+                              <a:spcPts val="0"/>
+                            </a:spcAft>
+                            <a:buClrTx/>
+                            <a:buSzTx/>
+                            <a:buFontTx/>
+                            <a:buNone/>
+                            <a:tabLst/>
+                            <a:defRPr/>
+                          </a:pPr>
+                          <a14:m>
+                            <m:oMathPara xmlns:m="http://schemas.openxmlformats.org/officeDocument/2006/math">
+                              <m:oMathParaPr>
+                                <m:jc m:val="centerGroup"/>
+                              </m:oMathParaPr>
+                              <m:oMath xmlns:m="http://schemas.openxmlformats.org/officeDocument/2006/math">
+                                <m:r>
+                                  <a:rPr lang="fr-FR" b="0" i="1" smtClean="0">
+                                    <a:latin typeface="Cambria Math" panose="02040503050406030204" pitchFamily="18" charset="0"/>
+                                  </a:rPr>
+                                  <m:t>0°</m:t>
+                                </m:r>
+                              </m:oMath>
+                            </m:oMathPara>
+                          </a14:m>
+                          <a:endParaRPr lang="fr-FR" dirty="0"/>
+                        </a:p>
+                      </a:txBody>
+                      <a:tcPr>
+                        <a:lnL w="12700" cap="flat" cmpd="sng" algn="ctr">
+                          <a:solidFill>
+                            <a:schemeClr val="tx1"/>
+                          </a:solidFill>
+                          <a:prstDash val="solid"/>
+                          <a:round/>
+                          <a:headEnd type="none" w="med" len="med"/>
+                          <a:tailEnd type="none" w="med" len="med"/>
+                        </a:lnL>
+                        <a:lnR w="12700" cap="flat" cmpd="sng" algn="ctr">
+                          <a:solidFill>
+                            <a:schemeClr val="tx1"/>
+                          </a:solidFill>
+                          <a:prstDash val="solid"/>
+                          <a:round/>
+                          <a:headEnd type="none" w="med" len="med"/>
+                          <a:tailEnd type="none" w="med" len="med"/>
+                        </a:lnR>
+                        <a:lnT w="12700" cap="flat" cmpd="sng" algn="ctr">
+                          <a:solidFill>
+                            <a:schemeClr val="tx1"/>
+                          </a:solidFill>
+                          <a:prstDash val="solid"/>
+                          <a:round/>
+                          <a:headEnd type="none" w="med" len="med"/>
+                          <a:tailEnd type="none" w="med" len="med"/>
+                        </a:lnT>
+                        <a:lnB w="12700" cap="flat" cmpd="sng" algn="ctr">
+                          <a:solidFill>
+                            <a:schemeClr val="tx1"/>
+                          </a:solidFill>
+                          <a:prstDash val="solid"/>
+                          <a:round/>
+                          <a:headEnd type="none" w="med" len="med"/>
+                          <a:tailEnd type="none" w="med" len="med"/>
+                        </a:lnB>
+                        <a:noFill/>
+                      </a:tcPr>
+                    </a:tc>
+                    <a:tc hMerge="1">
+                      <a:txBody>
+                        <a:bodyPr/>
+                        <a:lstStyle/>
+                        <a:p>
+                          <a:endParaRPr lang="fr-FR" dirty="0"/>
+                        </a:p>
+                      </a:txBody>
+                      <a:tcPr>
+                        <a:lnL w="12700" cap="flat" cmpd="sng" algn="ctr">
+                          <a:solidFill>
+                            <a:schemeClr val="tx1"/>
+                          </a:solidFill>
+                          <a:prstDash val="solid"/>
+                          <a:round/>
+                          <a:headEnd type="none" w="med" len="med"/>
+                          <a:tailEnd type="none" w="med" len="med"/>
+                        </a:lnL>
+                        <a:lnR w="12700" cap="flat" cmpd="sng" algn="ctr">
+                          <a:solidFill>
+                            <a:schemeClr val="tx1"/>
+                          </a:solidFill>
+                          <a:prstDash val="solid"/>
+                          <a:round/>
+                          <a:headEnd type="none" w="med" len="med"/>
+                          <a:tailEnd type="none" w="med" len="med"/>
+                        </a:lnR>
+                        <a:lnT w="12700" cap="flat" cmpd="sng" algn="ctr">
+                          <a:solidFill>
+                            <a:schemeClr val="tx1"/>
+                          </a:solidFill>
+                          <a:prstDash val="solid"/>
+                          <a:round/>
+                          <a:headEnd type="none" w="med" len="med"/>
+                          <a:tailEnd type="none" w="med" len="med"/>
+                        </a:lnT>
+                        <a:lnB w="12700" cap="flat" cmpd="sng" algn="ctr">
+                          <a:solidFill>
+                            <a:schemeClr val="tx1"/>
+                          </a:solidFill>
+                          <a:prstDash val="solid"/>
+                          <a:round/>
+                          <a:headEnd type="none" w="med" len="med"/>
+                          <a:tailEnd type="none" w="med" len="med"/>
+                        </a:lnB>
+                        <a:noFill/>
+                      </a:tcPr>
+                    </a:tc>
+                    <a:tc>
+                      <a:txBody>
+                        <a:bodyPr/>
+                        <a:lstStyle/>
+                        <a:p>
+                          <a:pPr marL="0" marR="0" lvl="0" indent="0" algn="l" defTabSz="914400" rtl="0" eaLnBrk="1" fontAlgn="auto" latinLnBrk="0" hangingPunct="1">
+                            <a:lnSpc>
+                              <a:spcPct val="100000"/>
+                            </a:lnSpc>
+                            <a:spcBef>
+                              <a:spcPts val="0"/>
+                            </a:spcBef>
+                            <a:spcAft>
+                              <a:spcPts val="0"/>
+                            </a:spcAft>
+                            <a:buClrTx/>
+                            <a:buSzTx/>
+                            <a:buFontTx/>
+                            <a:buNone/>
+                            <a:tabLst/>
+                            <a:defRPr/>
+                          </a:pPr>
+                          <a14:m>
+                            <m:oMathPara xmlns:m="http://schemas.openxmlformats.org/officeDocument/2006/math">
+                              <m:oMathParaPr>
+                                <m:jc m:val="centerGroup"/>
+                              </m:oMathParaPr>
+                              <m:oMath xmlns:m="http://schemas.openxmlformats.org/officeDocument/2006/math">
+                                <m:r>
+                                  <a:rPr lang="fr-FR" b="0" i="1" smtClean="0">
+                                    <a:latin typeface="Cambria Math" panose="02040503050406030204" pitchFamily="18" charset="0"/>
+                                  </a:rPr>
+                                  <m:t>−90°</m:t>
+                                </m:r>
+                              </m:oMath>
+                            </m:oMathPara>
+                          </a14:m>
+                          <a:endParaRPr lang="fr-FR" dirty="0"/>
+                        </a:p>
+                      </a:txBody>
+                      <a:tcPr>
+                        <a:lnL w="12700" cap="flat" cmpd="sng" algn="ctr">
+                          <a:solidFill>
+                            <a:schemeClr val="tx1"/>
+                          </a:solidFill>
+                          <a:prstDash val="solid"/>
+                          <a:round/>
+                          <a:headEnd type="none" w="med" len="med"/>
+                          <a:tailEnd type="none" w="med" len="med"/>
+                        </a:lnL>
+                        <a:lnR w="12700" cap="flat" cmpd="sng" algn="ctr">
+                          <a:solidFill>
+                            <a:schemeClr val="tx1"/>
+                          </a:solidFill>
+                          <a:prstDash val="solid"/>
+                          <a:round/>
+                          <a:headEnd type="none" w="med" len="med"/>
+                          <a:tailEnd type="none" w="med" len="med"/>
+                        </a:lnR>
+                        <a:lnT w="12700" cap="flat" cmpd="sng" algn="ctr">
+                          <a:solidFill>
+                            <a:schemeClr val="tx1"/>
+                          </a:solidFill>
+                          <a:prstDash val="solid"/>
+                          <a:round/>
+                          <a:headEnd type="none" w="med" len="med"/>
+                          <a:tailEnd type="none" w="med" len="med"/>
+                        </a:lnT>
+                        <a:lnB w="12700" cap="flat" cmpd="sng" algn="ctr">
+                          <a:solidFill>
+                            <a:schemeClr val="tx1"/>
+                          </a:solidFill>
+                          <a:prstDash val="solid"/>
+                          <a:round/>
+                          <a:headEnd type="none" w="med" len="med"/>
+                          <a:tailEnd type="none" w="med" len="med"/>
+                        </a:lnB>
+                        <a:noFill/>
+                      </a:tcPr>
+                    </a:tc>
+                    <a:extLst>
+                      <a:ext uri="{0D108BD9-81ED-4DB2-BD59-A6C34878D82A}">
+                        <a16:rowId xmlns:a16="http://schemas.microsoft.com/office/drawing/2014/main" val="2782193222"/>
+                      </a:ext>
+                    </a:extLst>
+                  </a:tr>
+                  <a:tr h="370840">
+                    <a:tc>
+                      <a:txBody>
+                        <a:bodyPr/>
+                        <a:lstStyle/>
+                        <a:p>
+                          <a14:m>
+                            <m:oMathPara xmlns:m="http://schemas.openxmlformats.org/officeDocument/2006/math">
+                              <m:oMathParaPr>
+                                <m:jc m:val="centerGroup"/>
+                              </m:oMathParaPr>
+                              <m:oMath xmlns:m="http://schemas.openxmlformats.org/officeDocument/2006/math">
+                                <m:sSub>
+                                  <m:sSubPr>
+                                    <m:ctrlPr>
+                                      <a:rPr lang="fr-FR" b="0" i="1" smtClean="0">
+                                        <a:latin typeface="Cambria Math" panose="02040503050406030204" pitchFamily="18" charset="0"/>
+                                      </a:rPr>
+                                    </m:ctrlPr>
+                                  </m:sSubPr>
+                                  <m:e>
+                                    <m:r>
+                                      <a:rPr lang="fr-FR" b="0" i="1" smtClean="0">
+                                        <a:latin typeface="Cambria Math" panose="02040503050406030204" pitchFamily="18" charset="0"/>
+                                      </a:rPr>
+                                      <m:t>𝐻</m:t>
+                                    </m:r>
+                                  </m:e>
+                                  <m:sub>
+                                    <m:r>
+                                      <a:rPr lang="fr-FR" b="0" i="1" smtClean="0">
+                                        <a:latin typeface="Cambria Math" panose="02040503050406030204" pitchFamily="18" charset="0"/>
+                                      </a:rPr>
+                                      <m:t>𝐵𝑂𝑓𝑒</m:t>
+                                    </m:r>
+                                  </m:sub>
+                                </m:sSub>
+                                <m:r>
+                                  <a:rPr lang="fr-FR" b="0" i="1" smtClean="0">
+                                    <a:latin typeface="Cambria Math" panose="02040503050406030204" pitchFamily="18" charset="0"/>
+                                  </a:rPr>
+                                  <m:t>(</m:t>
+                                </m:r>
+                                <m:r>
+                                  <a:rPr lang="fr-FR" b="0" i="1" smtClean="0">
+                                    <a:latin typeface="Cambria Math" panose="02040503050406030204" pitchFamily="18" charset="0"/>
+                                  </a:rPr>
+                                  <m:t>𝑝</m:t>
+                                </m:r>
+                                <m:r>
+                                  <a:rPr lang="fr-FR" b="0" i="1" smtClean="0">
+                                    <a:latin typeface="Cambria Math" panose="02040503050406030204" pitchFamily="18" charset="0"/>
+                                  </a:rPr>
+                                  <m:t>)</m:t>
+                                </m:r>
+                              </m:oMath>
+                            </m:oMathPara>
+                          </a14:m>
+                          <a:endParaRPr lang="fr-FR" dirty="0"/>
+                        </a:p>
+                      </a:txBody>
+                      <a:tcPr>
+                        <a:lnL w="12700" cap="flat" cmpd="sng" algn="ctr">
+                          <a:solidFill>
+                            <a:schemeClr val="tx1"/>
+                          </a:solidFill>
+                          <a:prstDash val="solid"/>
+                          <a:round/>
+                          <a:headEnd type="none" w="med" len="med"/>
+                          <a:tailEnd type="none" w="med" len="med"/>
+                        </a:lnL>
+                        <a:lnR w="12700" cap="flat" cmpd="sng" algn="ctr">
+                          <a:solidFill>
+                            <a:schemeClr val="tx1"/>
+                          </a:solidFill>
+                          <a:prstDash val="solid"/>
+                          <a:round/>
+                          <a:headEnd type="none" w="med" len="med"/>
+                          <a:tailEnd type="none" w="med" len="med"/>
+                        </a:lnR>
+                        <a:lnT w="12700" cap="flat" cmpd="sng" algn="ctr">
+                          <a:solidFill>
+                            <a:schemeClr val="tx1"/>
+                          </a:solidFill>
+                          <a:prstDash val="solid"/>
+                          <a:round/>
+                          <a:headEnd type="none" w="med" len="med"/>
+                          <a:tailEnd type="none" w="med" len="med"/>
+                        </a:lnT>
+                        <a:lnB w="12700" cap="flat" cmpd="sng" algn="ctr">
+                          <a:solidFill>
+                            <a:schemeClr val="tx1"/>
+                          </a:solidFill>
+                          <a:prstDash val="solid"/>
+                          <a:round/>
+                          <a:headEnd type="none" w="med" len="med"/>
+                          <a:tailEnd type="none" w="med" len="med"/>
+                        </a:lnB>
+                        <a:noFill/>
+                      </a:tcPr>
+                    </a:tc>
+                    <a:tc>
+                      <a:txBody>
+                        <a:bodyPr/>
+                        <a:lstStyle/>
+                        <a:p>
+                          <a:pPr marL="0" marR="0" lvl="0" indent="0" algn="l" defTabSz="914400" rtl="0" eaLnBrk="1" fontAlgn="auto" latinLnBrk="0" hangingPunct="1">
+                            <a:lnSpc>
+                              <a:spcPct val="100000"/>
+                            </a:lnSpc>
+                            <a:spcBef>
+                              <a:spcPts val="0"/>
+                            </a:spcBef>
+                            <a:spcAft>
+                              <a:spcPts val="0"/>
+                            </a:spcAft>
+                            <a:buClrTx/>
+                            <a:buSzTx/>
+                            <a:buFontTx/>
+                            <a:buNone/>
+                            <a:tabLst/>
+                            <a:defRPr/>
+                          </a:pPr>
+                          <a14:m>
+                            <m:oMathPara xmlns:m="http://schemas.openxmlformats.org/officeDocument/2006/math">
+                              <m:oMathParaPr>
+                                <m:jc m:val="centerGroup"/>
+                              </m:oMathParaPr>
+                              <m:oMath xmlns:m="http://schemas.openxmlformats.org/officeDocument/2006/math">
+                                <m:r>
+                                  <a:rPr lang="fr-FR" b="0" i="1" smtClean="0">
+                                    <a:latin typeface="Cambria Math" panose="02040503050406030204" pitchFamily="18" charset="0"/>
+                                  </a:rPr>
+                                  <m:t>−90°</m:t>
+                                </m:r>
+                              </m:oMath>
+                            </m:oMathPara>
+                          </a14:m>
+                          <a:endParaRPr lang="fr-FR" dirty="0"/>
+                        </a:p>
+                      </a:txBody>
+                      <a:tcPr>
+                        <a:lnL w="12700" cap="flat" cmpd="sng" algn="ctr">
+                          <a:solidFill>
+                            <a:schemeClr val="tx1"/>
+                          </a:solidFill>
+                          <a:prstDash val="solid"/>
+                          <a:round/>
+                          <a:headEnd type="none" w="med" len="med"/>
+                          <a:tailEnd type="none" w="med" len="med"/>
+                        </a:lnL>
+                        <a:lnR w="12700" cap="flat" cmpd="sng" algn="ctr">
+                          <a:solidFill>
+                            <a:schemeClr val="tx1"/>
+                          </a:solidFill>
+                          <a:prstDash val="solid"/>
+                          <a:round/>
+                          <a:headEnd type="none" w="med" len="med"/>
+                          <a:tailEnd type="none" w="med" len="med"/>
+                        </a:lnR>
+                        <a:lnT w="12700" cap="flat" cmpd="sng" algn="ctr">
+                          <a:solidFill>
+                            <a:schemeClr val="tx1"/>
+                          </a:solidFill>
+                          <a:prstDash val="solid"/>
+                          <a:round/>
+                          <a:headEnd type="none" w="med" len="med"/>
+                          <a:tailEnd type="none" w="med" len="med"/>
+                        </a:lnT>
+                        <a:lnB w="12700" cap="flat" cmpd="sng" algn="ctr">
+                          <a:solidFill>
+                            <a:schemeClr val="tx1"/>
+                          </a:solidFill>
+                          <a:prstDash val="solid"/>
+                          <a:round/>
+                          <a:headEnd type="none" w="med" len="med"/>
+                          <a:tailEnd type="none" w="med" len="med"/>
+                        </a:lnB>
+                        <a:noFill/>
+                      </a:tcPr>
+                    </a:tc>
+                    <a:tc gridSpan="2">
+                      <a:txBody>
+                        <a:bodyPr/>
+                        <a:lstStyle/>
+                        <a:p>
+                          <a:pPr marL="0" marR="0" lvl="0" indent="0" algn="l" defTabSz="914400" rtl="0" eaLnBrk="1" fontAlgn="auto" latinLnBrk="0" hangingPunct="1">
+                            <a:lnSpc>
+                              <a:spcPct val="100000"/>
+                            </a:lnSpc>
+                            <a:spcBef>
+                              <a:spcPts val="0"/>
+                            </a:spcBef>
+                            <a:spcAft>
+                              <a:spcPts val="0"/>
+                            </a:spcAft>
+                            <a:buClrTx/>
+                            <a:buSzTx/>
+                            <a:buFontTx/>
+                            <a:buNone/>
+                            <a:tabLst/>
+                            <a:defRPr/>
+                          </a:pPr>
+                          <a14:m>
+                            <m:oMathPara xmlns:m="http://schemas.openxmlformats.org/officeDocument/2006/math">
+                              <m:oMathParaPr>
+                                <m:jc m:val="centerGroup"/>
+                              </m:oMathParaPr>
+                              <m:oMath xmlns:m="http://schemas.openxmlformats.org/officeDocument/2006/math">
+                                <m:r>
+                                  <a:rPr lang="fr-FR" b="0" i="1" smtClean="0">
+                                    <a:latin typeface="Cambria Math" panose="02040503050406030204" pitchFamily="18" charset="0"/>
+                                  </a:rPr>
+                                  <m:t>−18</m:t>
+                                </m:r>
+                                <m:r>
+                                  <a:rPr lang="fr-FR" b="0" i="1" smtClean="0">
+                                    <a:latin typeface="Cambria Math" panose="02040503050406030204" pitchFamily="18" charset="0"/>
+                                  </a:rPr>
+                                  <m:t>0°</m:t>
+                                </m:r>
+                              </m:oMath>
+                            </m:oMathPara>
+                          </a14:m>
+                          <a:endParaRPr lang="fr-FR" dirty="0"/>
+                        </a:p>
+                      </a:txBody>
+                      <a:tcPr>
+                        <a:lnL w="12700" cap="flat" cmpd="sng" algn="ctr">
+                          <a:solidFill>
+                            <a:schemeClr val="tx1"/>
+                          </a:solidFill>
+                          <a:prstDash val="solid"/>
+                          <a:round/>
+                          <a:headEnd type="none" w="med" len="med"/>
+                          <a:tailEnd type="none" w="med" len="med"/>
+                        </a:lnL>
+                        <a:lnR w="12700" cap="flat" cmpd="sng" algn="ctr">
+                          <a:solidFill>
+                            <a:schemeClr val="tx1"/>
+                          </a:solidFill>
+                          <a:prstDash val="solid"/>
+                          <a:round/>
+                          <a:headEnd type="none" w="med" len="med"/>
+                          <a:tailEnd type="none" w="med" len="med"/>
+                        </a:lnR>
+                        <a:lnT w="12700" cap="flat" cmpd="sng" algn="ctr">
+                          <a:solidFill>
+                            <a:schemeClr val="tx1"/>
+                          </a:solidFill>
+                          <a:prstDash val="solid"/>
+                          <a:round/>
+                          <a:headEnd type="none" w="med" len="med"/>
+                          <a:tailEnd type="none" w="med" len="med"/>
+                        </a:lnT>
+                        <a:lnB w="12700" cap="flat" cmpd="sng" algn="ctr">
+                          <a:solidFill>
+                            <a:schemeClr val="tx1"/>
+                          </a:solidFill>
+                          <a:prstDash val="solid"/>
+                          <a:round/>
+                          <a:headEnd type="none" w="med" len="med"/>
+                          <a:tailEnd type="none" w="med" len="med"/>
+                        </a:lnB>
+                        <a:noFill/>
+                      </a:tcPr>
+                    </a:tc>
+                    <a:tc hMerge="1">
+                      <a:txBody>
+                        <a:bodyPr/>
+                        <a:lstStyle/>
+                        <a:p>
+                          <a:endParaRPr lang="fr-FR" dirty="0"/>
+                        </a:p>
+                      </a:txBody>
+                      <a:tcPr>
+                        <a:lnL w="12700" cap="flat" cmpd="sng" algn="ctr">
+                          <a:solidFill>
+                            <a:schemeClr val="tx1"/>
+                          </a:solidFill>
+                          <a:prstDash val="solid"/>
+                          <a:round/>
+                          <a:headEnd type="none" w="med" len="med"/>
+                          <a:tailEnd type="none" w="med" len="med"/>
+                        </a:lnL>
+                        <a:lnR w="12700" cap="flat" cmpd="sng" algn="ctr">
+                          <a:solidFill>
+                            <a:schemeClr val="tx1"/>
+                          </a:solidFill>
+                          <a:prstDash val="solid"/>
+                          <a:round/>
+                          <a:headEnd type="none" w="med" len="med"/>
+                          <a:tailEnd type="none" w="med" len="med"/>
+                        </a:lnR>
+                        <a:lnT w="12700" cap="flat" cmpd="sng" algn="ctr">
+                          <a:solidFill>
+                            <a:schemeClr val="tx1"/>
+                          </a:solidFill>
+                          <a:prstDash val="solid"/>
+                          <a:round/>
+                          <a:headEnd type="none" w="med" len="med"/>
+                          <a:tailEnd type="none" w="med" len="med"/>
+                        </a:lnT>
+                        <a:lnB w="12700" cap="flat" cmpd="sng" algn="ctr">
+                          <a:solidFill>
+                            <a:schemeClr val="tx1"/>
+                          </a:solidFill>
+                          <a:prstDash val="solid"/>
+                          <a:round/>
+                          <a:headEnd type="none" w="med" len="med"/>
+                          <a:tailEnd type="none" w="med" len="med"/>
+                        </a:lnB>
+                        <a:noFill/>
+                      </a:tcPr>
+                    </a:tc>
+                    <a:tc gridSpan="2">
+                      <a:txBody>
+                        <a:bodyPr/>
+                        <a:lstStyle/>
+                        <a:p>
+                          <a:pPr marL="0" marR="0" lvl="0" indent="0" algn="l" defTabSz="914400" rtl="0" eaLnBrk="1" fontAlgn="auto" latinLnBrk="0" hangingPunct="1">
+                            <a:lnSpc>
+                              <a:spcPct val="100000"/>
+                            </a:lnSpc>
+                            <a:spcBef>
+                              <a:spcPts val="0"/>
+                            </a:spcBef>
+                            <a:spcAft>
+                              <a:spcPts val="0"/>
+                            </a:spcAft>
+                            <a:buClrTx/>
+                            <a:buSzTx/>
+                            <a:buFontTx/>
+                            <a:buNone/>
+                            <a:tabLst/>
+                            <a:defRPr/>
+                          </a:pPr>
+                          <a14:m>
+                            <m:oMathPara xmlns:m="http://schemas.openxmlformats.org/officeDocument/2006/math">
+                              <m:oMathParaPr>
+                                <m:jc m:val="centerGroup"/>
+                              </m:oMathParaPr>
+                              <m:oMath xmlns:m="http://schemas.openxmlformats.org/officeDocument/2006/math">
+                                <m:r>
+                                  <a:rPr lang="fr-FR" b="0" i="1" smtClean="0">
+                                    <a:latin typeface="Cambria Math" panose="02040503050406030204" pitchFamily="18" charset="0"/>
+                                  </a:rPr>
+                                  <m:t>−90°</m:t>
+                                </m:r>
+                              </m:oMath>
+                            </m:oMathPara>
+                          </a14:m>
+                          <a:endParaRPr lang="fr-FR" dirty="0"/>
+                        </a:p>
+                      </a:txBody>
+                      <a:tcPr>
+                        <a:lnL w="12700" cap="flat" cmpd="sng" algn="ctr">
+                          <a:solidFill>
+                            <a:schemeClr val="tx1"/>
+                          </a:solidFill>
+                          <a:prstDash val="solid"/>
+                          <a:round/>
+                          <a:headEnd type="none" w="med" len="med"/>
+                          <a:tailEnd type="none" w="med" len="med"/>
+                        </a:lnL>
+                        <a:lnR w="12700" cap="flat" cmpd="sng" algn="ctr">
+                          <a:solidFill>
+                            <a:schemeClr val="tx1"/>
+                          </a:solidFill>
+                          <a:prstDash val="solid"/>
+                          <a:round/>
+                          <a:headEnd type="none" w="med" len="med"/>
+                          <a:tailEnd type="none" w="med" len="med"/>
+                        </a:lnR>
+                        <a:lnT w="12700" cap="flat" cmpd="sng" algn="ctr">
+                          <a:solidFill>
+                            <a:schemeClr val="tx1"/>
+                          </a:solidFill>
+                          <a:prstDash val="solid"/>
+                          <a:round/>
+                          <a:headEnd type="none" w="med" len="med"/>
+                          <a:tailEnd type="none" w="med" len="med"/>
+                        </a:lnT>
+                        <a:lnB w="12700" cap="flat" cmpd="sng" algn="ctr">
+                          <a:solidFill>
+                            <a:schemeClr val="tx1"/>
+                          </a:solidFill>
+                          <a:prstDash val="solid"/>
+                          <a:round/>
+                          <a:headEnd type="none" w="med" len="med"/>
+                          <a:tailEnd type="none" w="med" len="med"/>
+                        </a:lnB>
+                        <a:noFill/>
+                      </a:tcPr>
+                    </a:tc>
+                    <a:tc hMerge="1">
+                      <a:txBody>
+                        <a:bodyPr/>
+                        <a:lstStyle/>
+                        <a:p>
+                          <a:endParaRPr lang="fr-FR" dirty="0"/>
+                        </a:p>
+                      </a:txBody>
+                      <a:tcPr>
+                        <a:lnL w="12700" cap="flat" cmpd="sng" algn="ctr">
+                          <a:solidFill>
+                            <a:schemeClr val="tx1"/>
+                          </a:solidFill>
+                          <a:prstDash val="solid"/>
+                          <a:round/>
+                          <a:headEnd type="none" w="med" len="med"/>
+                          <a:tailEnd type="none" w="med" len="med"/>
+                        </a:lnL>
+                        <a:lnR w="12700" cap="flat" cmpd="sng" algn="ctr">
+                          <a:solidFill>
+                            <a:schemeClr val="tx1"/>
+                          </a:solidFill>
+                          <a:prstDash val="solid"/>
+                          <a:round/>
+                          <a:headEnd type="none" w="med" len="med"/>
+                          <a:tailEnd type="none" w="med" len="med"/>
+                        </a:lnR>
+                        <a:lnT w="12700" cap="flat" cmpd="sng" algn="ctr">
+                          <a:solidFill>
+                            <a:schemeClr val="tx1"/>
+                          </a:solidFill>
+                          <a:prstDash val="solid"/>
+                          <a:round/>
+                          <a:headEnd type="none" w="med" len="med"/>
+                          <a:tailEnd type="none" w="med" len="med"/>
+                        </a:lnT>
+                        <a:lnB w="12700" cap="flat" cmpd="sng" algn="ctr">
+                          <a:solidFill>
+                            <a:schemeClr val="tx1"/>
+                          </a:solidFill>
+                          <a:prstDash val="solid"/>
+                          <a:round/>
+                          <a:headEnd type="none" w="med" len="med"/>
+                          <a:tailEnd type="none" w="med" len="med"/>
+                        </a:lnB>
+                        <a:noFill/>
+                      </a:tcPr>
+                    </a:tc>
+                    <a:tc>
+                      <a:txBody>
+                        <a:bodyPr/>
+                        <a:lstStyle/>
+                        <a:p>
+                          <a:pPr marL="0" marR="0" lvl="0" indent="0" algn="l" defTabSz="914400" rtl="0" eaLnBrk="1" fontAlgn="auto" latinLnBrk="0" hangingPunct="1">
+                            <a:lnSpc>
+                              <a:spcPct val="100000"/>
+                            </a:lnSpc>
+                            <a:spcBef>
+                              <a:spcPts val="0"/>
+                            </a:spcBef>
+                            <a:spcAft>
+                              <a:spcPts val="0"/>
+                            </a:spcAft>
+                            <a:buClrTx/>
+                            <a:buSzTx/>
+                            <a:buFontTx/>
+                            <a:buNone/>
+                            <a:tabLst/>
+                            <a:defRPr/>
+                          </a:pPr>
+                          <a14:m>
+                            <m:oMathPara xmlns:m="http://schemas.openxmlformats.org/officeDocument/2006/math">
+                              <m:oMathParaPr>
+                                <m:jc m:val="centerGroup"/>
+                              </m:oMathParaPr>
+                              <m:oMath xmlns:m="http://schemas.openxmlformats.org/officeDocument/2006/math">
+                                <m:r>
+                                  <a:rPr lang="fr-FR" b="0" i="1" smtClean="0">
+                                    <a:latin typeface="Cambria Math" panose="02040503050406030204" pitchFamily="18" charset="0"/>
+                                  </a:rPr>
+                                  <m:t>−18</m:t>
+                                </m:r>
+                                <m:r>
+                                  <a:rPr lang="fr-FR" b="0" i="1" smtClean="0">
+                                    <a:latin typeface="Cambria Math" panose="02040503050406030204" pitchFamily="18" charset="0"/>
+                                  </a:rPr>
+                                  <m:t>0°</m:t>
+                                </m:r>
+                              </m:oMath>
+                            </m:oMathPara>
+                          </a14:m>
+                          <a:endParaRPr lang="fr-FR" dirty="0"/>
+                        </a:p>
+                      </a:txBody>
+                      <a:tcPr>
+                        <a:lnL w="12700" cap="flat" cmpd="sng" algn="ctr">
+                          <a:solidFill>
+                            <a:schemeClr val="tx1"/>
+                          </a:solidFill>
+                          <a:prstDash val="solid"/>
+                          <a:round/>
+                          <a:headEnd type="none" w="med" len="med"/>
+                          <a:tailEnd type="none" w="med" len="med"/>
+                        </a:lnL>
+                        <a:lnR w="12700" cap="flat" cmpd="sng" algn="ctr">
+                          <a:solidFill>
+                            <a:schemeClr val="tx1"/>
+                          </a:solidFill>
+                          <a:prstDash val="solid"/>
+                          <a:round/>
+                          <a:headEnd type="none" w="med" len="med"/>
+                          <a:tailEnd type="none" w="med" len="med"/>
+                        </a:lnR>
+                        <a:lnT w="12700" cap="flat" cmpd="sng" algn="ctr">
+                          <a:solidFill>
+                            <a:schemeClr val="tx1"/>
+                          </a:solidFill>
+                          <a:prstDash val="solid"/>
+                          <a:round/>
+                          <a:headEnd type="none" w="med" len="med"/>
+                          <a:tailEnd type="none" w="med" len="med"/>
+                        </a:lnT>
+                        <a:lnB w="12700" cap="flat" cmpd="sng" algn="ctr">
+                          <a:solidFill>
+                            <a:schemeClr val="tx1"/>
+                          </a:solidFill>
+                          <a:prstDash val="solid"/>
+                          <a:round/>
+                          <a:headEnd type="none" w="med" len="med"/>
+                          <a:tailEnd type="none" w="med" len="med"/>
+                        </a:lnB>
+                        <a:noFill/>
+                      </a:tcPr>
+                    </a:tc>
+                    <a:extLst>
+                      <a:ext uri="{0D108BD9-81ED-4DB2-BD59-A6C34878D82A}">
+                        <a16:rowId xmlns:a16="http://schemas.microsoft.com/office/drawing/2014/main" val="1379686937"/>
+                      </a:ext>
+                    </a:extLst>
+                  </a:tr>
+                </a:tbl>
+              </a:graphicData>
+            </a:graphic>
+          </p:graphicFrame>
+        </mc:Choice>
+        <mc:Fallback>
+          <p:graphicFrame>
+            <p:nvGraphicFramePr>
+              <p:cNvPr id="4" name="Tableau 4">
+                <a:extLst>
+                  <a:ext uri="{FF2B5EF4-FFF2-40B4-BE49-F238E27FC236}">
+                    <a16:creationId xmlns:a16="http://schemas.microsoft.com/office/drawing/2014/main" id="{5FF557A1-A691-B714-AF02-94572087E4F8}"/>
+                  </a:ext>
+                </a:extLst>
+              </p:cNvPr>
+              <p:cNvGraphicFramePr>
+                <a:graphicFrameLocks noGrp="1"/>
+              </p:cNvGraphicFramePr>
+              <p:nvPr>
+                <p:extLst>
+                  <p:ext uri="{D42A27DB-BD31-4B8C-83A1-F6EECF244321}">
+                    <p14:modId xmlns:p14="http://schemas.microsoft.com/office/powerpoint/2010/main" val="2100853332"/>
+                  </p:ext>
+                </p:extLst>
+              </p:nvPr>
+            </p:nvGraphicFramePr>
+            <p:xfrm>
+              <a:off x="344384" y="568134"/>
+              <a:ext cx="11447812" cy="3370518"/>
+            </p:xfrm>
+            <a:graphic>
+              <a:graphicData uri="http://schemas.openxmlformats.org/drawingml/2006/table">
+                <a:tbl>
+                  <a:tblPr firstRow="1" bandRow="1">
+                    <a:tableStyleId>{5C22544A-7EE6-4342-B048-85BDC9FD1C3A}</a:tableStyleId>
+                  </a:tblPr>
+                  <a:tblGrid>
+                    <a:gridCol w="1971304">
+                      <a:extLst>
+                        <a:ext uri="{9D8B030D-6E8A-4147-A177-3AD203B41FA5}">
+                          <a16:colId xmlns:a16="http://schemas.microsoft.com/office/drawing/2014/main" val="759663804"/>
+                        </a:ext>
+                      </a:extLst>
+                    </a:gridCol>
+                    <a:gridCol w="1579418">
+                      <a:extLst>
+                        <a:ext uri="{9D8B030D-6E8A-4147-A177-3AD203B41FA5}">
+                          <a16:colId xmlns:a16="http://schemas.microsoft.com/office/drawing/2014/main" val="3214280642"/>
+                        </a:ext>
+                      </a:extLst>
+                    </a:gridCol>
+                    <a:gridCol w="1579418">
+                      <a:extLst>
+                        <a:ext uri="{9D8B030D-6E8A-4147-A177-3AD203B41FA5}">
+                          <a16:colId xmlns:a16="http://schemas.microsoft.com/office/drawing/2014/main" val="639595161"/>
+                        </a:ext>
+                      </a:extLst>
+                    </a:gridCol>
+                    <a:gridCol w="1413164">
+                      <a:extLst>
+                        <a:ext uri="{9D8B030D-6E8A-4147-A177-3AD203B41FA5}">
+                          <a16:colId xmlns:a16="http://schemas.microsoft.com/office/drawing/2014/main" val="2420502198"/>
+                        </a:ext>
+                      </a:extLst>
+                    </a:gridCol>
+                    <a:gridCol w="1745672">
+                      <a:extLst>
+                        <a:ext uri="{9D8B030D-6E8A-4147-A177-3AD203B41FA5}">
+                          <a16:colId xmlns:a16="http://schemas.microsoft.com/office/drawing/2014/main" val="1133234331"/>
+                        </a:ext>
+                      </a:extLst>
+                    </a:gridCol>
+                    <a:gridCol w="1579418">
+                      <a:extLst>
+                        <a:ext uri="{9D8B030D-6E8A-4147-A177-3AD203B41FA5}">
+                          <a16:colId xmlns:a16="http://schemas.microsoft.com/office/drawing/2014/main" val="3026814655"/>
+                        </a:ext>
+                      </a:extLst>
+                    </a:gridCol>
+                    <a:gridCol w="1579418">
+                      <a:extLst>
+                        <a:ext uri="{9D8B030D-6E8A-4147-A177-3AD203B41FA5}">
+                          <a16:colId xmlns:a16="http://schemas.microsoft.com/office/drawing/2014/main" val="178789918"/>
+                        </a:ext>
+                      </a:extLst>
+                    </a:gridCol>
+                  </a:tblGrid>
+                  <a:tr h="635826">
+                    <a:tc>
+                      <a:txBody>
+                        <a:bodyPr/>
+                        <a:lstStyle/>
+                        <a:p>
+                          <a:endParaRPr lang="fr-FR" dirty="0">
+                            <a:solidFill>
+                              <a:schemeClr val="tx1"/>
+                            </a:solidFill>
+                          </a:endParaRPr>
+                        </a:p>
+                      </a:txBody>
+                      <a:tcPr>
+                        <a:lnL w="12700" cap="flat" cmpd="sng" algn="ctr">
+                          <a:solidFill>
+                            <a:schemeClr val="tx1"/>
+                          </a:solidFill>
+                          <a:prstDash val="solid"/>
+                          <a:round/>
+                          <a:headEnd type="none" w="med" len="med"/>
+                          <a:tailEnd type="none" w="med" len="med"/>
+                        </a:lnL>
+                        <a:lnR w="12700" cap="flat" cmpd="sng" algn="ctr">
+                          <a:solidFill>
+                            <a:schemeClr val="tx1"/>
+                          </a:solidFill>
+                          <a:prstDash val="solid"/>
+                          <a:round/>
+                          <a:headEnd type="none" w="med" len="med"/>
+                          <a:tailEnd type="none" w="med" len="med"/>
+                        </a:lnR>
+                        <a:lnT w="12700" cap="flat" cmpd="sng" algn="ctr">
+                          <a:solidFill>
+                            <a:schemeClr val="tx1"/>
+                          </a:solidFill>
+                          <a:prstDash val="solid"/>
+                          <a:round/>
+                          <a:headEnd type="none" w="med" len="med"/>
+                          <a:tailEnd type="none" w="med" len="med"/>
+                        </a:lnT>
+                        <a:lnB w="12700" cap="flat" cmpd="sng" algn="ctr">
+                          <a:solidFill>
+                            <a:schemeClr val="tx1"/>
+                          </a:solidFill>
+                          <a:prstDash val="solid"/>
+                          <a:round/>
+                          <a:headEnd type="none" w="med" len="med"/>
+                          <a:tailEnd type="none" w="med" len="med"/>
+                        </a:lnB>
+                        <a:noFill/>
+                      </a:tcPr>
+                    </a:tc>
+                    <a:tc gridSpan="2">
+                      <a:txBody>
+                        <a:bodyPr/>
+                        <a:lstStyle/>
+                        <a:p>
+                          <a:endParaRPr lang="fr-FR"/>
+                        </a:p>
+                      </a:txBody>
+                      <a:tcPr>
+                        <a:lnL w="12700" cap="flat" cmpd="sng" algn="ctr">
+                          <a:solidFill>
+                            <a:schemeClr val="tx1"/>
+                          </a:solidFill>
+                          <a:prstDash val="solid"/>
+                          <a:round/>
+                          <a:headEnd type="none" w="med" len="med"/>
+                          <a:tailEnd type="none" w="med" len="med"/>
+                        </a:lnL>
+                        <a:lnR w="12700" cap="flat" cmpd="sng" algn="ctr">
+                          <a:solidFill>
+                            <a:schemeClr val="tx1"/>
+                          </a:solidFill>
+                          <a:prstDash val="solid"/>
+                          <a:round/>
+                          <a:headEnd type="none" w="med" len="med"/>
+                          <a:tailEnd type="none" w="med" len="med"/>
+                        </a:lnR>
+                        <a:lnT w="12700" cap="flat" cmpd="sng" algn="ctr">
+                          <a:solidFill>
+                            <a:schemeClr val="tx1"/>
+                          </a:solidFill>
+                          <a:prstDash val="solid"/>
+                          <a:round/>
+                          <a:headEnd type="none" w="med" len="med"/>
+                          <a:tailEnd type="none" w="med" len="med"/>
+                        </a:lnT>
+                        <a:lnB w="12700" cap="flat" cmpd="sng" algn="ctr">
+                          <a:solidFill>
+                            <a:schemeClr val="tx1"/>
+                          </a:solidFill>
+                          <a:prstDash val="solid"/>
+                          <a:round/>
+                          <a:headEnd type="none" w="med" len="med"/>
+                          <a:tailEnd type="none" w="med" len="med"/>
+                        </a:lnB>
+                        <a:blipFill>
+                          <a:blip r:embed="rId2"/>
+                          <a:stretch>
+                            <a:fillRect l="-62741" t="-952" r="-200579" b="-433333"/>
+                          </a:stretch>
+                        </a:blipFill>
+                      </a:tcPr>
+                    </a:tc>
+                    <a:tc hMerge="1">
+                      <a:txBody>
+                        <a:bodyPr/>
+                        <a:lstStyle/>
+                        <a:p>
+                          <a:endParaRPr lang="fr-FR" dirty="0"/>
+                        </a:p>
+                      </a:txBody>
+                      <a:tcPr>
+                        <a:lnL w="12700" cap="flat" cmpd="sng" algn="ctr">
+                          <a:solidFill>
+                            <a:schemeClr val="tx1"/>
+                          </a:solidFill>
+                          <a:prstDash val="solid"/>
+                          <a:round/>
+                          <a:headEnd type="none" w="med" len="med"/>
+                          <a:tailEnd type="none" w="med" len="med"/>
+                        </a:lnL>
+                        <a:lnR w="12700" cap="flat" cmpd="sng" algn="ctr">
+                          <a:solidFill>
+                            <a:schemeClr val="tx1"/>
+                          </a:solidFill>
+                          <a:prstDash val="solid"/>
+                          <a:round/>
+                          <a:headEnd type="none" w="med" len="med"/>
+                          <a:tailEnd type="none" w="med" len="med"/>
+                        </a:lnR>
+                        <a:lnT w="12700" cap="flat" cmpd="sng" algn="ctr">
+                          <a:solidFill>
+                            <a:schemeClr val="tx1"/>
+                          </a:solidFill>
+                          <a:prstDash val="solid"/>
+                          <a:round/>
+                          <a:headEnd type="none" w="med" len="med"/>
+                          <a:tailEnd type="none" w="med" len="med"/>
+                        </a:lnT>
+                        <a:lnB w="12700" cap="flat" cmpd="sng" algn="ctr">
+                          <a:solidFill>
+                            <a:schemeClr val="tx1"/>
+                          </a:solidFill>
+                          <a:prstDash val="solid"/>
+                          <a:round/>
+                          <a:headEnd type="none" w="med" len="med"/>
+                          <a:tailEnd type="none" w="med" len="med"/>
+                        </a:lnB>
+                        <a:noFill/>
+                      </a:tcPr>
+                    </a:tc>
+                    <a:tc gridSpan="2">
+                      <a:txBody>
+                        <a:bodyPr/>
+                        <a:lstStyle/>
+                        <a:p>
+                          <a:endParaRPr lang="fr-FR"/>
+                        </a:p>
+                      </a:txBody>
+                      <a:tcPr>
+                        <a:lnL w="12700" cap="flat" cmpd="sng" algn="ctr">
+                          <a:solidFill>
+                            <a:schemeClr val="tx1"/>
+                          </a:solidFill>
+                          <a:prstDash val="solid"/>
+                          <a:round/>
+                          <a:headEnd type="none" w="med" len="med"/>
+                          <a:tailEnd type="none" w="med" len="med"/>
+                        </a:lnL>
+                        <a:lnR w="12700" cap="flat" cmpd="sng" algn="ctr">
+                          <a:solidFill>
+                            <a:schemeClr val="tx1"/>
+                          </a:solidFill>
+                          <a:prstDash val="solid"/>
+                          <a:round/>
+                          <a:headEnd type="none" w="med" len="med"/>
+                          <a:tailEnd type="none" w="med" len="med"/>
+                        </a:lnR>
+                        <a:lnT w="12700" cap="flat" cmpd="sng" algn="ctr">
+                          <a:solidFill>
+                            <a:schemeClr val="tx1"/>
+                          </a:solidFill>
+                          <a:prstDash val="solid"/>
+                          <a:round/>
+                          <a:headEnd type="none" w="med" len="med"/>
+                          <a:tailEnd type="none" w="med" len="med"/>
+                        </a:lnT>
+                        <a:lnB w="12700" cap="flat" cmpd="sng" algn="ctr">
+                          <a:solidFill>
+                            <a:schemeClr val="tx1"/>
+                          </a:solidFill>
+                          <a:prstDash val="solid"/>
+                          <a:round/>
+                          <a:headEnd type="none" w="med" len="med"/>
+                          <a:tailEnd type="none" w="med" len="med"/>
+                        </a:lnB>
+                        <a:blipFill>
+                          <a:blip r:embed="rId2"/>
+                          <a:stretch>
+                            <a:fillRect l="-162428" t="-952" r="-100193" b="-433333"/>
+                          </a:stretch>
+                        </a:blipFill>
+                      </a:tcPr>
+                    </a:tc>
+                    <a:tc hMerge="1">
+                      <a:txBody>
+                        <a:bodyPr/>
+                        <a:lstStyle/>
+                        <a:p>
+                          <a:endParaRPr lang="fr-FR" dirty="0"/>
+                        </a:p>
+                      </a:txBody>
+                      <a:tcPr>
+                        <a:lnL w="12700" cap="flat" cmpd="sng" algn="ctr">
+                          <a:solidFill>
+                            <a:schemeClr val="tx1"/>
+                          </a:solidFill>
+                          <a:prstDash val="solid"/>
+                          <a:round/>
+                          <a:headEnd type="none" w="med" len="med"/>
+                          <a:tailEnd type="none" w="med" len="med"/>
+                        </a:lnL>
+                        <a:lnR w="12700" cap="flat" cmpd="sng" algn="ctr">
+                          <a:solidFill>
+                            <a:schemeClr val="tx1"/>
+                          </a:solidFill>
+                          <a:prstDash val="solid"/>
+                          <a:round/>
+                          <a:headEnd type="none" w="med" len="med"/>
+                          <a:tailEnd type="none" w="med" len="med"/>
+                        </a:lnR>
+                        <a:lnT w="12700" cap="flat" cmpd="sng" algn="ctr">
+                          <a:solidFill>
+                            <a:schemeClr val="tx1"/>
+                          </a:solidFill>
+                          <a:prstDash val="solid"/>
+                          <a:round/>
+                          <a:headEnd type="none" w="med" len="med"/>
+                          <a:tailEnd type="none" w="med" len="med"/>
+                        </a:lnT>
+                        <a:lnB w="12700" cap="flat" cmpd="sng" algn="ctr">
+                          <a:solidFill>
+                            <a:schemeClr val="tx1"/>
+                          </a:solidFill>
+                          <a:prstDash val="solid"/>
+                          <a:round/>
+                          <a:headEnd type="none" w="med" len="med"/>
+                          <a:tailEnd type="none" w="med" len="med"/>
+                        </a:lnB>
+                        <a:noFill/>
+                      </a:tcPr>
+                    </a:tc>
+                    <a:tc gridSpan="2">
+                      <a:txBody>
+                        <a:bodyPr/>
+                        <a:lstStyle/>
+                        <a:p>
+                          <a:endParaRPr lang="fr-FR"/>
+                        </a:p>
+                      </a:txBody>
+                      <a:tcPr>
+                        <a:lnL w="12700" cap="flat" cmpd="sng" algn="ctr">
+                          <a:solidFill>
+                            <a:schemeClr val="tx1"/>
+                          </a:solidFill>
+                          <a:prstDash val="solid"/>
+                          <a:round/>
+                          <a:headEnd type="none" w="med" len="med"/>
+                          <a:tailEnd type="none" w="med" len="med"/>
+                        </a:lnL>
+                        <a:lnR w="12700" cap="flat" cmpd="sng" algn="ctr">
+                          <a:solidFill>
+                            <a:schemeClr val="tx1"/>
+                          </a:solidFill>
+                          <a:prstDash val="solid"/>
+                          <a:round/>
+                          <a:headEnd type="none" w="med" len="med"/>
+                          <a:tailEnd type="none" w="med" len="med"/>
+                        </a:lnR>
+                        <a:lnT w="12700" cap="flat" cmpd="sng" algn="ctr">
+                          <a:solidFill>
+                            <a:schemeClr val="tx1"/>
+                          </a:solidFill>
+                          <a:prstDash val="solid"/>
+                          <a:round/>
+                          <a:headEnd type="none" w="med" len="med"/>
+                          <a:tailEnd type="none" w="med" len="med"/>
+                        </a:lnT>
+                        <a:lnB w="12700" cap="flat" cmpd="sng" algn="ctr">
+                          <a:solidFill>
+                            <a:schemeClr val="tx1"/>
+                          </a:solidFill>
+                          <a:prstDash val="solid"/>
+                          <a:round/>
+                          <a:headEnd type="none" w="med" len="med"/>
+                          <a:tailEnd type="none" w="med" len="med"/>
+                        </a:lnB>
+                        <a:blipFill>
+                          <a:blip r:embed="rId2"/>
+                          <a:stretch>
+                            <a:fillRect l="-262934" t="-952" r="-386" b="-433333"/>
+                          </a:stretch>
+                        </a:blipFill>
+                      </a:tcPr>
+                    </a:tc>
+                    <a:tc hMerge="1">
+                      <a:txBody>
+                        <a:bodyPr/>
+                        <a:lstStyle/>
+                        <a:p>
+                          <a:endParaRPr lang="fr-FR" dirty="0"/>
+                        </a:p>
+                      </a:txBody>
+                      <a:tcPr>
+                        <a:lnL w="12700" cap="flat" cmpd="sng" algn="ctr">
+                          <a:solidFill>
+                            <a:schemeClr val="tx1"/>
+                          </a:solidFill>
+                          <a:prstDash val="solid"/>
+                          <a:round/>
+                          <a:headEnd type="none" w="med" len="med"/>
+                          <a:tailEnd type="none" w="med" len="med"/>
+                        </a:lnL>
+                        <a:lnR w="12700" cap="flat" cmpd="sng" algn="ctr">
+                          <a:solidFill>
+                            <a:schemeClr val="tx1"/>
+                          </a:solidFill>
+                          <a:prstDash val="solid"/>
+                          <a:round/>
+                          <a:headEnd type="none" w="med" len="med"/>
+                          <a:tailEnd type="none" w="med" len="med"/>
+                        </a:lnR>
+                        <a:lnT w="12700" cap="flat" cmpd="sng" algn="ctr">
+                          <a:solidFill>
+                            <a:schemeClr val="tx1"/>
+                          </a:solidFill>
+                          <a:prstDash val="solid"/>
+                          <a:round/>
+                          <a:headEnd type="none" w="med" len="med"/>
+                          <a:tailEnd type="none" w="med" len="med"/>
+                        </a:lnT>
+                        <a:lnB w="12700" cap="flat" cmpd="sng" algn="ctr">
+                          <a:solidFill>
+                            <a:schemeClr val="tx1"/>
+                          </a:solidFill>
+                          <a:prstDash val="solid"/>
+                          <a:round/>
+                          <a:headEnd type="none" w="med" len="med"/>
+                          <a:tailEnd type="none" w="med" len="med"/>
+                        </a:lnB>
+                        <a:noFill/>
+                      </a:tcPr>
+                    </a:tc>
+                    <a:extLst>
+                      <a:ext uri="{0D108BD9-81ED-4DB2-BD59-A6C34878D82A}">
+                        <a16:rowId xmlns:a16="http://schemas.microsoft.com/office/drawing/2014/main" val="1757620177"/>
+                      </a:ext>
+                    </a:extLst>
+                  </a:tr>
+                  <a:tr h="653034">
+                    <a:tc>
+                      <a:txBody>
+                        <a:bodyPr/>
+                        <a:lstStyle/>
+                        <a:p>
+                          <a:endParaRPr lang="fr-FR"/>
+                        </a:p>
+                      </a:txBody>
+                      <a:tcPr>
+                        <a:lnL w="12700" cap="flat" cmpd="sng" algn="ctr">
+                          <a:solidFill>
+                            <a:schemeClr val="tx1"/>
+                          </a:solidFill>
+                          <a:prstDash val="solid"/>
+                          <a:round/>
+                          <a:headEnd type="none" w="med" len="med"/>
+                          <a:tailEnd type="none" w="med" len="med"/>
+                        </a:lnL>
+                        <a:lnR w="12700" cap="flat" cmpd="sng" algn="ctr">
+                          <a:solidFill>
+                            <a:schemeClr val="tx1"/>
+                          </a:solidFill>
+                          <a:prstDash val="solid"/>
+                          <a:round/>
+                          <a:headEnd type="none" w="med" len="med"/>
+                          <a:tailEnd type="none" w="med" len="med"/>
+                        </a:lnR>
+                        <a:lnT w="12700" cap="flat" cmpd="sng" algn="ctr">
+                          <a:solidFill>
+                            <a:schemeClr val="tx1"/>
+                          </a:solidFill>
+                          <a:prstDash val="solid"/>
+                          <a:round/>
+                          <a:headEnd type="none" w="med" len="med"/>
+                          <a:tailEnd type="none" w="med" len="med"/>
+                        </a:lnT>
+                        <a:lnB w="12700" cap="flat" cmpd="sng" algn="ctr">
+                          <a:solidFill>
+                            <a:schemeClr val="tx1"/>
+                          </a:solidFill>
+                          <a:prstDash val="solid"/>
+                          <a:round/>
+                          <a:headEnd type="none" w="med" len="med"/>
+                          <a:tailEnd type="none" w="med" len="med"/>
+                        </a:lnB>
+                        <a:blipFill>
+                          <a:blip r:embed="rId2"/>
+                          <a:stretch>
+                            <a:fillRect l="-309" t="-99065" r="-480556" b="-325234"/>
+                          </a:stretch>
+                        </a:blipFill>
+                      </a:tcPr>
+                    </a:tc>
+                    <a:tc>
+                      <a:txBody>
+                        <a:bodyPr/>
+                        <a:lstStyle/>
+                        <a:p>
+                          <a:endParaRPr lang="fr-FR"/>
+                        </a:p>
+                      </a:txBody>
+                      <a:tcPr>
+                        <a:lnL w="12700" cap="flat" cmpd="sng" algn="ctr">
+                          <a:solidFill>
+                            <a:schemeClr val="tx1"/>
+                          </a:solidFill>
+                          <a:prstDash val="solid"/>
+                          <a:round/>
+                          <a:headEnd type="none" w="med" len="med"/>
+                          <a:tailEnd type="none" w="med" len="med"/>
+                        </a:lnL>
+                        <a:lnR w="12700" cap="flat" cmpd="sng" algn="ctr">
+                          <a:solidFill>
+                            <a:schemeClr val="tx1"/>
+                          </a:solidFill>
+                          <a:prstDash val="solid"/>
+                          <a:round/>
+                          <a:headEnd type="none" w="med" len="med"/>
+                          <a:tailEnd type="none" w="med" len="med"/>
+                        </a:lnR>
+                        <a:lnT w="12700" cap="flat" cmpd="sng" algn="ctr">
+                          <a:solidFill>
+                            <a:schemeClr val="tx1"/>
+                          </a:solidFill>
+                          <a:prstDash val="solid"/>
+                          <a:round/>
+                          <a:headEnd type="none" w="med" len="med"/>
+                          <a:tailEnd type="none" w="med" len="med"/>
+                        </a:lnT>
+                        <a:lnB w="12700" cap="flat" cmpd="sng" algn="ctr">
+                          <a:solidFill>
+                            <a:schemeClr val="tx1"/>
+                          </a:solidFill>
+                          <a:prstDash val="solid"/>
+                          <a:round/>
+                          <a:headEnd type="none" w="med" len="med"/>
+                          <a:tailEnd type="none" w="med" len="med"/>
+                        </a:lnB>
+                        <a:blipFill>
+                          <a:blip r:embed="rId2"/>
+                          <a:stretch>
+                            <a:fillRect l="-125483" t="-99065" r="-501158" b="-325234"/>
+                          </a:stretch>
+                        </a:blipFill>
+                      </a:tcPr>
+                    </a:tc>
+                    <a:tc gridSpan="2">
+                      <a:txBody>
+                        <a:bodyPr/>
+                        <a:lstStyle/>
+                        <a:p>
+                          <a:endParaRPr lang="fr-FR"/>
+                        </a:p>
+                      </a:txBody>
+                      <a:tcPr>
+                        <a:lnL w="12700" cap="flat" cmpd="sng" algn="ctr">
+                          <a:solidFill>
+                            <a:schemeClr val="tx1"/>
+                          </a:solidFill>
+                          <a:prstDash val="solid"/>
+                          <a:round/>
+                          <a:headEnd type="none" w="med" len="med"/>
+                          <a:tailEnd type="none" w="med" len="med"/>
+                        </a:lnL>
+                        <a:lnR w="12700" cap="flat" cmpd="sng" algn="ctr">
+                          <a:solidFill>
+                            <a:schemeClr val="tx1"/>
+                          </a:solidFill>
+                          <a:prstDash val="solid"/>
+                          <a:round/>
+                          <a:headEnd type="none" w="med" len="med"/>
+                          <a:tailEnd type="none" w="med" len="med"/>
+                        </a:lnR>
+                        <a:lnT w="12700" cap="flat" cmpd="sng" algn="ctr">
+                          <a:solidFill>
+                            <a:schemeClr val="tx1"/>
+                          </a:solidFill>
+                          <a:prstDash val="solid"/>
+                          <a:round/>
+                          <a:headEnd type="none" w="med" len="med"/>
+                          <a:tailEnd type="none" w="med" len="med"/>
+                        </a:lnT>
+                        <a:lnB w="12700" cap="flat" cmpd="sng" algn="ctr">
+                          <a:solidFill>
+                            <a:schemeClr val="tx1"/>
+                          </a:solidFill>
+                          <a:prstDash val="solid"/>
+                          <a:round/>
+                          <a:headEnd type="none" w="med" len="med"/>
+                          <a:tailEnd type="none" w="med" len="med"/>
+                        </a:lnB>
+                        <a:blipFill>
+                          <a:blip r:embed="rId2"/>
+                          <a:stretch>
+                            <a:fillRect l="-118941" t="-99065" r="-164358" b="-325234"/>
+                          </a:stretch>
+                        </a:blipFill>
+                      </a:tcPr>
+                    </a:tc>
+                    <a:tc hMerge="1">
+                      <a:txBody>
+                        <a:bodyPr/>
+                        <a:lstStyle/>
+                        <a:p>
+                          <a:endParaRPr lang="fr-FR" dirty="0"/>
+                        </a:p>
+                      </a:txBody>
+                      <a:tcPr>
+                        <a:lnL w="12700" cap="flat" cmpd="sng" algn="ctr">
+                          <a:solidFill>
+                            <a:schemeClr val="tx1"/>
+                          </a:solidFill>
+                          <a:prstDash val="solid"/>
+                          <a:round/>
+                          <a:headEnd type="none" w="med" len="med"/>
+                          <a:tailEnd type="none" w="med" len="med"/>
+                        </a:lnL>
+                        <a:lnR w="12700" cap="flat" cmpd="sng" algn="ctr">
+                          <a:solidFill>
+                            <a:schemeClr val="tx1"/>
+                          </a:solidFill>
+                          <a:prstDash val="solid"/>
+                          <a:round/>
+                          <a:headEnd type="none" w="med" len="med"/>
+                          <a:tailEnd type="none" w="med" len="med"/>
+                        </a:lnR>
+                        <a:lnT w="12700" cap="flat" cmpd="sng" algn="ctr">
+                          <a:solidFill>
+                            <a:schemeClr val="tx1"/>
+                          </a:solidFill>
+                          <a:prstDash val="solid"/>
+                          <a:round/>
+                          <a:headEnd type="none" w="med" len="med"/>
+                          <a:tailEnd type="none" w="med" len="med"/>
+                        </a:lnT>
+                        <a:lnB w="12700" cap="flat" cmpd="sng" algn="ctr">
+                          <a:solidFill>
+                            <a:schemeClr val="tx1"/>
+                          </a:solidFill>
+                          <a:prstDash val="solid"/>
+                          <a:round/>
+                          <a:headEnd type="none" w="med" len="med"/>
+                          <a:tailEnd type="none" w="med" len="med"/>
+                        </a:lnB>
+                        <a:noFill/>
+                      </a:tcPr>
+                    </a:tc>
+                    <a:tc gridSpan="2">
+                      <a:txBody>
+                        <a:bodyPr/>
+                        <a:lstStyle/>
+                        <a:p>
+                          <a:endParaRPr lang="fr-FR"/>
+                        </a:p>
+                      </a:txBody>
+                      <a:tcPr>
+                        <a:lnL w="12700" cap="flat" cmpd="sng" algn="ctr">
+                          <a:solidFill>
+                            <a:schemeClr val="tx1"/>
+                          </a:solidFill>
+                          <a:prstDash val="solid"/>
+                          <a:round/>
+                          <a:headEnd type="none" w="med" len="med"/>
+                          <a:tailEnd type="none" w="med" len="med"/>
+                        </a:lnL>
+                        <a:lnR w="12700" cap="flat" cmpd="sng" algn="ctr">
+                          <a:solidFill>
+                            <a:schemeClr val="tx1"/>
+                          </a:solidFill>
+                          <a:prstDash val="solid"/>
+                          <a:round/>
+                          <a:headEnd type="none" w="med" len="med"/>
+                          <a:tailEnd type="none" w="med" len="med"/>
+                        </a:lnR>
+                        <a:lnT w="12700" cap="flat" cmpd="sng" algn="ctr">
+                          <a:solidFill>
+                            <a:schemeClr val="tx1"/>
+                          </a:solidFill>
+                          <a:prstDash val="solid"/>
+                          <a:round/>
+                          <a:headEnd type="none" w="med" len="med"/>
+                          <a:tailEnd type="none" w="med" len="med"/>
+                        </a:lnT>
+                        <a:lnB w="12700" cap="flat" cmpd="sng" algn="ctr">
+                          <a:solidFill>
+                            <a:schemeClr val="tx1"/>
+                          </a:solidFill>
+                          <a:prstDash val="solid"/>
+                          <a:round/>
+                          <a:headEnd type="none" w="med" len="med"/>
+                          <a:tailEnd type="none" w="med" len="med"/>
+                        </a:lnB>
+                        <a:blipFill>
+                          <a:blip r:embed="rId2"/>
+                          <a:stretch>
+                            <a:fillRect l="-196886" t="-99065" r="-47802" b="-325234"/>
+                          </a:stretch>
+                        </a:blipFill>
+                      </a:tcPr>
+                    </a:tc>
+                    <a:tc hMerge="1">
+                      <a:txBody>
+                        <a:bodyPr/>
+                        <a:lstStyle/>
+                        <a:p>
+                          <a:endParaRPr lang="fr-FR" dirty="0"/>
+                        </a:p>
+                      </a:txBody>
+                      <a:tcPr>
+                        <a:lnL w="12700" cap="flat" cmpd="sng" algn="ctr">
+                          <a:solidFill>
+                            <a:schemeClr val="tx1"/>
+                          </a:solidFill>
+                          <a:prstDash val="solid"/>
+                          <a:round/>
+                          <a:headEnd type="none" w="med" len="med"/>
+                          <a:tailEnd type="none" w="med" len="med"/>
+                        </a:lnL>
+                        <a:lnR w="12700" cap="flat" cmpd="sng" algn="ctr">
+                          <a:solidFill>
+                            <a:schemeClr val="tx1"/>
+                          </a:solidFill>
+                          <a:prstDash val="solid"/>
+                          <a:round/>
+                          <a:headEnd type="none" w="med" len="med"/>
+                          <a:tailEnd type="none" w="med" len="med"/>
+                        </a:lnR>
+                        <a:lnT w="12700" cap="flat" cmpd="sng" algn="ctr">
+                          <a:solidFill>
+                            <a:schemeClr val="tx1"/>
+                          </a:solidFill>
+                          <a:prstDash val="solid"/>
+                          <a:round/>
+                          <a:headEnd type="none" w="med" len="med"/>
+                          <a:tailEnd type="none" w="med" len="med"/>
+                        </a:lnT>
+                        <a:lnB w="12700" cap="flat" cmpd="sng" algn="ctr">
+                          <a:solidFill>
+                            <a:schemeClr val="tx1"/>
+                          </a:solidFill>
+                          <a:prstDash val="solid"/>
+                          <a:round/>
+                          <a:headEnd type="none" w="med" len="med"/>
+                          <a:tailEnd type="none" w="med" len="med"/>
+                        </a:lnB>
+                        <a:noFill/>
+                      </a:tcPr>
+                    </a:tc>
+                    <a:tc>
+                      <a:txBody>
+                        <a:bodyPr/>
+                        <a:lstStyle/>
+                        <a:p>
+                          <a:endParaRPr lang="fr-FR"/>
+                        </a:p>
+                      </a:txBody>
+                      <a:tcPr>
+                        <a:lnL w="12700" cap="flat" cmpd="sng" algn="ctr">
+                          <a:solidFill>
+                            <a:schemeClr val="tx1"/>
+                          </a:solidFill>
+                          <a:prstDash val="solid"/>
+                          <a:round/>
+                          <a:headEnd type="none" w="med" len="med"/>
+                          <a:tailEnd type="none" w="med" len="med"/>
+                        </a:lnL>
+                        <a:lnR w="12700" cap="flat" cmpd="sng" algn="ctr">
+                          <a:solidFill>
+                            <a:schemeClr val="tx1"/>
+                          </a:solidFill>
+                          <a:prstDash val="solid"/>
+                          <a:round/>
+                          <a:headEnd type="none" w="med" len="med"/>
+                          <a:tailEnd type="none" w="med" len="med"/>
+                        </a:lnR>
+                        <a:lnT w="12700" cap="flat" cmpd="sng" algn="ctr">
+                          <a:solidFill>
+                            <a:schemeClr val="tx1"/>
+                          </a:solidFill>
+                          <a:prstDash val="solid"/>
+                          <a:round/>
+                          <a:headEnd type="none" w="med" len="med"/>
+                          <a:tailEnd type="none" w="med" len="med"/>
+                        </a:lnT>
+                        <a:lnB w="12700" cap="flat" cmpd="sng" algn="ctr">
+                          <a:solidFill>
+                            <a:schemeClr val="tx1"/>
+                          </a:solidFill>
+                          <a:prstDash val="solid"/>
+                          <a:round/>
+                          <a:headEnd type="none" w="med" len="med"/>
+                          <a:tailEnd type="none" w="med" len="med"/>
+                        </a:lnB>
+                        <a:blipFill>
+                          <a:blip r:embed="rId2"/>
+                          <a:stretch>
+                            <a:fillRect l="-625869" t="-99065" r="-772" b="-325234"/>
+                          </a:stretch>
+                        </a:blipFill>
+                      </a:tcPr>
+                    </a:tc>
+                    <a:extLst>
+                      <a:ext uri="{0D108BD9-81ED-4DB2-BD59-A6C34878D82A}">
+                        <a16:rowId xmlns:a16="http://schemas.microsoft.com/office/drawing/2014/main" val="3625234162"/>
+                      </a:ext>
+                    </a:extLst>
+                  </a:tr>
+                  <a:tr h="387795">
+                    <a:tc>
+                      <a:txBody>
+                        <a:bodyPr/>
+                        <a:lstStyle/>
+                        <a:p>
+                          <a:endParaRPr lang="fr-FR"/>
+                        </a:p>
+                      </a:txBody>
+                      <a:tcPr>
+                        <a:lnL w="12700" cap="flat" cmpd="sng" algn="ctr">
+                          <a:solidFill>
+                            <a:schemeClr val="tx1"/>
+                          </a:solidFill>
+                          <a:prstDash val="solid"/>
+                          <a:round/>
+                          <a:headEnd type="none" w="med" len="med"/>
+                          <a:tailEnd type="none" w="med" len="med"/>
+                        </a:lnL>
+                        <a:lnR w="12700" cap="flat" cmpd="sng" algn="ctr">
+                          <a:solidFill>
+                            <a:schemeClr val="tx1"/>
+                          </a:solidFill>
+                          <a:prstDash val="solid"/>
+                          <a:round/>
+                          <a:headEnd type="none" w="med" len="med"/>
+                          <a:tailEnd type="none" w="med" len="med"/>
+                        </a:lnR>
+                        <a:lnT w="12700" cap="flat" cmpd="sng" algn="ctr">
+                          <a:solidFill>
+                            <a:schemeClr val="tx1"/>
+                          </a:solidFill>
+                          <a:prstDash val="solid"/>
+                          <a:round/>
+                          <a:headEnd type="none" w="med" len="med"/>
+                          <a:tailEnd type="none" w="med" len="med"/>
+                        </a:lnT>
+                        <a:lnB w="12700" cap="flat" cmpd="sng" algn="ctr">
+                          <a:solidFill>
+                            <a:schemeClr val="tx1"/>
+                          </a:solidFill>
+                          <a:prstDash val="solid"/>
+                          <a:round/>
+                          <a:headEnd type="none" w="med" len="med"/>
+                          <a:tailEnd type="none" w="med" len="med"/>
+                        </a:lnB>
+                        <a:blipFill>
+                          <a:blip r:embed="rId2"/>
+                          <a:stretch>
+                            <a:fillRect l="-309" t="-332813" r="-480556" b="-443750"/>
+                          </a:stretch>
+                        </a:blipFill>
+                      </a:tcPr>
+                    </a:tc>
+                    <a:tc>
+                      <a:txBody>
+                        <a:bodyPr/>
+                        <a:lstStyle/>
+                        <a:p>
+                          <a:endParaRPr lang="fr-FR"/>
+                        </a:p>
+                      </a:txBody>
+                      <a:tcPr>
+                        <a:lnL w="12700" cap="flat" cmpd="sng" algn="ctr">
+                          <a:solidFill>
+                            <a:schemeClr val="tx1"/>
+                          </a:solidFill>
+                          <a:prstDash val="solid"/>
+                          <a:round/>
+                          <a:headEnd type="none" w="med" len="med"/>
+                          <a:tailEnd type="none" w="med" len="med"/>
+                        </a:lnL>
+                        <a:lnR w="12700" cap="flat" cmpd="sng" algn="ctr">
+                          <a:solidFill>
+                            <a:schemeClr val="tx1"/>
+                          </a:solidFill>
+                          <a:prstDash val="solid"/>
+                          <a:round/>
+                          <a:headEnd type="none" w="med" len="med"/>
+                          <a:tailEnd type="none" w="med" len="med"/>
+                        </a:lnR>
+                        <a:lnT w="12700" cap="flat" cmpd="sng" algn="ctr">
+                          <a:solidFill>
+                            <a:schemeClr val="tx1"/>
+                          </a:solidFill>
+                          <a:prstDash val="solid"/>
+                          <a:round/>
+                          <a:headEnd type="none" w="med" len="med"/>
+                          <a:tailEnd type="none" w="med" len="med"/>
+                        </a:lnT>
+                        <a:lnB w="12700" cap="flat" cmpd="sng" algn="ctr">
+                          <a:solidFill>
+                            <a:schemeClr val="tx1"/>
+                          </a:solidFill>
+                          <a:prstDash val="solid"/>
+                          <a:round/>
+                          <a:headEnd type="none" w="med" len="med"/>
+                          <a:tailEnd type="none" w="med" len="med"/>
+                        </a:lnB>
+                        <a:blipFill>
+                          <a:blip r:embed="rId2"/>
+                          <a:stretch>
+                            <a:fillRect l="-125483" t="-332813" r="-501158" b="-443750"/>
+                          </a:stretch>
+                        </a:blipFill>
+                      </a:tcPr>
+                    </a:tc>
+                    <a:tc gridSpan="2">
+                      <a:txBody>
+                        <a:bodyPr/>
+                        <a:lstStyle/>
+                        <a:p>
+                          <a:endParaRPr lang="fr-FR"/>
+                        </a:p>
+                      </a:txBody>
+                      <a:tcPr>
+                        <a:lnL w="12700" cap="flat" cmpd="sng" algn="ctr">
+                          <a:solidFill>
+                            <a:schemeClr val="tx1"/>
+                          </a:solidFill>
+                          <a:prstDash val="solid"/>
+                          <a:round/>
+                          <a:headEnd type="none" w="med" len="med"/>
+                          <a:tailEnd type="none" w="med" len="med"/>
+                        </a:lnL>
+                        <a:lnR w="12700" cap="flat" cmpd="sng" algn="ctr">
+                          <a:solidFill>
+                            <a:schemeClr val="tx1"/>
+                          </a:solidFill>
+                          <a:prstDash val="solid"/>
+                          <a:round/>
+                          <a:headEnd type="none" w="med" len="med"/>
+                          <a:tailEnd type="none" w="med" len="med"/>
+                        </a:lnR>
+                        <a:lnT w="12700" cap="flat" cmpd="sng" algn="ctr">
+                          <a:solidFill>
+                            <a:schemeClr val="tx1"/>
+                          </a:solidFill>
+                          <a:prstDash val="solid"/>
+                          <a:round/>
+                          <a:headEnd type="none" w="med" len="med"/>
+                          <a:tailEnd type="none" w="med" len="med"/>
+                        </a:lnT>
+                        <a:lnB w="12700" cap="flat" cmpd="sng" algn="ctr">
+                          <a:solidFill>
+                            <a:schemeClr val="tx1"/>
+                          </a:solidFill>
+                          <a:prstDash val="solid"/>
+                          <a:round/>
+                          <a:headEnd type="none" w="med" len="med"/>
+                          <a:tailEnd type="none" w="med" len="med"/>
+                        </a:lnB>
+                        <a:blipFill>
+                          <a:blip r:embed="rId2"/>
+                          <a:stretch>
+                            <a:fillRect l="-118941" t="-332813" r="-164358" b="-443750"/>
+                          </a:stretch>
+                        </a:blipFill>
+                      </a:tcPr>
+                    </a:tc>
+                    <a:tc hMerge="1">
+                      <a:txBody>
+                        <a:bodyPr/>
+                        <a:lstStyle/>
+                        <a:p>
+                          <a:endParaRPr lang="fr-FR" dirty="0"/>
+                        </a:p>
+                      </a:txBody>
+                      <a:tcPr>
+                        <a:lnL w="12700" cap="flat" cmpd="sng" algn="ctr">
+                          <a:solidFill>
+                            <a:schemeClr val="tx1"/>
+                          </a:solidFill>
+                          <a:prstDash val="solid"/>
+                          <a:round/>
+                          <a:headEnd type="none" w="med" len="med"/>
+                          <a:tailEnd type="none" w="med" len="med"/>
+                        </a:lnL>
+                        <a:lnR w="12700" cap="flat" cmpd="sng" algn="ctr">
+                          <a:solidFill>
+                            <a:schemeClr val="tx1"/>
+                          </a:solidFill>
+                          <a:prstDash val="solid"/>
+                          <a:round/>
+                          <a:headEnd type="none" w="med" len="med"/>
+                          <a:tailEnd type="none" w="med" len="med"/>
+                        </a:lnR>
+                        <a:lnT w="12700" cap="flat" cmpd="sng" algn="ctr">
+                          <a:solidFill>
+                            <a:schemeClr val="tx1"/>
+                          </a:solidFill>
+                          <a:prstDash val="solid"/>
+                          <a:round/>
+                          <a:headEnd type="none" w="med" len="med"/>
+                          <a:tailEnd type="none" w="med" len="med"/>
+                        </a:lnT>
+                        <a:lnB w="12700" cap="flat" cmpd="sng" algn="ctr">
+                          <a:solidFill>
+                            <a:schemeClr val="tx1"/>
+                          </a:solidFill>
+                          <a:prstDash val="solid"/>
+                          <a:round/>
+                          <a:headEnd type="none" w="med" len="med"/>
+                          <a:tailEnd type="none" w="med" len="med"/>
+                        </a:lnB>
+                        <a:noFill/>
+                      </a:tcPr>
+                    </a:tc>
+                    <a:tc gridSpan="2">
+                      <a:txBody>
+                        <a:bodyPr/>
+                        <a:lstStyle/>
+                        <a:p>
+                          <a:endParaRPr lang="fr-FR"/>
+                        </a:p>
+                      </a:txBody>
+                      <a:tcPr>
+                        <a:lnL w="12700" cap="flat" cmpd="sng" algn="ctr">
+                          <a:solidFill>
+                            <a:schemeClr val="tx1"/>
+                          </a:solidFill>
+                          <a:prstDash val="solid"/>
+                          <a:round/>
+                          <a:headEnd type="none" w="med" len="med"/>
+                          <a:tailEnd type="none" w="med" len="med"/>
+                        </a:lnL>
+                        <a:lnR w="12700" cap="flat" cmpd="sng" algn="ctr">
+                          <a:solidFill>
+                            <a:schemeClr val="tx1"/>
+                          </a:solidFill>
+                          <a:prstDash val="solid"/>
+                          <a:round/>
+                          <a:headEnd type="none" w="med" len="med"/>
+                          <a:tailEnd type="none" w="med" len="med"/>
+                        </a:lnR>
+                        <a:lnT w="12700" cap="flat" cmpd="sng" algn="ctr">
+                          <a:solidFill>
+                            <a:schemeClr val="tx1"/>
+                          </a:solidFill>
+                          <a:prstDash val="solid"/>
+                          <a:round/>
+                          <a:headEnd type="none" w="med" len="med"/>
+                          <a:tailEnd type="none" w="med" len="med"/>
+                        </a:lnT>
+                        <a:lnB w="12700" cap="flat" cmpd="sng" algn="ctr">
+                          <a:solidFill>
+                            <a:schemeClr val="tx1"/>
+                          </a:solidFill>
+                          <a:prstDash val="solid"/>
+                          <a:round/>
+                          <a:headEnd type="none" w="med" len="med"/>
+                          <a:tailEnd type="none" w="med" len="med"/>
+                        </a:lnB>
+                        <a:blipFill>
+                          <a:blip r:embed="rId2"/>
+                          <a:stretch>
+                            <a:fillRect l="-196886" t="-332813" r="-47802" b="-443750"/>
+                          </a:stretch>
+                        </a:blipFill>
+                      </a:tcPr>
+                    </a:tc>
+                    <a:tc hMerge="1">
+                      <a:txBody>
+                        <a:bodyPr/>
+                        <a:lstStyle/>
+                        <a:p>
+                          <a:endParaRPr lang="fr-FR" dirty="0"/>
+                        </a:p>
+                      </a:txBody>
+                      <a:tcPr>
+                        <a:lnL w="12700" cap="flat" cmpd="sng" algn="ctr">
+                          <a:solidFill>
+                            <a:schemeClr val="tx1"/>
+                          </a:solidFill>
+                          <a:prstDash val="solid"/>
+                          <a:round/>
+                          <a:headEnd type="none" w="med" len="med"/>
+                          <a:tailEnd type="none" w="med" len="med"/>
+                        </a:lnL>
+                        <a:lnR w="12700" cap="flat" cmpd="sng" algn="ctr">
+                          <a:solidFill>
+                            <a:schemeClr val="tx1"/>
+                          </a:solidFill>
+                          <a:prstDash val="solid"/>
+                          <a:round/>
+                          <a:headEnd type="none" w="med" len="med"/>
+                          <a:tailEnd type="none" w="med" len="med"/>
+                        </a:lnR>
+                        <a:lnT w="12700" cap="flat" cmpd="sng" algn="ctr">
+                          <a:solidFill>
+                            <a:schemeClr val="tx1"/>
+                          </a:solidFill>
+                          <a:prstDash val="solid"/>
+                          <a:round/>
+                          <a:headEnd type="none" w="med" len="med"/>
+                          <a:tailEnd type="none" w="med" len="med"/>
+                        </a:lnT>
+                        <a:lnB w="12700" cap="flat" cmpd="sng" algn="ctr">
+                          <a:solidFill>
+                            <a:schemeClr val="tx1"/>
+                          </a:solidFill>
+                          <a:prstDash val="solid"/>
+                          <a:round/>
+                          <a:headEnd type="none" w="med" len="med"/>
+                          <a:tailEnd type="none" w="med" len="med"/>
+                        </a:lnB>
+                        <a:noFill/>
+                      </a:tcPr>
+                    </a:tc>
+                    <a:tc>
+                      <a:txBody>
+                        <a:bodyPr/>
+                        <a:lstStyle/>
+                        <a:p>
+                          <a:endParaRPr lang="fr-FR"/>
+                        </a:p>
+                      </a:txBody>
+                      <a:tcPr>
+                        <a:lnL w="12700" cap="flat" cmpd="sng" algn="ctr">
+                          <a:solidFill>
+                            <a:schemeClr val="tx1"/>
+                          </a:solidFill>
+                          <a:prstDash val="solid"/>
+                          <a:round/>
+                          <a:headEnd type="none" w="med" len="med"/>
+                          <a:tailEnd type="none" w="med" len="med"/>
+                        </a:lnL>
+                        <a:lnR w="12700" cap="flat" cmpd="sng" algn="ctr">
+                          <a:solidFill>
+                            <a:schemeClr val="tx1"/>
+                          </a:solidFill>
+                          <a:prstDash val="solid"/>
+                          <a:round/>
+                          <a:headEnd type="none" w="med" len="med"/>
+                          <a:tailEnd type="none" w="med" len="med"/>
+                        </a:lnR>
+                        <a:lnT w="12700" cap="flat" cmpd="sng" algn="ctr">
+                          <a:solidFill>
+                            <a:schemeClr val="tx1"/>
+                          </a:solidFill>
+                          <a:prstDash val="solid"/>
+                          <a:round/>
+                          <a:headEnd type="none" w="med" len="med"/>
+                          <a:tailEnd type="none" w="med" len="med"/>
+                        </a:lnT>
+                        <a:lnB w="12700" cap="flat" cmpd="sng" algn="ctr">
+                          <a:solidFill>
+                            <a:schemeClr val="tx1"/>
+                          </a:solidFill>
+                          <a:prstDash val="solid"/>
+                          <a:round/>
+                          <a:headEnd type="none" w="med" len="med"/>
+                          <a:tailEnd type="none" w="med" len="med"/>
+                        </a:lnB>
+                        <a:blipFill>
+                          <a:blip r:embed="rId2"/>
+                          <a:stretch>
+                            <a:fillRect l="-625869" t="-332813" r="-772" b="-443750"/>
+                          </a:stretch>
+                        </a:blipFill>
+                      </a:tcPr>
+                    </a:tc>
+                    <a:extLst>
+                      <a:ext uri="{0D108BD9-81ED-4DB2-BD59-A6C34878D82A}">
+                        <a16:rowId xmlns:a16="http://schemas.microsoft.com/office/drawing/2014/main" val="2898247550"/>
+                      </a:ext>
+                    </a:extLst>
+                  </a:tr>
+                  <a:tr h="653034">
+                    <a:tc>
+                      <a:txBody>
+                        <a:bodyPr/>
+                        <a:lstStyle/>
+                        <a:p>
+                          <a:endParaRPr lang="fr-FR"/>
+                        </a:p>
+                      </a:txBody>
+                      <a:tcPr>
+                        <a:lnL w="12700" cap="flat" cmpd="sng" algn="ctr">
+                          <a:solidFill>
+                            <a:schemeClr val="tx1"/>
+                          </a:solidFill>
+                          <a:prstDash val="solid"/>
+                          <a:round/>
+                          <a:headEnd type="none" w="med" len="med"/>
+                          <a:tailEnd type="none" w="med" len="med"/>
+                        </a:lnL>
+                        <a:lnR w="12700" cap="flat" cmpd="sng" algn="ctr">
+                          <a:solidFill>
+                            <a:schemeClr val="tx1"/>
+                          </a:solidFill>
+                          <a:prstDash val="solid"/>
+                          <a:round/>
+                          <a:headEnd type="none" w="med" len="med"/>
+                          <a:tailEnd type="none" w="med" len="med"/>
+                        </a:lnR>
+                        <a:lnT w="12700" cap="flat" cmpd="sng" algn="ctr">
+                          <a:solidFill>
+                            <a:schemeClr val="tx1"/>
+                          </a:solidFill>
+                          <a:prstDash val="solid"/>
+                          <a:round/>
+                          <a:headEnd type="none" w="med" len="med"/>
+                          <a:tailEnd type="none" w="med" len="med"/>
+                        </a:lnT>
+                        <a:lnB w="12700" cap="flat" cmpd="sng" algn="ctr">
+                          <a:solidFill>
+                            <a:schemeClr val="tx1"/>
+                          </a:solidFill>
+                          <a:prstDash val="solid"/>
+                          <a:round/>
+                          <a:headEnd type="none" w="med" len="med"/>
+                          <a:tailEnd type="none" w="med" len="med"/>
+                        </a:lnB>
+                        <a:blipFill>
+                          <a:blip r:embed="rId2"/>
+                          <a:stretch>
+                            <a:fillRect l="-309" t="-258879" r="-480556" b="-165421"/>
+                          </a:stretch>
+                        </a:blipFill>
+                      </a:tcPr>
+                    </a:tc>
+                    <a:tc>
+                      <a:txBody>
+                        <a:bodyPr/>
+                        <a:lstStyle/>
+                        <a:p>
+                          <a:endParaRPr lang="fr-FR"/>
+                        </a:p>
+                      </a:txBody>
+                      <a:tcPr>
+                        <a:lnL w="12700" cap="flat" cmpd="sng" algn="ctr">
+                          <a:solidFill>
+                            <a:schemeClr val="tx1"/>
+                          </a:solidFill>
+                          <a:prstDash val="solid"/>
+                          <a:round/>
+                          <a:headEnd type="none" w="med" len="med"/>
+                          <a:tailEnd type="none" w="med" len="med"/>
+                        </a:lnL>
+                        <a:lnR w="12700" cap="flat" cmpd="sng" algn="ctr">
+                          <a:solidFill>
+                            <a:schemeClr val="tx1"/>
+                          </a:solidFill>
+                          <a:prstDash val="solid"/>
+                          <a:round/>
+                          <a:headEnd type="none" w="med" len="med"/>
+                          <a:tailEnd type="none" w="med" len="med"/>
+                        </a:lnR>
+                        <a:lnT w="12700" cap="flat" cmpd="sng" algn="ctr">
+                          <a:solidFill>
+                            <a:schemeClr val="tx1"/>
+                          </a:solidFill>
+                          <a:prstDash val="solid"/>
+                          <a:round/>
+                          <a:headEnd type="none" w="med" len="med"/>
+                          <a:tailEnd type="none" w="med" len="med"/>
+                        </a:lnT>
+                        <a:lnB w="12700" cap="flat" cmpd="sng" algn="ctr">
+                          <a:solidFill>
+                            <a:schemeClr val="tx1"/>
+                          </a:solidFill>
+                          <a:prstDash val="solid"/>
+                          <a:round/>
+                          <a:headEnd type="none" w="med" len="med"/>
+                          <a:tailEnd type="none" w="med" len="med"/>
+                        </a:lnB>
+                        <a:blipFill>
+                          <a:blip r:embed="rId2"/>
+                          <a:stretch>
+                            <a:fillRect l="-125483" t="-258879" r="-501158" b="-165421"/>
+                          </a:stretch>
+                        </a:blipFill>
+                      </a:tcPr>
+                    </a:tc>
+                    <a:tc gridSpan="2">
+                      <a:txBody>
+                        <a:bodyPr/>
+                        <a:lstStyle/>
+                        <a:p>
+                          <a:endParaRPr lang="fr-FR"/>
+                        </a:p>
+                      </a:txBody>
+                      <a:tcPr>
+                        <a:lnL w="12700" cap="flat" cmpd="sng" algn="ctr">
+                          <a:solidFill>
+                            <a:schemeClr val="tx1"/>
+                          </a:solidFill>
+                          <a:prstDash val="solid"/>
+                          <a:round/>
+                          <a:headEnd type="none" w="med" len="med"/>
+                          <a:tailEnd type="none" w="med" len="med"/>
+                        </a:lnL>
+                        <a:lnR w="12700" cap="flat" cmpd="sng" algn="ctr">
+                          <a:solidFill>
+                            <a:schemeClr val="tx1"/>
+                          </a:solidFill>
+                          <a:prstDash val="solid"/>
+                          <a:round/>
+                          <a:headEnd type="none" w="med" len="med"/>
+                          <a:tailEnd type="none" w="med" len="med"/>
+                        </a:lnR>
+                        <a:lnT w="12700" cap="flat" cmpd="sng" algn="ctr">
+                          <a:solidFill>
+                            <a:schemeClr val="tx1"/>
+                          </a:solidFill>
+                          <a:prstDash val="solid"/>
+                          <a:round/>
+                          <a:headEnd type="none" w="med" len="med"/>
+                          <a:tailEnd type="none" w="med" len="med"/>
+                        </a:lnT>
+                        <a:lnB w="12700" cap="flat" cmpd="sng" algn="ctr">
+                          <a:solidFill>
+                            <a:schemeClr val="tx1"/>
+                          </a:solidFill>
+                          <a:prstDash val="solid"/>
+                          <a:round/>
+                          <a:headEnd type="none" w="med" len="med"/>
+                          <a:tailEnd type="none" w="med" len="med"/>
+                        </a:lnB>
+                        <a:blipFill>
+                          <a:blip r:embed="rId2"/>
+                          <a:stretch>
+                            <a:fillRect l="-118941" t="-258879" r="-164358" b="-165421"/>
+                          </a:stretch>
+                        </a:blipFill>
+                      </a:tcPr>
+                    </a:tc>
+                    <a:tc hMerge="1">
+                      <a:txBody>
+                        <a:bodyPr/>
+                        <a:lstStyle/>
+                        <a:p>
+                          <a:endParaRPr lang="fr-FR" dirty="0"/>
+                        </a:p>
+                      </a:txBody>
+                      <a:tcPr>
+                        <a:lnL w="12700" cap="flat" cmpd="sng" algn="ctr">
+                          <a:solidFill>
+                            <a:schemeClr val="tx1"/>
+                          </a:solidFill>
+                          <a:prstDash val="solid"/>
+                          <a:round/>
+                          <a:headEnd type="none" w="med" len="med"/>
+                          <a:tailEnd type="none" w="med" len="med"/>
+                        </a:lnL>
+                        <a:lnR w="12700" cap="flat" cmpd="sng" algn="ctr">
+                          <a:solidFill>
+                            <a:schemeClr val="tx1"/>
+                          </a:solidFill>
+                          <a:prstDash val="solid"/>
+                          <a:round/>
+                          <a:headEnd type="none" w="med" len="med"/>
+                          <a:tailEnd type="none" w="med" len="med"/>
+                        </a:lnR>
+                        <a:lnT w="12700" cap="flat" cmpd="sng" algn="ctr">
+                          <a:solidFill>
+                            <a:schemeClr val="tx1"/>
+                          </a:solidFill>
+                          <a:prstDash val="solid"/>
+                          <a:round/>
+                          <a:headEnd type="none" w="med" len="med"/>
+                          <a:tailEnd type="none" w="med" len="med"/>
+                        </a:lnT>
+                        <a:lnB w="12700" cap="flat" cmpd="sng" algn="ctr">
+                          <a:solidFill>
+                            <a:schemeClr val="tx1"/>
+                          </a:solidFill>
+                          <a:prstDash val="solid"/>
+                          <a:round/>
+                          <a:headEnd type="none" w="med" len="med"/>
+                          <a:tailEnd type="none" w="med" len="med"/>
+                        </a:lnB>
+                        <a:noFill/>
+                      </a:tcPr>
+                    </a:tc>
+                    <a:tc gridSpan="2">
+                      <a:txBody>
+                        <a:bodyPr/>
+                        <a:lstStyle/>
+                        <a:p>
+                          <a:endParaRPr lang="fr-FR"/>
+                        </a:p>
+                      </a:txBody>
+                      <a:tcPr>
+                        <a:lnL w="12700" cap="flat" cmpd="sng" algn="ctr">
+                          <a:solidFill>
+                            <a:schemeClr val="tx1"/>
+                          </a:solidFill>
+                          <a:prstDash val="solid"/>
+                          <a:round/>
+                          <a:headEnd type="none" w="med" len="med"/>
+                          <a:tailEnd type="none" w="med" len="med"/>
+                        </a:lnL>
+                        <a:lnR w="12700" cap="flat" cmpd="sng" algn="ctr">
+                          <a:solidFill>
+                            <a:schemeClr val="tx1"/>
+                          </a:solidFill>
+                          <a:prstDash val="solid"/>
+                          <a:round/>
+                          <a:headEnd type="none" w="med" len="med"/>
+                          <a:tailEnd type="none" w="med" len="med"/>
+                        </a:lnR>
+                        <a:lnT w="12700" cap="flat" cmpd="sng" algn="ctr">
+                          <a:solidFill>
+                            <a:schemeClr val="tx1"/>
+                          </a:solidFill>
+                          <a:prstDash val="solid"/>
+                          <a:round/>
+                          <a:headEnd type="none" w="med" len="med"/>
+                          <a:tailEnd type="none" w="med" len="med"/>
+                        </a:lnT>
+                        <a:lnB w="12700" cap="flat" cmpd="sng" algn="ctr">
+                          <a:solidFill>
+                            <a:schemeClr val="tx1"/>
+                          </a:solidFill>
+                          <a:prstDash val="solid"/>
+                          <a:round/>
+                          <a:headEnd type="none" w="med" len="med"/>
+                          <a:tailEnd type="none" w="med" len="med"/>
+                        </a:lnB>
+                        <a:blipFill>
+                          <a:blip r:embed="rId2"/>
+                          <a:stretch>
+                            <a:fillRect l="-196886" t="-258879" r="-47802" b="-165421"/>
+                          </a:stretch>
+                        </a:blipFill>
+                      </a:tcPr>
+                    </a:tc>
+                    <a:tc hMerge="1">
+                      <a:txBody>
+                        <a:bodyPr/>
+                        <a:lstStyle/>
+                        <a:p>
+                          <a:endParaRPr lang="fr-FR" dirty="0"/>
+                        </a:p>
+                      </a:txBody>
+                      <a:tcPr>
+                        <a:lnL w="12700" cap="flat" cmpd="sng" algn="ctr">
+                          <a:solidFill>
+                            <a:schemeClr val="tx1"/>
+                          </a:solidFill>
+                          <a:prstDash val="solid"/>
+                          <a:round/>
+                          <a:headEnd type="none" w="med" len="med"/>
+                          <a:tailEnd type="none" w="med" len="med"/>
+                        </a:lnL>
+                        <a:lnR w="12700" cap="flat" cmpd="sng" algn="ctr">
+                          <a:solidFill>
+                            <a:schemeClr val="tx1"/>
+                          </a:solidFill>
+                          <a:prstDash val="solid"/>
+                          <a:round/>
+                          <a:headEnd type="none" w="med" len="med"/>
+                          <a:tailEnd type="none" w="med" len="med"/>
+                        </a:lnR>
+                        <a:lnT w="12700" cap="flat" cmpd="sng" algn="ctr">
+                          <a:solidFill>
+                            <a:schemeClr val="tx1"/>
+                          </a:solidFill>
+                          <a:prstDash val="solid"/>
+                          <a:round/>
+                          <a:headEnd type="none" w="med" len="med"/>
+                          <a:tailEnd type="none" w="med" len="med"/>
+                        </a:lnT>
+                        <a:lnB w="12700" cap="flat" cmpd="sng" algn="ctr">
+                          <a:solidFill>
+                            <a:schemeClr val="tx1"/>
+                          </a:solidFill>
+                          <a:prstDash val="solid"/>
+                          <a:round/>
+                          <a:headEnd type="none" w="med" len="med"/>
+                          <a:tailEnd type="none" w="med" len="med"/>
+                        </a:lnB>
+                        <a:noFill/>
+                      </a:tcPr>
+                    </a:tc>
+                    <a:tc>
+                      <a:txBody>
+                        <a:bodyPr/>
+                        <a:lstStyle/>
+                        <a:p>
+                          <a:endParaRPr lang="fr-FR"/>
+                        </a:p>
+                      </a:txBody>
+                      <a:tcPr>
+                        <a:lnL w="12700" cap="flat" cmpd="sng" algn="ctr">
+                          <a:solidFill>
+                            <a:schemeClr val="tx1"/>
+                          </a:solidFill>
+                          <a:prstDash val="solid"/>
+                          <a:round/>
+                          <a:headEnd type="none" w="med" len="med"/>
+                          <a:tailEnd type="none" w="med" len="med"/>
+                        </a:lnL>
+                        <a:lnR w="12700" cap="flat" cmpd="sng" algn="ctr">
+                          <a:solidFill>
+                            <a:schemeClr val="tx1"/>
+                          </a:solidFill>
+                          <a:prstDash val="solid"/>
+                          <a:round/>
+                          <a:headEnd type="none" w="med" len="med"/>
+                          <a:tailEnd type="none" w="med" len="med"/>
+                        </a:lnR>
+                        <a:lnT w="12700" cap="flat" cmpd="sng" algn="ctr">
+                          <a:solidFill>
+                            <a:schemeClr val="tx1"/>
+                          </a:solidFill>
+                          <a:prstDash val="solid"/>
+                          <a:round/>
+                          <a:headEnd type="none" w="med" len="med"/>
+                          <a:tailEnd type="none" w="med" len="med"/>
+                        </a:lnT>
+                        <a:lnB w="12700" cap="flat" cmpd="sng" algn="ctr">
+                          <a:solidFill>
+                            <a:schemeClr val="tx1"/>
+                          </a:solidFill>
+                          <a:prstDash val="solid"/>
+                          <a:round/>
+                          <a:headEnd type="none" w="med" len="med"/>
+                          <a:tailEnd type="none" w="med" len="med"/>
+                        </a:lnB>
+                        <a:blipFill>
+                          <a:blip r:embed="rId2"/>
+                          <a:stretch>
+                            <a:fillRect l="-625869" t="-258879" r="-772" b="-165421"/>
+                          </a:stretch>
+                        </a:blipFill>
+                      </a:tcPr>
+                    </a:tc>
+                    <a:extLst>
+                      <a:ext uri="{0D108BD9-81ED-4DB2-BD59-A6C34878D82A}">
+                        <a16:rowId xmlns:a16="http://schemas.microsoft.com/office/drawing/2014/main" val="2689315497"/>
+                      </a:ext>
+                    </a:extLst>
+                  </a:tr>
+                  <a:tr h="653034">
+                    <a:tc>
+                      <a:txBody>
+                        <a:bodyPr/>
+                        <a:lstStyle/>
+                        <a:p>
+                          <a:endParaRPr lang="fr-FR"/>
+                        </a:p>
+                      </a:txBody>
+                      <a:tcPr>
+                        <a:lnL w="12700" cap="flat" cmpd="sng" algn="ctr">
+                          <a:solidFill>
+                            <a:schemeClr val="tx1"/>
+                          </a:solidFill>
+                          <a:prstDash val="solid"/>
+                          <a:round/>
+                          <a:headEnd type="none" w="med" len="med"/>
+                          <a:tailEnd type="none" w="med" len="med"/>
+                        </a:lnL>
+                        <a:lnR w="12700" cap="flat" cmpd="sng" algn="ctr">
+                          <a:solidFill>
+                            <a:schemeClr val="tx1"/>
+                          </a:solidFill>
+                          <a:prstDash val="solid"/>
+                          <a:round/>
+                          <a:headEnd type="none" w="med" len="med"/>
+                          <a:tailEnd type="none" w="med" len="med"/>
+                        </a:lnR>
+                        <a:lnT w="12700" cap="flat" cmpd="sng" algn="ctr">
+                          <a:solidFill>
+                            <a:schemeClr val="tx1"/>
+                          </a:solidFill>
+                          <a:prstDash val="solid"/>
+                          <a:round/>
+                          <a:headEnd type="none" w="med" len="med"/>
+                          <a:tailEnd type="none" w="med" len="med"/>
+                        </a:lnT>
+                        <a:lnB w="12700" cap="flat" cmpd="sng" algn="ctr">
+                          <a:solidFill>
+                            <a:schemeClr val="tx1"/>
+                          </a:solidFill>
+                          <a:prstDash val="solid"/>
+                          <a:round/>
+                          <a:headEnd type="none" w="med" len="med"/>
+                          <a:tailEnd type="none" w="med" len="med"/>
+                        </a:lnB>
+                        <a:blipFill>
+                          <a:blip r:embed="rId2"/>
+                          <a:stretch>
+                            <a:fillRect l="-309" t="-358879" r="-480556" b="-65421"/>
+                          </a:stretch>
+                        </a:blipFill>
+                      </a:tcPr>
+                    </a:tc>
+                    <a:tc>
+                      <a:txBody>
+                        <a:bodyPr/>
+                        <a:lstStyle/>
+                        <a:p>
+                          <a:endParaRPr lang="fr-FR"/>
+                        </a:p>
+                      </a:txBody>
+                      <a:tcPr>
+                        <a:lnL w="12700" cap="flat" cmpd="sng" algn="ctr">
+                          <a:solidFill>
+                            <a:schemeClr val="tx1"/>
+                          </a:solidFill>
+                          <a:prstDash val="solid"/>
+                          <a:round/>
+                          <a:headEnd type="none" w="med" len="med"/>
+                          <a:tailEnd type="none" w="med" len="med"/>
+                        </a:lnL>
+                        <a:lnR w="12700" cap="flat" cmpd="sng" algn="ctr">
+                          <a:solidFill>
+                            <a:schemeClr val="tx1"/>
+                          </a:solidFill>
+                          <a:prstDash val="solid"/>
+                          <a:round/>
+                          <a:headEnd type="none" w="med" len="med"/>
+                          <a:tailEnd type="none" w="med" len="med"/>
+                        </a:lnR>
+                        <a:lnT w="12700" cap="flat" cmpd="sng" algn="ctr">
+                          <a:solidFill>
+                            <a:schemeClr val="tx1"/>
+                          </a:solidFill>
+                          <a:prstDash val="solid"/>
+                          <a:round/>
+                          <a:headEnd type="none" w="med" len="med"/>
+                          <a:tailEnd type="none" w="med" len="med"/>
+                        </a:lnT>
+                        <a:lnB w="12700" cap="flat" cmpd="sng" algn="ctr">
+                          <a:solidFill>
+                            <a:schemeClr val="tx1"/>
+                          </a:solidFill>
+                          <a:prstDash val="solid"/>
+                          <a:round/>
+                          <a:headEnd type="none" w="med" len="med"/>
+                          <a:tailEnd type="none" w="med" len="med"/>
+                        </a:lnB>
+                        <a:blipFill>
+                          <a:blip r:embed="rId2"/>
+                          <a:stretch>
+                            <a:fillRect l="-125483" t="-358879" r="-501158" b="-65421"/>
+                          </a:stretch>
+                        </a:blipFill>
+                      </a:tcPr>
+                    </a:tc>
+                    <a:tc gridSpan="2">
+                      <a:txBody>
+                        <a:bodyPr/>
+                        <a:lstStyle/>
+                        <a:p>
+                          <a:endParaRPr lang="fr-FR"/>
+                        </a:p>
+                      </a:txBody>
+                      <a:tcPr>
+                        <a:lnL w="12700" cap="flat" cmpd="sng" algn="ctr">
+                          <a:solidFill>
+                            <a:schemeClr val="tx1"/>
+                          </a:solidFill>
+                          <a:prstDash val="solid"/>
+                          <a:round/>
+                          <a:headEnd type="none" w="med" len="med"/>
+                          <a:tailEnd type="none" w="med" len="med"/>
+                        </a:lnL>
+                        <a:lnR w="12700" cap="flat" cmpd="sng" algn="ctr">
+                          <a:solidFill>
+                            <a:schemeClr val="tx1"/>
+                          </a:solidFill>
+                          <a:prstDash val="solid"/>
+                          <a:round/>
+                          <a:headEnd type="none" w="med" len="med"/>
+                          <a:tailEnd type="none" w="med" len="med"/>
+                        </a:lnR>
+                        <a:lnT w="12700" cap="flat" cmpd="sng" algn="ctr">
+                          <a:solidFill>
+                            <a:schemeClr val="tx1"/>
+                          </a:solidFill>
+                          <a:prstDash val="solid"/>
+                          <a:round/>
+                          <a:headEnd type="none" w="med" len="med"/>
+                          <a:tailEnd type="none" w="med" len="med"/>
+                        </a:lnT>
+                        <a:lnB w="12700" cap="flat" cmpd="sng" algn="ctr">
+                          <a:solidFill>
+                            <a:schemeClr val="tx1"/>
+                          </a:solidFill>
+                          <a:prstDash val="solid"/>
+                          <a:round/>
+                          <a:headEnd type="none" w="med" len="med"/>
+                          <a:tailEnd type="none" w="med" len="med"/>
+                        </a:lnB>
+                        <a:blipFill>
+                          <a:blip r:embed="rId2"/>
+                          <a:stretch>
+                            <a:fillRect l="-118941" t="-358879" r="-164358" b="-65421"/>
+                          </a:stretch>
+                        </a:blipFill>
+                      </a:tcPr>
+                    </a:tc>
+                    <a:tc hMerge="1">
+                      <a:txBody>
+                        <a:bodyPr/>
+                        <a:lstStyle/>
+                        <a:p>
+                          <a:endParaRPr lang="fr-FR" dirty="0"/>
+                        </a:p>
+                      </a:txBody>
+                      <a:tcPr>
+                        <a:lnL w="12700" cap="flat" cmpd="sng" algn="ctr">
+                          <a:solidFill>
+                            <a:schemeClr val="tx1"/>
+                          </a:solidFill>
+                          <a:prstDash val="solid"/>
+                          <a:round/>
+                          <a:headEnd type="none" w="med" len="med"/>
+                          <a:tailEnd type="none" w="med" len="med"/>
+                        </a:lnL>
+                        <a:lnR w="12700" cap="flat" cmpd="sng" algn="ctr">
+                          <a:solidFill>
+                            <a:schemeClr val="tx1"/>
+                          </a:solidFill>
+                          <a:prstDash val="solid"/>
+                          <a:round/>
+                          <a:headEnd type="none" w="med" len="med"/>
+                          <a:tailEnd type="none" w="med" len="med"/>
+                        </a:lnR>
+                        <a:lnT w="12700" cap="flat" cmpd="sng" algn="ctr">
+                          <a:solidFill>
+                            <a:schemeClr val="tx1"/>
+                          </a:solidFill>
+                          <a:prstDash val="solid"/>
+                          <a:round/>
+                          <a:headEnd type="none" w="med" len="med"/>
+                          <a:tailEnd type="none" w="med" len="med"/>
+                        </a:lnT>
+                        <a:lnB w="12700" cap="flat" cmpd="sng" algn="ctr">
+                          <a:solidFill>
+                            <a:schemeClr val="tx1"/>
+                          </a:solidFill>
+                          <a:prstDash val="solid"/>
+                          <a:round/>
+                          <a:headEnd type="none" w="med" len="med"/>
+                          <a:tailEnd type="none" w="med" len="med"/>
+                        </a:lnB>
+                        <a:noFill/>
+                      </a:tcPr>
+                    </a:tc>
+                    <a:tc gridSpan="2">
+                      <a:txBody>
+                        <a:bodyPr/>
+                        <a:lstStyle/>
+                        <a:p>
+                          <a:endParaRPr lang="fr-FR"/>
+                        </a:p>
+                      </a:txBody>
+                      <a:tcPr>
+                        <a:lnL w="12700" cap="flat" cmpd="sng" algn="ctr">
+                          <a:solidFill>
+                            <a:schemeClr val="tx1"/>
+                          </a:solidFill>
+                          <a:prstDash val="solid"/>
+                          <a:round/>
+                          <a:headEnd type="none" w="med" len="med"/>
+                          <a:tailEnd type="none" w="med" len="med"/>
+                        </a:lnL>
+                        <a:lnR w="12700" cap="flat" cmpd="sng" algn="ctr">
+                          <a:solidFill>
+                            <a:schemeClr val="tx1"/>
+                          </a:solidFill>
+                          <a:prstDash val="solid"/>
+                          <a:round/>
+                          <a:headEnd type="none" w="med" len="med"/>
+                          <a:tailEnd type="none" w="med" len="med"/>
+                        </a:lnR>
+                        <a:lnT w="12700" cap="flat" cmpd="sng" algn="ctr">
+                          <a:solidFill>
+                            <a:schemeClr val="tx1"/>
+                          </a:solidFill>
+                          <a:prstDash val="solid"/>
+                          <a:round/>
+                          <a:headEnd type="none" w="med" len="med"/>
+                          <a:tailEnd type="none" w="med" len="med"/>
+                        </a:lnT>
+                        <a:lnB w="12700" cap="flat" cmpd="sng" algn="ctr">
+                          <a:solidFill>
+                            <a:schemeClr val="tx1"/>
+                          </a:solidFill>
+                          <a:prstDash val="solid"/>
+                          <a:round/>
+                          <a:headEnd type="none" w="med" len="med"/>
+                          <a:tailEnd type="none" w="med" len="med"/>
+                        </a:lnB>
+                        <a:blipFill>
+                          <a:blip r:embed="rId2"/>
+                          <a:stretch>
+                            <a:fillRect l="-196886" t="-358879" r="-47802" b="-65421"/>
+                          </a:stretch>
+                        </a:blipFill>
+                      </a:tcPr>
+                    </a:tc>
+                    <a:tc hMerge="1">
+                      <a:txBody>
+                        <a:bodyPr/>
+                        <a:lstStyle/>
+                        <a:p>
+                          <a:endParaRPr lang="fr-FR" dirty="0"/>
+                        </a:p>
+                      </a:txBody>
+                      <a:tcPr>
+                        <a:lnL w="12700" cap="flat" cmpd="sng" algn="ctr">
+                          <a:solidFill>
+                            <a:schemeClr val="tx1"/>
+                          </a:solidFill>
+                          <a:prstDash val="solid"/>
+                          <a:round/>
+                          <a:headEnd type="none" w="med" len="med"/>
+                          <a:tailEnd type="none" w="med" len="med"/>
+                        </a:lnL>
+                        <a:lnR w="12700" cap="flat" cmpd="sng" algn="ctr">
+                          <a:solidFill>
+                            <a:schemeClr val="tx1"/>
+                          </a:solidFill>
+                          <a:prstDash val="solid"/>
+                          <a:round/>
+                          <a:headEnd type="none" w="med" len="med"/>
+                          <a:tailEnd type="none" w="med" len="med"/>
+                        </a:lnR>
+                        <a:lnT w="12700" cap="flat" cmpd="sng" algn="ctr">
+                          <a:solidFill>
+                            <a:schemeClr val="tx1"/>
+                          </a:solidFill>
+                          <a:prstDash val="solid"/>
+                          <a:round/>
+                          <a:headEnd type="none" w="med" len="med"/>
+                          <a:tailEnd type="none" w="med" len="med"/>
+                        </a:lnT>
+                        <a:lnB w="12700" cap="flat" cmpd="sng" algn="ctr">
+                          <a:solidFill>
+                            <a:schemeClr val="tx1"/>
+                          </a:solidFill>
+                          <a:prstDash val="solid"/>
+                          <a:round/>
+                          <a:headEnd type="none" w="med" len="med"/>
+                          <a:tailEnd type="none" w="med" len="med"/>
+                        </a:lnB>
+                        <a:noFill/>
+                      </a:tcPr>
+                    </a:tc>
+                    <a:tc>
+                      <a:txBody>
+                        <a:bodyPr/>
+                        <a:lstStyle/>
+                        <a:p>
+                          <a:endParaRPr lang="fr-FR"/>
+                        </a:p>
+                      </a:txBody>
+                      <a:tcPr>
+                        <a:lnL w="12700" cap="flat" cmpd="sng" algn="ctr">
+                          <a:solidFill>
+                            <a:schemeClr val="tx1"/>
+                          </a:solidFill>
+                          <a:prstDash val="solid"/>
+                          <a:round/>
+                          <a:headEnd type="none" w="med" len="med"/>
+                          <a:tailEnd type="none" w="med" len="med"/>
+                        </a:lnL>
+                        <a:lnR w="12700" cap="flat" cmpd="sng" algn="ctr">
+                          <a:solidFill>
+                            <a:schemeClr val="tx1"/>
+                          </a:solidFill>
+                          <a:prstDash val="solid"/>
+                          <a:round/>
+                          <a:headEnd type="none" w="med" len="med"/>
+                          <a:tailEnd type="none" w="med" len="med"/>
+                        </a:lnR>
+                        <a:lnT w="12700" cap="flat" cmpd="sng" algn="ctr">
+                          <a:solidFill>
+                            <a:schemeClr val="tx1"/>
+                          </a:solidFill>
+                          <a:prstDash val="solid"/>
+                          <a:round/>
+                          <a:headEnd type="none" w="med" len="med"/>
+                          <a:tailEnd type="none" w="med" len="med"/>
+                        </a:lnT>
+                        <a:lnB w="12700" cap="flat" cmpd="sng" algn="ctr">
+                          <a:solidFill>
+                            <a:schemeClr val="tx1"/>
+                          </a:solidFill>
+                          <a:prstDash val="solid"/>
+                          <a:round/>
+                          <a:headEnd type="none" w="med" len="med"/>
+                          <a:tailEnd type="none" w="med" len="med"/>
+                        </a:lnB>
+                        <a:blipFill>
+                          <a:blip r:embed="rId2"/>
+                          <a:stretch>
+                            <a:fillRect l="-625869" t="-358879" r="-772" b="-65421"/>
+                          </a:stretch>
+                        </a:blipFill>
+                      </a:tcPr>
+                    </a:tc>
+                    <a:extLst>
+                      <a:ext uri="{0D108BD9-81ED-4DB2-BD59-A6C34878D82A}">
+                        <a16:rowId xmlns:a16="http://schemas.microsoft.com/office/drawing/2014/main" val="2782193222"/>
+                      </a:ext>
+                    </a:extLst>
+                  </a:tr>
+                  <a:tr h="387795">
+                    <a:tc>
+                      <a:txBody>
+                        <a:bodyPr/>
+                        <a:lstStyle/>
+                        <a:p>
+                          <a:endParaRPr lang="fr-FR"/>
+                        </a:p>
+                      </a:txBody>
+                      <a:tcPr>
+                        <a:lnL w="12700" cap="flat" cmpd="sng" algn="ctr">
+                          <a:solidFill>
+                            <a:schemeClr val="tx1"/>
+                          </a:solidFill>
+                          <a:prstDash val="solid"/>
+                          <a:round/>
+                          <a:headEnd type="none" w="med" len="med"/>
+                          <a:tailEnd type="none" w="med" len="med"/>
+                        </a:lnL>
+                        <a:lnR w="12700" cap="flat" cmpd="sng" algn="ctr">
+                          <a:solidFill>
+                            <a:schemeClr val="tx1"/>
+                          </a:solidFill>
+                          <a:prstDash val="solid"/>
+                          <a:round/>
+                          <a:headEnd type="none" w="med" len="med"/>
+                          <a:tailEnd type="none" w="med" len="med"/>
+                        </a:lnR>
+                        <a:lnT w="12700" cap="flat" cmpd="sng" algn="ctr">
+                          <a:solidFill>
+                            <a:schemeClr val="tx1"/>
+                          </a:solidFill>
+                          <a:prstDash val="solid"/>
+                          <a:round/>
+                          <a:headEnd type="none" w="med" len="med"/>
+                          <a:tailEnd type="none" w="med" len="med"/>
+                        </a:lnT>
+                        <a:lnB w="12700" cap="flat" cmpd="sng" algn="ctr">
+                          <a:solidFill>
+                            <a:schemeClr val="tx1"/>
+                          </a:solidFill>
+                          <a:prstDash val="solid"/>
+                          <a:round/>
+                          <a:headEnd type="none" w="med" len="med"/>
+                          <a:tailEnd type="none" w="med" len="med"/>
+                        </a:lnB>
+                        <a:blipFill>
+                          <a:blip r:embed="rId2"/>
+                          <a:stretch>
+                            <a:fillRect l="-309" t="-767188" r="-480556" b="-9375"/>
+                          </a:stretch>
+                        </a:blipFill>
+                      </a:tcPr>
+                    </a:tc>
+                    <a:tc>
+                      <a:txBody>
+                        <a:bodyPr/>
+                        <a:lstStyle/>
+                        <a:p>
+                          <a:endParaRPr lang="fr-FR"/>
+                        </a:p>
+                      </a:txBody>
+                      <a:tcPr>
+                        <a:lnL w="12700" cap="flat" cmpd="sng" algn="ctr">
+                          <a:solidFill>
+                            <a:schemeClr val="tx1"/>
+                          </a:solidFill>
+                          <a:prstDash val="solid"/>
+                          <a:round/>
+                          <a:headEnd type="none" w="med" len="med"/>
+                          <a:tailEnd type="none" w="med" len="med"/>
+                        </a:lnL>
+                        <a:lnR w="12700" cap="flat" cmpd="sng" algn="ctr">
+                          <a:solidFill>
+                            <a:schemeClr val="tx1"/>
+                          </a:solidFill>
+                          <a:prstDash val="solid"/>
+                          <a:round/>
+                          <a:headEnd type="none" w="med" len="med"/>
+                          <a:tailEnd type="none" w="med" len="med"/>
+                        </a:lnR>
+                        <a:lnT w="12700" cap="flat" cmpd="sng" algn="ctr">
+                          <a:solidFill>
+                            <a:schemeClr val="tx1"/>
+                          </a:solidFill>
+                          <a:prstDash val="solid"/>
+                          <a:round/>
+                          <a:headEnd type="none" w="med" len="med"/>
+                          <a:tailEnd type="none" w="med" len="med"/>
+                        </a:lnT>
+                        <a:lnB w="12700" cap="flat" cmpd="sng" algn="ctr">
+                          <a:solidFill>
+                            <a:schemeClr val="tx1"/>
+                          </a:solidFill>
+                          <a:prstDash val="solid"/>
+                          <a:round/>
+                          <a:headEnd type="none" w="med" len="med"/>
+                          <a:tailEnd type="none" w="med" len="med"/>
+                        </a:lnB>
+                        <a:blipFill>
+                          <a:blip r:embed="rId2"/>
+                          <a:stretch>
+                            <a:fillRect l="-125483" t="-767188" r="-501158" b="-9375"/>
+                          </a:stretch>
+                        </a:blipFill>
+                      </a:tcPr>
+                    </a:tc>
+                    <a:tc gridSpan="2">
+                      <a:txBody>
+                        <a:bodyPr/>
+                        <a:lstStyle/>
+                        <a:p>
+                          <a:endParaRPr lang="fr-FR"/>
+                        </a:p>
+                      </a:txBody>
+                      <a:tcPr>
+                        <a:lnL w="12700" cap="flat" cmpd="sng" algn="ctr">
+                          <a:solidFill>
+                            <a:schemeClr val="tx1"/>
+                          </a:solidFill>
+                          <a:prstDash val="solid"/>
+                          <a:round/>
+                          <a:headEnd type="none" w="med" len="med"/>
+                          <a:tailEnd type="none" w="med" len="med"/>
+                        </a:lnL>
+                        <a:lnR w="12700" cap="flat" cmpd="sng" algn="ctr">
+                          <a:solidFill>
+                            <a:schemeClr val="tx1"/>
+                          </a:solidFill>
+                          <a:prstDash val="solid"/>
+                          <a:round/>
+                          <a:headEnd type="none" w="med" len="med"/>
+                          <a:tailEnd type="none" w="med" len="med"/>
+                        </a:lnR>
+                        <a:lnT w="12700" cap="flat" cmpd="sng" algn="ctr">
+                          <a:solidFill>
+                            <a:schemeClr val="tx1"/>
+                          </a:solidFill>
+                          <a:prstDash val="solid"/>
+                          <a:round/>
+                          <a:headEnd type="none" w="med" len="med"/>
+                          <a:tailEnd type="none" w="med" len="med"/>
+                        </a:lnT>
+                        <a:lnB w="12700" cap="flat" cmpd="sng" algn="ctr">
+                          <a:solidFill>
+                            <a:schemeClr val="tx1"/>
+                          </a:solidFill>
+                          <a:prstDash val="solid"/>
+                          <a:round/>
+                          <a:headEnd type="none" w="med" len="med"/>
+                          <a:tailEnd type="none" w="med" len="med"/>
+                        </a:lnB>
+                        <a:blipFill>
+                          <a:blip r:embed="rId2"/>
+                          <a:stretch>
+                            <a:fillRect l="-118941" t="-767188" r="-164358" b="-9375"/>
+                          </a:stretch>
+                        </a:blipFill>
+                      </a:tcPr>
+                    </a:tc>
+                    <a:tc hMerge="1">
+                      <a:txBody>
+                        <a:bodyPr/>
+                        <a:lstStyle/>
+                        <a:p>
+                          <a:endParaRPr lang="fr-FR" dirty="0"/>
+                        </a:p>
+                      </a:txBody>
+                      <a:tcPr>
+                        <a:lnL w="12700" cap="flat" cmpd="sng" algn="ctr">
+                          <a:solidFill>
+                            <a:schemeClr val="tx1"/>
+                          </a:solidFill>
+                          <a:prstDash val="solid"/>
+                          <a:round/>
+                          <a:headEnd type="none" w="med" len="med"/>
+                          <a:tailEnd type="none" w="med" len="med"/>
+                        </a:lnL>
+                        <a:lnR w="12700" cap="flat" cmpd="sng" algn="ctr">
+                          <a:solidFill>
+                            <a:schemeClr val="tx1"/>
+                          </a:solidFill>
+                          <a:prstDash val="solid"/>
+                          <a:round/>
+                          <a:headEnd type="none" w="med" len="med"/>
+                          <a:tailEnd type="none" w="med" len="med"/>
+                        </a:lnR>
+                        <a:lnT w="12700" cap="flat" cmpd="sng" algn="ctr">
+                          <a:solidFill>
+                            <a:schemeClr val="tx1"/>
+                          </a:solidFill>
+                          <a:prstDash val="solid"/>
+                          <a:round/>
+                          <a:headEnd type="none" w="med" len="med"/>
+                          <a:tailEnd type="none" w="med" len="med"/>
+                        </a:lnT>
+                        <a:lnB w="12700" cap="flat" cmpd="sng" algn="ctr">
+                          <a:solidFill>
+                            <a:schemeClr val="tx1"/>
+                          </a:solidFill>
+                          <a:prstDash val="solid"/>
+                          <a:round/>
+                          <a:headEnd type="none" w="med" len="med"/>
+                          <a:tailEnd type="none" w="med" len="med"/>
+                        </a:lnB>
+                        <a:noFill/>
+                      </a:tcPr>
+                    </a:tc>
+                    <a:tc gridSpan="2">
+                      <a:txBody>
+                        <a:bodyPr/>
+                        <a:lstStyle/>
+                        <a:p>
+                          <a:endParaRPr lang="fr-FR"/>
+                        </a:p>
+                      </a:txBody>
+                      <a:tcPr>
+                        <a:lnL w="12700" cap="flat" cmpd="sng" algn="ctr">
+                          <a:solidFill>
+                            <a:schemeClr val="tx1"/>
+                          </a:solidFill>
+                          <a:prstDash val="solid"/>
+                          <a:round/>
+                          <a:headEnd type="none" w="med" len="med"/>
+                          <a:tailEnd type="none" w="med" len="med"/>
+                        </a:lnL>
+                        <a:lnR w="12700" cap="flat" cmpd="sng" algn="ctr">
+                          <a:solidFill>
+                            <a:schemeClr val="tx1"/>
+                          </a:solidFill>
+                          <a:prstDash val="solid"/>
+                          <a:round/>
+                          <a:headEnd type="none" w="med" len="med"/>
+                          <a:tailEnd type="none" w="med" len="med"/>
+                        </a:lnR>
+                        <a:lnT w="12700" cap="flat" cmpd="sng" algn="ctr">
+                          <a:solidFill>
+                            <a:schemeClr val="tx1"/>
+                          </a:solidFill>
+                          <a:prstDash val="solid"/>
+                          <a:round/>
+                          <a:headEnd type="none" w="med" len="med"/>
+                          <a:tailEnd type="none" w="med" len="med"/>
+                        </a:lnT>
+                        <a:lnB w="12700" cap="flat" cmpd="sng" algn="ctr">
+                          <a:solidFill>
+                            <a:schemeClr val="tx1"/>
+                          </a:solidFill>
+                          <a:prstDash val="solid"/>
+                          <a:round/>
+                          <a:headEnd type="none" w="med" len="med"/>
+                          <a:tailEnd type="none" w="med" len="med"/>
+                        </a:lnB>
+                        <a:blipFill>
+                          <a:blip r:embed="rId2"/>
+                          <a:stretch>
+                            <a:fillRect l="-196886" t="-767188" r="-47802" b="-9375"/>
+                          </a:stretch>
+                        </a:blipFill>
+                      </a:tcPr>
+                    </a:tc>
+                    <a:tc hMerge="1">
+                      <a:txBody>
+                        <a:bodyPr/>
+                        <a:lstStyle/>
+                        <a:p>
+                          <a:endParaRPr lang="fr-FR" dirty="0"/>
+                        </a:p>
+                      </a:txBody>
+                      <a:tcPr>
+                        <a:lnL w="12700" cap="flat" cmpd="sng" algn="ctr">
+                          <a:solidFill>
+                            <a:schemeClr val="tx1"/>
+                          </a:solidFill>
+                          <a:prstDash val="solid"/>
+                          <a:round/>
+                          <a:headEnd type="none" w="med" len="med"/>
+                          <a:tailEnd type="none" w="med" len="med"/>
+                        </a:lnL>
+                        <a:lnR w="12700" cap="flat" cmpd="sng" algn="ctr">
+                          <a:solidFill>
+                            <a:schemeClr val="tx1"/>
+                          </a:solidFill>
+                          <a:prstDash val="solid"/>
+                          <a:round/>
+                          <a:headEnd type="none" w="med" len="med"/>
+                          <a:tailEnd type="none" w="med" len="med"/>
+                        </a:lnR>
+                        <a:lnT w="12700" cap="flat" cmpd="sng" algn="ctr">
+                          <a:solidFill>
+                            <a:schemeClr val="tx1"/>
+                          </a:solidFill>
+                          <a:prstDash val="solid"/>
+                          <a:round/>
+                          <a:headEnd type="none" w="med" len="med"/>
+                          <a:tailEnd type="none" w="med" len="med"/>
+                        </a:lnT>
+                        <a:lnB w="12700" cap="flat" cmpd="sng" algn="ctr">
+                          <a:solidFill>
+                            <a:schemeClr val="tx1"/>
+                          </a:solidFill>
+                          <a:prstDash val="solid"/>
+                          <a:round/>
+                          <a:headEnd type="none" w="med" len="med"/>
+                          <a:tailEnd type="none" w="med" len="med"/>
+                        </a:lnB>
+                        <a:noFill/>
+                      </a:tcPr>
+                    </a:tc>
+                    <a:tc>
+                      <a:txBody>
+                        <a:bodyPr/>
+                        <a:lstStyle/>
+                        <a:p>
+                          <a:endParaRPr lang="fr-FR"/>
+                        </a:p>
+                      </a:txBody>
+                      <a:tcPr>
+                        <a:lnL w="12700" cap="flat" cmpd="sng" algn="ctr">
+                          <a:solidFill>
+                            <a:schemeClr val="tx1"/>
+                          </a:solidFill>
+                          <a:prstDash val="solid"/>
+                          <a:round/>
+                          <a:headEnd type="none" w="med" len="med"/>
+                          <a:tailEnd type="none" w="med" len="med"/>
+                        </a:lnL>
+                        <a:lnR w="12700" cap="flat" cmpd="sng" algn="ctr">
+                          <a:solidFill>
+                            <a:schemeClr val="tx1"/>
+                          </a:solidFill>
+                          <a:prstDash val="solid"/>
+                          <a:round/>
+                          <a:headEnd type="none" w="med" len="med"/>
+                          <a:tailEnd type="none" w="med" len="med"/>
+                        </a:lnR>
+                        <a:lnT w="12700" cap="flat" cmpd="sng" algn="ctr">
+                          <a:solidFill>
+                            <a:schemeClr val="tx1"/>
+                          </a:solidFill>
+                          <a:prstDash val="solid"/>
+                          <a:round/>
+                          <a:headEnd type="none" w="med" len="med"/>
+                          <a:tailEnd type="none" w="med" len="med"/>
+                        </a:lnT>
+                        <a:lnB w="12700" cap="flat" cmpd="sng" algn="ctr">
+                          <a:solidFill>
+                            <a:schemeClr val="tx1"/>
+                          </a:solidFill>
+                          <a:prstDash val="solid"/>
+                          <a:round/>
+                          <a:headEnd type="none" w="med" len="med"/>
+                          <a:tailEnd type="none" w="med" len="med"/>
+                        </a:lnB>
+                        <a:blipFill>
+                          <a:blip r:embed="rId2"/>
+                          <a:stretch>
+                            <a:fillRect l="-625869" t="-767188" r="-772" b="-9375"/>
+                          </a:stretch>
+                        </a:blipFill>
+                      </a:tcPr>
+                    </a:tc>
+                    <a:extLst>
+                      <a:ext uri="{0D108BD9-81ED-4DB2-BD59-A6C34878D82A}">
+                        <a16:rowId xmlns:a16="http://schemas.microsoft.com/office/drawing/2014/main" val="1379686937"/>
+                      </a:ext>
+                    </a:extLst>
+                  </a:tr>
+                </a:tbl>
+              </a:graphicData>
+            </a:graphic>
+          </p:graphicFrame>
+        </mc:Fallback>
+      </mc:AlternateContent>
     </p:spTree>
     <p:extLst>
       <p:ext uri="{BB962C8B-B14F-4D97-AF65-F5344CB8AC3E}">
@@ -35942,8 +41614,8 @@
           </a:p>
         </p:txBody>
       </p:sp>
-      <mc:AlternateContent xmlns:mc="http://schemas.openxmlformats.org/markup-compatibility/2006">
-        <mc:Choice xmlns:a14="http://schemas.microsoft.com/office/drawing/2010/main" Requires="a14">
+      <mc:AlternateContent xmlns:mc="http://schemas.openxmlformats.org/markup-compatibility/2006" xmlns:a14="http://schemas.microsoft.com/office/drawing/2010/main">
+        <mc:Choice Requires="a14">
           <p:sp>
             <p:nvSpPr>
               <p:cNvPr id="4" name="Rectangle 3">
@@ -36021,7 +41693,7 @@
             </p:txBody>
           </p:sp>
         </mc:Choice>
-        <mc:Fallback>
+        <mc:Fallback xmlns="">
           <p:sp>
             <p:nvSpPr>
               <p:cNvPr id="4" name="Rectangle 3">
@@ -36073,8 +41745,8 @@
           </p:sp>
         </mc:Fallback>
       </mc:AlternateContent>
-      <mc:AlternateContent xmlns:mc="http://schemas.openxmlformats.org/markup-compatibility/2006">
-        <mc:Choice xmlns:a14="http://schemas.microsoft.com/office/drawing/2010/main" Requires="a14">
+      <mc:AlternateContent xmlns:mc="http://schemas.openxmlformats.org/markup-compatibility/2006" xmlns:a14="http://schemas.microsoft.com/office/drawing/2010/main">
+        <mc:Choice Requires="a14">
           <p:sp>
             <p:nvSpPr>
               <p:cNvPr id="5" name="Rectangle 4">
@@ -36152,7 +41824,7 @@
             </p:txBody>
           </p:sp>
         </mc:Choice>
-        <mc:Fallback>
+        <mc:Fallback xmlns="">
           <p:sp>
             <p:nvSpPr>
               <p:cNvPr id="5" name="Rectangle 4">
@@ -36204,8 +41876,8 @@
           </p:sp>
         </mc:Fallback>
       </mc:AlternateContent>
-      <mc:AlternateContent xmlns:mc="http://schemas.openxmlformats.org/markup-compatibility/2006">
-        <mc:Choice xmlns:a14="http://schemas.microsoft.com/office/drawing/2010/main" Requires="a14">
+      <mc:AlternateContent xmlns:mc="http://schemas.openxmlformats.org/markup-compatibility/2006" xmlns:a14="http://schemas.microsoft.com/office/drawing/2010/main">
+        <mc:Choice Requires="a14">
           <p:sp>
             <p:nvSpPr>
               <p:cNvPr id="6" name="Rectangle 5">
@@ -36308,7 +41980,7 @@
             </p:txBody>
           </p:sp>
         </mc:Choice>
-        <mc:Fallback>
+        <mc:Fallback xmlns="">
           <p:sp>
             <p:nvSpPr>
               <p:cNvPr id="6" name="Rectangle 5">
@@ -36807,8 +42479,8 @@
           </a:fontRef>
         </p:style>
       </p:cxnSp>
-      <mc:AlternateContent xmlns:mc="http://schemas.openxmlformats.org/markup-compatibility/2006">
-        <mc:Choice xmlns:a14="http://schemas.microsoft.com/office/drawing/2010/main" Requires="a14">
+      <mc:AlternateContent xmlns:mc="http://schemas.openxmlformats.org/markup-compatibility/2006" xmlns:a14="http://schemas.microsoft.com/office/drawing/2010/main">
+        <mc:Choice Requires="a14">
           <p:sp>
             <p:nvSpPr>
               <p:cNvPr id="16" name="Rectangle 15">
@@ -36874,7 +42546,7 @@
             </p:txBody>
           </p:sp>
         </mc:Choice>
-        <mc:Fallback>
+        <mc:Fallback xmlns="">
           <p:sp>
             <p:nvSpPr>
               <p:cNvPr id="16" name="Rectangle 15">
@@ -36919,8 +42591,8 @@
           </p:sp>
         </mc:Fallback>
       </mc:AlternateContent>
-      <mc:AlternateContent xmlns:mc="http://schemas.openxmlformats.org/markup-compatibility/2006">
-        <mc:Choice xmlns:a14="http://schemas.microsoft.com/office/drawing/2010/main" Requires="a14">
+      <mc:AlternateContent xmlns:mc="http://schemas.openxmlformats.org/markup-compatibility/2006" xmlns:a14="http://schemas.microsoft.com/office/drawing/2010/main">
+        <mc:Choice Requires="a14">
           <p:sp>
             <p:nvSpPr>
               <p:cNvPr id="17" name="Rectangle 16">
@@ -36986,7 +42658,7 @@
             </p:txBody>
           </p:sp>
         </mc:Choice>
-        <mc:Fallback>
+        <mc:Fallback xmlns="">
           <p:sp>
             <p:nvSpPr>
               <p:cNvPr id="17" name="Rectangle 16">
@@ -37581,8 +43253,8 @@
           </mc:Fallback>
         </mc:AlternateContent>
       </p:grpSp>
-      <mc:AlternateContent xmlns:mc="http://schemas.openxmlformats.org/markup-compatibility/2006">
-        <mc:Choice xmlns:a14="http://schemas.microsoft.com/office/drawing/2010/main" Requires="a14">
+      <mc:AlternateContent xmlns:mc="http://schemas.openxmlformats.org/markup-compatibility/2006" xmlns:a14="http://schemas.microsoft.com/office/drawing/2010/main">
+        <mc:Choice Requires="a14">
           <p:sp>
             <p:nvSpPr>
               <p:cNvPr id="26" name="Rectangle 25">
@@ -37719,7 +43391,7 @@
             </p:txBody>
           </p:sp>
         </mc:Choice>
-        <mc:Fallback>
+        <mc:Fallback xmlns="">
           <p:sp>
             <p:nvSpPr>
               <p:cNvPr id="26" name="Rectangle 25">
@@ -37872,8 +43544,8 @@
           </a:fontRef>
         </p:style>
       </p:cxnSp>
-      <mc:AlternateContent xmlns:mc="http://schemas.openxmlformats.org/markup-compatibility/2006">
-        <mc:Choice xmlns:a14="http://schemas.microsoft.com/office/drawing/2010/main" Requires="a14">
+      <mc:AlternateContent xmlns:mc="http://schemas.openxmlformats.org/markup-compatibility/2006" xmlns:a14="http://schemas.microsoft.com/office/drawing/2010/main">
+        <mc:Choice Requires="a14">
           <p:sp>
             <p:nvSpPr>
               <p:cNvPr id="29" name="Rectangle 28">
@@ -37976,7 +43648,7 @@
             </p:txBody>
           </p:sp>
         </mc:Choice>
-        <mc:Fallback>
+        <mc:Fallback xmlns="">
           <p:sp>
             <p:nvSpPr>
               <p:cNvPr id="29" name="Rectangle 28">
@@ -38177,8 +43849,8 @@
           </a:fontRef>
         </p:style>
       </p:cxnSp>
-      <mc:AlternateContent xmlns:mc="http://schemas.openxmlformats.org/markup-compatibility/2006">
-        <mc:Choice xmlns:a14="http://schemas.microsoft.com/office/drawing/2010/main" Requires="a14">
+      <mc:AlternateContent xmlns:mc="http://schemas.openxmlformats.org/markup-compatibility/2006" xmlns:a14="http://schemas.microsoft.com/office/drawing/2010/main">
+        <mc:Choice Requires="a14">
           <p:sp>
             <p:nvSpPr>
               <p:cNvPr id="33" name="Rectangle 32">
@@ -38315,7 +43987,7 @@
             </p:txBody>
           </p:sp>
         </mc:Choice>
-        <mc:Fallback>
+        <mc:Fallback xmlns="">
           <p:sp>
             <p:nvSpPr>
               <p:cNvPr id="33" name="Rectangle 32">
@@ -38418,8 +44090,8 @@
           </a:fontRef>
         </p:style>
       </p:cxnSp>
-      <mc:AlternateContent xmlns:mc="http://schemas.openxmlformats.org/markup-compatibility/2006">
-        <mc:Choice xmlns:a14="http://schemas.microsoft.com/office/drawing/2010/main" Requires="a14">
+      <mc:AlternateContent xmlns:mc="http://schemas.openxmlformats.org/markup-compatibility/2006" xmlns:a14="http://schemas.microsoft.com/office/drawing/2010/main">
+        <mc:Choice Requires="a14">
           <p:sp>
             <p:nvSpPr>
               <p:cNvPr id="35" name="Rectangle 34">
@@ -38485,7 +44157,7 @@
             </p:txBody>
           </p:sp>
         </mc:Choice>
-        <mc:Fallback>
+        <mc:Fallback xmlns="">
           <p:sp>
             <p:nvSpPr>
               <p:cNvPr id="35" name="Rectangle 34">
@@ -38530,8 +44202,8 @@
           </p:sp>
         </mc:Fallback>
       </mc:AlternateContent>
-      <mc:AlternateContent xmlns:mc="http://schemas.openxmlformats.org/markup-compatibility/2006">
-        <mc:Choice xmlns:a14="http://schemas.microsoft.com/office/drawing/2010/main" Requires="a14">
+      <mc:AlternateContent xmlns:mc="http://schemas.openxmlformats.org/markup-compatibility/2006" xmlns:a14="http://schemas.microsoft.com/office/drawing/2010/main">
+        <mc:Choice Requires="a14">
           <p:sp>
             <p:nvSpPr>
               <p:cNvPr id="36" name="Rectangle 35">
@@ -38616,7 +44288,7 @@
             </p:txBody>
           </p:sp>
         </mc:Choice>
-        <mc:Fallback>
+        <mc:Fallback xmlns="">
           <p:sp>
             <p:nvSpPr>
               <p:cNvPr id="36" name="Rectangle 35">
@@ -38661,8 +44333,8 @@
           </p:sp>
         </mc:Fallback>
       </mc:AlternateContent>
-      <mc:AlternateContent xmlns:mc="http://schemas.openxmlformats.org/markup-compatibility/2006">
-        <mc:Choice xmlns:a14="http://schemas.microsoft.com/office/drawing/2010/main" Requires="a14">
+      <mc:AlternateContent xmlns:mc="http://schemas.openxmlformats.org/markup-compatibility/2006" xmlns:a14="http://schemas.microsoft.com/office/drawing/2010/main">
+        <mc:Choice Requires="a14">
           <p:sp>
             <p:nvSpPr>
               <p:cNvPr id="37" name="Rectangle 36">
@@ -38747,7 +44419,7 @@
             </p:txBody>
           </p:sp>
         </mc:Choice>
-        <mc:Fallback>
+        <mc:Fallback xmlns="">
           <p:sp>
             <p:nvSpPr>
               <p:cNvPr id="37" name="Rectangle 36">
@@ -38792,8 +44464,8 @@
           </p:sp>
         </mc:Fallback>
       </mc:AlternateContent>
-      <mc:AlternateContent xmlns:mc="http://schemas.openxmlformats.org/markup-compatibility/2006">
-        <mc:Choice xmlns:a14="http://schemas.microsoft.com/office/drawing/2010/main" Requires="a14">
+      <mc:AlternateContent xmlns:mc="http://schemas.openxmlformats.org/markup-compatibility/2006" xmlns:a14="http://schemas.microsoft.com/office/drawing/2010/main">
+        <mc:Choice Requires="a14">
           <p:sp>
             <p:nvSpPr>
               <p:cNvPr id="38" name="Rectangle 37">
@@ -38859,7 +44531,7 @@
             </p:txBody>
           </p:sp>
         </mc:Choice>
-        <mc:Fallback>
+        <mc:Fallback xmlns="">
           <p:sp>
             <p:nvSpPr>
               <p:cNvPr id="38" name="Rectangle 37">
@@ -38962,8 +44634,8 @@
           </a:p>
         </p:txBody>
       </p:sp>
-      <mc:AlternateContent xmlns:mc="http://schemas.openxmlformats.org/markup-compatibility/2006">
-        <mc:Choice xmlns:a14="http://schemas.microsoft.com/office/drawing/2010/main" Requires="a14">
+      <mc:AlternateContent xmlns:mc="http://schemas.openxmlformats.org/markup-compatibility/2006" xmlns:a14="http://schemas.microsoft.com/office/drawing/2010/main">
+        <mc:Choice Requires="a14">
           <p:sp>
             <p:nvSpPr>
               <p:cNvPr id="4" name="Rectangle 3">
@@ -39041,7 +44713,7 @@
             </p:txBody>
           </p:sp>
         </mc:Choice>
-        <mc:Fallback>
+        <mc:Fallback xmlns="">
           <p:sp>
             <p:nvSpPr>
               <p:cNvPr id="4" name="Rectangle 3">
@@ -39093,8 +44765,8 @@
           </p:sp>
         </mc:Fallback>
       </mc:AlternateContent>
-      <mc:AlternateContent xmlns:mc="http://schemas.openxmlformats.org/markup-compatibility/2006">
-        <mc:Choice xmlns:a14="http://schemas.microsoft.com/office/drawing/2010/main" Requires="a14">
+      <mc:AlternateContent xmlns:mc="http://schemas.openxmlformats.org/markup-compatibility/2006" xmlns:a14="http://schemas.microsoft.com/office/drawing/2010/main">
+        <mc:Choice Requires="a14">
           <p:sp>
             <p:nvSpPr>
               <p:cNvPr id="5" name="Rectangle 4">
@@ -39172,7 +44844,7 @@
             </p:txBody>
           </p:sp>
         </mc:Choice>
-        <mc:Fallback>
+        <mc:Fallback xmlns="">
           <p:sp>
             <p:nvSpPr>
               <p:cNvPr id="5" name="Rectangle 4">
@@ -39224,8 +44896,8 @@
           </p:sp>
         </mc:Fallback>
       </mc:AlternateContent>
-      <mc:AlternateContent xmlns:mc="http://schemas.openxmlformats.org/markup-compatibility/2006">
-        <mc:Choice xmlns:a14="http://schemas.microsoft.com/office/drawing/2010/main" Requires="a14">
+      <mc:AlternateContent xmlns:mc="http://schemas.openxmlformats.org/markup-compatibility/2006" xmlns:a14="http://schemas.microsoft.com/office/drawing/2010/main">
+        <mc:Choice Requires="a14">
           <p:sp>
             <p:nvSpPr>
               <p:cNvPr id="6" name="Rectangle 5">
@@ -39328,7 +45000,7 @@
             </p:txBody>
           </p:sp>
         </mc:Choice>
-        <mc:Fallback>
+        <mc:Fallback xmlns="">
           <p:sp>
             <p:nvSpPr>
               <p:cNvPr id="6" name="Rectangle 5">
@@ -39827,8 +45499,8 @@
           </a:fontRef>
         </p:style>
       </p:cxnSp>
-      <mc:AlternateContent xmlns:mc="http://schemas.openxmlformats.org/markup-compatibility/2006">
-        <mc:Choice xmlns:a14="http://schemas.microsoft.com/office/drawing/2010/main" Requires="a14">
+      <mc:AlternateContent xmlns:mc="http://schemas.openxmlformats.org/markup-compatibility/2006" xmlns:a14="http://schemas.microsoft.com/office/drawing/2010/main">
+        <mc:Choice Requires="a14">
           <p:sp>
             <p:nvSpPr>
               <p:cNvPr id="16" name="Rectangle 15">
@@ -39894,7 +45566,7 @@
             </p:txBody>
           </p:sp>
         </mc:Choice>
-        <mc:Fallback>
+        <mc:Fallback xmlns="">
           <p:sp>
             <p:nvSpPr>
               <p:cNvPr id="16" name="Rectangle 15">
@@ -39939,8 +45611,8 @@
           </p:sp>
         </mc:Fallback>
       </mc:AlternateContent>
-      <mc:AlternateContent xmlns:mc="http://schemas.openxmlformats.org/markup-compatibility/2006">
-        <mc:Choice xmlns:a14="http://schemas.microsoft.com/office/drawing/2010/main" Requires="a14">
+      <mc:AlternateContent xmlns:mc="http://schemas.openxmlformats.org/markup-compatibility/2006" xmlns:a14="http://schemas.microsoft.com/office/drawing/2010/main">
+        <mc:Choice Requires="a14">
           <p:sp>
             <p:nvSpPr>
               <p:cNvPr id="17" name="Rectangle 16">
@@ -40006,7 +45678,7 @@
             </p:txBody>
           </p:sp>
         </mc:Choice>
-        <mc:Fallback>
+        <mc:Fallback xmlns="">
           <p:sp>
             <p:nvSpPr>
               <p:cNvPr id="17" name="Rectangle 16">
@@ -40325,8 +45997,8 @@
             </p:sp>
           </mc:Fallback>
         </mc:AlternateContent>
-        <mc:AlternateContent xmlns:mc="http://schemas.openxmlformats.org/markup-compatibility/2006">
-          <mc:Choice xmlns:a14="http://schemas.microsoft.com/office/drawing/2010/main" Requires="a14">
+        <mc:AlternateContent xmlns:mc="http://schemas.openxmlformats.org/markup-compatibility/2006" xmlns:a14="http://schemas.microsoft.com/office/drawing/2010/main">
+          <mc:Choice Requires="a14">
             <p:sp>
               <p:nvSpPr>
                 <p:cNvPr id="41" name="Rectangle 40">
@@ -40375,7 +46047,7 @@
               </p:txBody>
             </p:sp>
           </mc:Choice>
-          <mc:Fallback>
+          <mc:Fallback xmlns="">
             <p:sp>
               <p:nvSpPr>
                 <p:cNvPr id="41" name="Rectangle 40">
@@ -40696,8 +46368,8 @@
           </mc:Fallback>
         </mc:AlternateContent>
       </p:grpSp>
-      <mc:AlternateContent xmlns:mc="http://schemas.openxmlformats.org/markup-compatibility/2006">
-        <mc:Choice xmlns:a14="http://schemas.microsoft.com/office/drawing/2010/main" Requires="a14">
+      <mc:AlternateContent xmlns:mc="http://schemas.openxmlformats.org/markup-compatibility/2006" xmlns:a14="http://schemas.microsoft.com/office/drawing/2010/main">
+        <mc:Choice Requires="a14">
           <p:sp>
             <p:nvSpPr>
               <p:cNvPr id="26" name="Rectangle 25">
@@ -40834,7 +46506,7 @@
             </p:txBody>
           </p:sp>
         </mc:Choice>
-        <mc:Fallback>
+        <mc:Fallback xmlns="">
           <p:sp>
             <p:nvSpPr>
               <p:cNvPr id="26" name="Rectangle 25">
@@ -40987,8 +46659,8 @@
           </a:fontRef>
         </p:style>
       </p:cxnSp>
-      <mc:AlternateContent xmlns:mc="http://schemas.openxmlformats.org/markup-compatibility/2006">
-        <mc:Choice xmlns:a14="http://schemas.microsoft.com/office/drawing/2010/main" Requires="a14">
+      <mc:AlternateContent xmlns:mc="http://schemas.openxmlformats.org/markup-compatibility/2006" xmlns:a14="http://schemas.microsoft.com/office/drawing/2010/main">
+        <mc:Choice Requires="a14">
           <p:sp>
             <p:nvSpPr>
               <p:cNvPr id="29" name="Rectangle 28">
@@ -41091,7 +46763,7 @@
             </p:txBody>
           </p:sp>
         </mc:Choice>
-        <mc:Fallback>
+        <mc:Fallback xmlns="">
           <p:sp>
             <p:nvSpPr>
               <p:cNvPr id="29" name="Rectangle 28">
@@ -41292,8 +46964,8 @@
           </a:fontRef>
         </p:style>
       </p:cxnSp>
-      <mc:AlternateContent xmlns:mc="http://schemas.openxmlformats.org/markup-compatibility/2006">
-        <mc:Choice xmlns:a14="http://schemas.microsoft.com/office/drawing/2010/main" Requires="a14">
+      <mc:AlternateContent xmlns:mc="http://schemas.openxmlformats.org/markup-compatibility/2006" xmlns:a14="http://schemas.microsoft.com/office/drawing/2010/main">
+        <mc:Choice Requires="a14">
           <p:sp>
             <p:nvSpPr>
               <p:cNvPr id="33" name="Rectangle 32">
@@ -41430,7 +47102,7 @@
             </p:txBody>
           </p:sp>
         </mc:Choice>
-        <mc:Fallback>
+        <mc:Fallback xmlns="">
           <p:sp>
             <p:nvSpPr>
               <p:cNvPr id="33" name="Rectangle 32">
@@ -41533,8 +47205,8 @@
           </a:fontRef>
         </p:style>
       </p:cxnSp>
-      <mc:AlternateContent xmlns:mc="http://schemas.openxmlformats.org/markup-compatibility/2006">
-        <mc:Choice xmlns:a14="http://schemas.microsoft.com/office/drawing/2010/main" Requires="a14">
+      <mc:AlternateContent xmlns:mc="http://schemas.openxmlformats.org/markup-compatibility/2006" xmlns:a14="http://schemas.microsoft.com/office/drawing/2010/main">
+        <mc:Choice Requires="a14">
           <p:sp>
             <p:nvSpPr>
               <p:cNvPr id="35" name="Rectangle 34">
@@ -41600,7 +47272,7 @@
             </p:txBody>
           </p:sp>
         </mc:Choice>
-        <mc:Fallback>
+        <mc:Fallback xmlns="">
           <p:sp>
             <p:nvSpPr>
               <p:cNvPr id="35" name="Rectangle 34">
@@ -41645,8 +47317,8 @@
           </p:sp>
         </mc:Fallback>
       </mc:AlternateContent>
-      <mc:AlternateContent xmlns:mc="http://schemas.openxmlformats.org/markup-compatibility/2006">
-        <mc:Choice xmlns:a14="http://schemas.microsoft.com/office/drawing/2010/main" Requires="a14">
+      <mc:AlternateContent xmlns:mc="http://schemas.openxmlformats.org/markup-compatibility/2006" xmlns:a14="http://schemas.microsoft.com/office/drawing/2010/main">
+        <mc:Choice Requires="a14">
           <p:sp>
             <p:nvSpPr>
               <p:cNvPr id="36" name="Rectangle 35">
@@ -41731,7 +47403,7 @@
             </p:txBody>
           </p:sp>
         </mc:Choice>
-        <mc:Fallback>
+        <mc:Fallback xmlns="">
           <p:sp>
             <p:nvSpPr>
               <p:cNvPr id="36" name="Rectangle 35">
@@ -41776,8 +47448,8 @@
           </p:sp>
         </mc:Fallback>
       </mc:AlternateContent>
-      <mc:AlternateContent xmlns:mc="http://schemas.openxmlformats.org/markup-compatibility/2006">
-        <mc:Choice xmlns:a14="http://schemas.microsoft.com/office/drawing/2010/main" Requires="a14">
+      <mc:AlternateContent xmlns:mc="http://schemas.openxmlformats.org/markup-compatibility/2006" xmlns:a14="http://schemas.microsoft.com/office/drawing/2010/main">
+        <mc:Choice Requires="a14">
           <p:sp>
             <p:nvSpPr>
               <p:cNvPr id="37" name="Rectangle 36">
@@ -41862,7 +47534,7 @@
             </p:txBody>
           </p:sp>
         </mc:Choice>
-        <mc:Fallback>
+        <mc:Fallback xmlns="">
           <p:sp>
             <p:nvSpPr>
               <p:cNvPr id="37" name="Rectangle 36">
@@ -41907,8 +47579,8 @@
           </p:sp>
         </mc:Fallback>
       </mc:AlternateContent>
-      <mc:AlternateContent xmlns:mc="http://schemas.openxmlformats.org/markup-compatibility/2006">
-        <mc:Choice xmlns:a14="http://schemas.microsoft.com/office/drawing/2010/main" Requires="a14">
+      <mc:AlternateContent xmlns:mc="http://schemas.openxmlformats.org/markup-compatibility/2006" xmlns:a14="http://schemas.microsoft.com/office/drawing/2010/main">
+        <mc:Choice Requires="a14">
           <p:sp>
             <p:nvSpPr>
               <p:cNvPr id="38" name="Rectangle 37">
@@ -41974,7 +47646,7 @@
             </p:txBody>
           </p:sp>
         </mc:Choice>
-        <mc:Fallback>
+        <mc:Fallback xmlns="">
           <p:sp>
             <p:nvSpPr>
               <p:cNvPr id="38" name="Rectangle 37">
@@ -42019,8 +47691,8 @@
           </p:sp>
         </mc:Fallback>
       </mc:AlternateContent>
-      <mc:AlternateContent xmlns:mc="http://schemas.openxmlformats.org/markup-compatibility/2006">
-        <mc:Choice xmlns:a14="http://schemas.microsoft.com/office/drawing/2010/main" Requires="a14">
+      <mc:AlternateContent xmlns:mc="http://schemas.openxmlformats.org/markup-compatibility/2006" xmlns:a14="http://schemas.microsoft.com/office/drawing/2010/main">
+        <mc:Choice Requires="a14">
           <p:sp>
             <p:nvSpPr>
               <p:cNvPr id="40" name="Rectangle 39">
@@ -42098,7 +47770,7 @@
             </p:txBody>
           </p:sp>
         </mc:Choice>
-        <mc:Fallback>
+        <mc:Fallback xmlns="">
           <p:sp>
             <p:nvSpPr>
               <p:cNvPr id="40" name="Rectangle 39">
